--- a/T2113-荣致栋-小组-仿阿里云官网.pptx
+++ b/T2113-荣致栋-小组-仿阿里云官网.pptx
@@ -5,12 +5,12 @@
     <p:sldMasterId id="2147483648" r:id="rId1"/>
   </p:sldMasterIdLst>
   <p:notesMasterIdLst>
-    <p:notesMasterId r:id="rId15"/>
+    <p:notesMasterId r:id="rId16"/>
   </p:notesMasterIdLst>
   <p:sldIdLst>
     <p:sldId id="256" r:id="rId2"/>
-    <p:sldId id="258" r:id="rId3"/>
-    <p:sldId id="263" r:id="rId4"/>
+    <p:sldId id="263" r:id="rId3"/>
+    <p:sldId id="258" r:id="rId4"/>
     <p:sldId id="259" r:id="rId5"/>
     <p:sldId id="264" r:id="rId6"/>
     <p:sldId id="272" r:id="rId7"/>
@@ -20,7 +20,8 @@
     <p:sldId id="270" r:id="rId11"/>
     <p:sldId id="271" r:id="rId12"/>
     <p:sldId id="274" r:id="rId13"/>
-    <p:sldId id="267" r:id="rId14"/>
+    <p:sldId id="275" r:id="rId14"/>
+    <p:sldId id="267" r:id="rId15"/>
   </p:sldIdLst>
   <p:sldSz cx="12192000" cy="6858000"/>
   <p:notesSz cx="6858000" cy="9144000"/>
@@ -125,8 +126,8 @@
         <p14:section name="默认节" id="{517A5877-87DD-4F46-96B5-6B8E0E928934}">
           <p14:sldIdLst>
             <p14:sldId id="256"/>
+            <p14:sldId id="263"/>
             <p14:sldId id="258"/>
-            <p14:sldId id="263"/>
             <p14:sldId id="259"/>
             <p14:sldId id="264"/>
             <p14:sldId id="272"/>
@@ -136,6 +137,7 @@
             <p14:sldId id="270"/>
             <p14:sldId id="271"/>
             <p14:sldId id="274"/>
+            <p14:sldId id="275"/>
             <p14:sldId id="267"/>
           </p14:sldIdLst>
         </p14:section>
@@ -388,7 +390,6 @@
     </c:plotArea>
     <c:legend>
       <c:legendPos val="b"/>
-      <c:layout/>
       <c:overlay val="0"/>
       <c:spPr>
         <a:noFill/>
@@ -1070,7 +1071,7 @@
           <a:p>
             <a:fld id="{5ADEDE04-7939-483B-82AA-F610C98D7A63}" type="datetimeFigureOut">
               <a:rPr lang="zh-CN" altLang="en-US" smtClean="0"/>
-              <a:t>2021/12/30</a:t>
+              <a:t>2021/12/31</a:t>
             </a:fld>
             <a:endParaRPr lang="zh-CN" altLang="en-US"/>
           </a:p>
@@ -1466,7 +1467,7 @@
           <a:p>
             <a:fld id="{A451395A-242F-4CE2-8F30-F174074FE675}" type="datetimeFigureOut">
               <a:rPr lang="zh-CN" altLang="en-US" smtClean="0"/>
-              <a:t>2021/12/30</a:t>
+              <a:t>2021/12/31</a:t>
             </a:fld>
             <a:endParaRPr lang="zh-CN" altLang="en-US"/>
           </a:p>
@@ -1634,7 +1635,7 @@
           <a:p>
             <a:fld id="{A451395A-242F-4CE2-8F30-F174074FE675}" type="datetimeFigureOut">
               <a:rPr lang="zh-CN" altLang="en-US" smtClean="0"/>
-              <a:t>2021/12/30</a:t>
+              <a:t>2021/12/31</a:t>
             </a:fld>
             <a:endParaRPr lang="zh-CN" altLang="en-US"/>
           </a:p>
@@ -1812,7 +1813,7 @@
           <a:p>
             <a:fld id="{A451395A-242F-4CE2-8F30-F174074FE675}" type="datetimeFigureOut">
               <a:rPr lang="zh-CN" altLang="en-US" smtClean="0"/>
-              <a:t>2021/12/30</a:t>
+              <a:t>2021/12/31</a:t>
             </a:fld>
             <a:endParaRPr lang="zh-CN" altLang="en-US"/>
           </a:p>
@@ -1980,7 +1981,7 @@
           <a:p>
             <a:fld id="{A451395A-242F-4CE2-8F30-F174074FE675}" type="datetimeFigureOut">
               <a:rPr lang="zh-CN" altLang="en-US" smtClean="0"/>
-              <a:t>2021/12/30</a:t>
+              <a:t>2021/12/31</a:t>
             </a:fld>
             <a:endParaRPr lang="zh-CN" altLang="en-US"/>
           </a:p>
@@ -2225,7 +2226,7 @@
           <a:p>
             <a:fld id="{A451395A-242F-4CE2-8F30-F174074FE675}" type="datetimeFigureOut">
               <a:rPr lang="zh-CN" altLang="en-US" smtClean="0"/>
-              <a:t>2021/12/30</a:t>
+              <a:t>2021/12/31</a:t>
             </a:fld>
             <a:endParaRPr lang="zh-CN" altLang="en-US"/>
           </a:p>
@@ -2454,7 +2455,7 @@
           <a:p>
             <a:fld id="{A451395A-242F-4CE2-8F30-F174074FE675}" type="datetimeFigureOut">
               <a:rPr lang="zh-CN" altLang="en-US" smtClean="0"/>
-              <a:t>2021/12/30</a:t>
+              <a:t>2021/12/31</a:t>
             </a:fld>
             <a:endParaRPr lang="zh-CN" altLang="en-US"/>
           </a:p>
@@ -2818,7 +2819,7 @@
           <a:p>
             <a:fld id="{A451395A-242F-4CE2-8F30-F174074FE675}" type="datetimeFigureOut">
               <a:rPr lang="zh-CN" altLang="en-US" smtClean="0"/>
-              <a:t>2021/12/30</a:t>
+              <a:t>2021/12/31</a:t>
             </a:fld>
             <a:endParaRPr lang="zh-CN" altLang="en-US"/>
           </a:p>
@@ -2935,7 +2936,7 @@
           <a:p>
             <a:fld id="{A451395A-242F-4CE2-8F30-F174074FE675}" type="datetimeFigureOut">
               <a:rPr lang="zh-CN" altLang="en-US" smtClean="0"/>
-              <a:t>2021/12/30</a:t>
+              <a:t>2021/12/31</a:t>
             </a:fld>
             <a:endParaRPr lang="zh-CN" altLang="en-US"/>
           </a:p>
@@ -3030,7 +3031,7 @@
           <a:p>
             <a:fld id="{A451395A-242F-4CE2-8F30-F174074FE675}" type="datetimeFigureOut">
               <a:rPr lang="zh-CN" altLang="en-US" smtClean="0"/>
-              <a:t>2021/12/30</a:t>
+              <a:t>2021/12/31</a:t>
             </a:fld>
             <a:endParaRPr lang="zh-CN" altLang="en-US"/>
           </a:p>
@@ -3305,7 +3306,7 @@
           <a:p>
             <a:fld id="{A451395A-242F-4CE2-8F30-F174074FE675}" type="datetimeFigureOut">
               <a:rPr lang="zh-CN" altLang="en-US" smtClean="0"/>
-              <a:t>2021/12/30</a:t>
+              <a:t>2021/12/31</a:t>
             </a:fld>
             <a:endParaRPr lang="zh-CN" altLang="en-US"/>
           </a:p>
@@ -3557,7 +3558,7 @@
           <a:p>
             <a:fld id="{A451395A-242F-4CE2-8F30-F174074FE675}" type="datetimeFigureOut">
               <a:rPr lang="zh-CN" altLang="en-US" smtClean="0"/>
-              <a:t>2021/12/30</a:t>
+              <a:t>2021/12/31</a:t>
             </a:fld>
             <a:endParaRPr lang="zh-CN" altLang="en-US"/>
           </a:p>
@@ -3768,7 +3769,7 @@
           <a:p>
             <a:fld id="{A451395A-242F-4CE2-8F30-F174074FE675}" type="datetimeFigureOut">
               <a:rPr lang="zh-CN" altLang="en-US" smtClean="0"/>
-              <a:t>2021/12/30</a:t>
+              <a:t>2021/12/31</a:t>
             </a:fld>
             <a:endParaRPr lang="zh-CN" altLang="en-US"/>
           </a:p>
@@ -4522,6 +4523,11 @@
               <a:rPr lang="zh-CN" altLang="en-US"/>
               <a:t>：</a:t>
             </a:r>
+            <a:r>
+              <a:rPr lang="en-US" altLang="zh-CN"/>
+              <a:t>2022-1-3</a:t>
+            </a:r>
+            <a:endParaRPr lang="zh-CN" altLang="en-US"/>
           </a:p>
         </p:txBody>
       </p:sp>
@@ -4558,6 +4564,123 @@
           </a:p>
         </p:txBody>
       </p:sp>
+      <p:sp>
+        <p:nvSpPr>
+          <p:cNvPr id="8" name="文本框 7"/>
+          <p:cNvSpPr txBox="1"/>
+          <p:nvPr/>
+        </p:nvSpPr>
+        <p:spPr>
+          <a:xfrm>
+            <a:off x="1914664" y="4648679"/>
+            <a:ext cx="1449251" cy="369332"/>
+          </a:xfrm>
+          <a:prstGeom prst="rect">
+            <a:avLst/>
+          </a:prstGeom>
+          <a:noFill/>
+        </p:spPr>
+        <p:txBody>
+          <a:bodyPr wrap="square" rtlCol="0">
+            <a:spAutoFit/>
+          </a:bodyPr>
+          <a:lstStyle/>
+          <a:p>
+            <a:r>
+              <a:rPr lang="zh-CN" altLang="en-US"/>
+              <a:t>荣致栋</a:t>
+            </a:r>
+          </a:p>
+        </p:txBody>
+      </p:sp>
+      <p:sp>
+        <p:nvSpPr>
+          <p:cNvPr id="9" name="矩形 8">
+            <a:extLst>
+              <a:ext uri="{FF2B5EF4-FFF2-40B4-BE49-F238E27FC236}">
+                <a16:creationId xmlns:a16="http://schemas.microsoft.com/office/drawing/2014/main" id="{ACDFCA59-0EFC-458E-B4BD-BC115DBFEBA3}"/>
+              </a:ext>
+            </a:extLst>
+          </p:cNvPr>
+          <p:cNvSpPr/>
+          <p:nvPr/>
+        </p:nvSpPr>
+        <p:spPr>
+          <a:xfrm>
+            <a:off x="8125428" y="0"/>
+            <a:ext cx="3923818" cy="1724628"/>
+          </a:xfrm>
+          <a:prstGeom prst="rect">
+            <a:avLst/>
+          </a:prstGeom>
+          <a:solidFill>
+            <a:schemeClr val="bg1"/>
+          </a:solidFill>
+          <a:ln>
+            <a:noFill/>
+          </a:ln>
+        </p:spPr>
+        <p:style>
+          <a:lnRef idx="2">
+            <a:schemeClr val="accent1">
+              <a:shade val="50000"/>
+            </a:schemeClr>
+          </a:lnRef>
+          <a:fillRef idx="1">
+            <a:schemeClr val="accent1"/>
+          </a:fillRef>
+          <a:effectRef idx="0">
+            <a:schemeClr val="accent1"/>
+          </a:effectRef>
+          <a:fontRef idx="minor">
+            <a:schemeClr val="lt1"/>
+          </a:fontRef>
+        </p:style>
+        <p:txBody>
+          <a:bodyPr rtlCol="0" anchor="ctr"/>
+          <a:lstStyle/>
+          <a:p>
+            <a:pPr algn="ctr"/>
+            <a:endParaRPr lang="zh-CN" altLang="en-US"/>
+          </a:p>
+        </p:txBody>
+      </p:sp>
+      <p:pic>
+        <p:nvPicPr>
+          <p:cNvPr id="13" name="图片 12">
+            <a:extLst>
+              <a:ext uri="{FF2B5EF4-FFF2-40B4-BE49-F238E27FC236}">
+                <a16:creationId xmlns:a16="http://schemas.microsoft.com/office/drawing/2014/main" id="{5C1B8821-7654-41B9-9F54-757B67B5DBCF}"/>
+              </a:ext>
+            </a:extLst>
+          </p:cNvPr>
+          <p:cNvPicPr>
+            <a:picLocks noChangeAspect="1"/>
+          </p:cNvPicPr>
+          <p:nvPr/>
+        </p:nvPicPr>
+        <p:blipFill>
+          <a:blip r:embed="rId3">
+            <a:extLst>
+              <a:ext uri="{28A0092B-C50C-407E-A947-70E740481C1C}">
+                <a14:useLocalDpi xmlns:a14="http://schemas.microsoft.com/office/drawing/2010/main" val="0"/>
+              </a:ext>
+            </a:extLst>
+          </a:blip>
+          <a:stretch>
+            <a:fillRect/>
+          </a:stretch>
+        </p:blipFill>
+        <p:spPr>
+          <a:xfrm>
+            <a:off x="8125428" y="0"/>
+            <a:ext cx="4066571" cy="766392"/>
+          </a:xfrm>
+          <a:prstGeom prst="rect">
+            <a:avLst/>
+          </a:prstGeom>
+        </p:spPr>
+      </p:pic>
     </p:spTree>
     <p:extLst>
       <p:ext uri="{BB962C8B-B14F-4D97-AF65-F5344CB8AC3E}">
@@ -4580,13 +4703,6 @@
       </p:transition>
     </mc:Fallback>
   </mc:AlternateContent>
-  <p:timing>
-    <p:tnLst>
-      <p:par>
-        <p:cTn id="1" dur="indefinite" restart="never" nodeType="tmRoot"/>
-      </p:par>
-    </p:tnLst>
-  </p:timing>
 </p:sld>
 </file>
 
@@ -4704,7 +4820,7 @@
         </p:nvSpPr>
         <p:spPr>
           <a:xfrm>
-            <a:off x="9988951" y="401697"/>
+            <a:off x="7299536" y="-1081"/>
             <a:ext cx="1620457" cy="523220"/>
           </a:xfrm>
           <a:prstGeom prst="rect">
@@ -4788,7 +4904,7 @@
           <a:lstStyle/>
           <a:p>
             <a:r>
-              <a:rPr lang="en-US" altLang="zh-CN" smtClean="0">
+              <a:rPr lang="en-US" altLang="zh-CN">
                 <a:solidFill>
                   <a:schemeClr val="bg1"/>
                 </a:solidFill>
@@ -4803,6 +4919,42 @@
           </a:p>
         </p:txBody>
       </p:sp>
+      <p:pic>
+        <p:nvPicPr>
+          <p:cNvPr id="7" name="图片 6">
+            <a:extLst>
+              <a:ext uri="{FF2B5EF4-FFF2-40B4-BE49-F238E27FC236}">
+                <a16:creationId xmlns:a16="http://schemas.microsoft.com/office/drawing/2014/main" id="{5B54CA9D-D50E-432B-B196-1C5FBAF47CE8}"/>
+              </a:ext>
+            </a:extLst>
+          </p:cNvPr>
+          <p:cNvPicPr>
+            <a:picLocks noChangeAspect="1"/>
+          </p:cNvPicPr>
+          <p:nvPr/>
+        </p:nvPicPr>
+        <p:blipFill>
+          <a:blip r:embed="rId4">
+            <a:extLst>
+              <a:ext uri="{28A0092B-C50C-407E-A947-70E740481C1C}">
+                <a14:useLocalDpi xmlns:a14="http://schemas.microsoft.com/office/drawing/2010/main" val="0"/>
+              </a:ext>
+            </a:extLst>
+          </a:blip>
+          <a:stretch>
+            <a:fillRect/>
+          </a:stretch>
+        </p:blipFill>
+        <p:spPr>
+          <a:xfrm>
+            <a:off x="8936915" y="0"/>
+            <a:ext cx="3255085" cy="613458"/>
+          </a:xfrm>
+          <a:prstGeom prst="rect">
+            <a:avLst/>
+          </a:prstGeom>
+        </p:spPr>
+      </p:pic>
     </p:spTree>
     <p:extLst>
       <p:ext uri="{BB962C8B-B14F-4D97-AF65-F5344CB8AC3E}">
@@ -4813,13 +4965,6 @@
   <p:clrMapOvr>
     <a:masterClrMapping/>
   </p:clrMapOvr>
-  <p:timing>
-    <p:tnLst>
-      <p:par>
-        <p:cTn id="1" dur="indefinite" restart="never" nodeType="tmRoot"/>
-      </p:par>
-    </p:tnLst>
-  </p:timing>
 </p:sld>
 </file>
 
@@ -4879,8 +5024,8 @@
         </p:blipFill>
         <p:spPr>
           <a:xfrm>
-            <a:off x="3986919" y="1283378"/>
-            <a:ext cx="7181386" cy="5229921"/>
+            <a:off x="3648808" y="947348"/>
+            <a:ext cx="8020659" cy="5732336"/>
           </a:xfrm>
           <a:prstGeom prst="rect">
             <a:avLst/>
@@ -4894,13 +5039,13 @@
           <p:nvPr>
             <p:extLst>
               <p:ext uri="{D42A27DB-BD31-4B8C-83A1-F6EECF244321}">
-                <p14:modId xmlns:p14="http://schemas.microsoft.com/office/powerpoint/2010/main" val="3578161689"/>
+                <p14:modId xmlns:p14="http://schemas.microsoft.com/office/powerpoint/2010/main" val="276707893"/>
               </p:ext>
             </p:extLst>
           </p:nvPr>
         </p:nvGraphicFramePr>
         <p:xfrm>
-          <a:off x="7270955" y="4368702"/>
+          <a:off x="7270955" y="4542327"/>
           <a:ext cx="3802565" cy="1962615"/>
         </p:xfrm>
         <a:graphic>
@@ -4917,7 +5062,7 @@
         </p:nvSpPr>
         <p:spPr>
           <a:xfrm>
-            <a:off x="4296375" y="4639895"/>
+            <a:off x="4296375" y="4813520"/>
             <a:ext cx="2757129" cy="938719"/>
           </a:xfrm>
           <a:prstGeom prst="rect">
@@ -4933,43 +5078,27 @@
           <a:p>
             <a:r>
               <a:rPr lang="zh-CN" altLang="en-US" sz="1100"/>
-              <a:t>不包括合并</a:t>
-            </a:r>
-            <a:r>
-              <a:rPr lang="zh-CN" altLang="en-US" sz="1100" smtClean="0"/>
-              <a:t>，</a:t>
-            </a:r>
-            <a:r>
-              <a:rPr lang="en-US" altLang="zh-CN" sz="1100" smtClean="0"/>
+              <a:t>不包括合并，</a:t>
+            </a:r>
+            <a:r>
+              <a:rPr lang="en-US" altLang="zh-CN" sz="1100"/>
               <a:t>7</a:t>
             </a:r>
             <a:r>
-              <a:rPr lang="zh-CN" altLang="en-US" sz="1100" smtClean="0"/>
-              <a:t>位</a:t>
-            </a:r>
-            <a:r>
               <a:rPr lang="zh-CN" altLang="en-US" sz="1100"/>
-              <a:t>作者已经推送</a:t>
-            </a:r>
-            <a:r>
-              <a:rPr lang="zh-CN" altLang="en-US" sz="1100" smtClean="0"/>
-              <a:t>了</a:t>
-            </a:r>
-            <a:r>
-              <a:rPr lang="en-US" altLang="zh-CN" sz="1100" smtClean="0"/>
+              <a:t>位作者已经推送了</a:t>
+            </a:r>
+            <a:r>
+              <a:rPr lang="en-US" altLang="zh-CN" sz="1100"/>
               <a:t>74</a:t>
             </a:r>
             <a:r>
-              <a:rPr lang="zh-CN" altLang="en-US" sz="1100" smtClean="0"/>
-              <a:t>，不</a:t>
-            </a:r>
-            <a:r>
               <a:rPr lang="zh-CN" altLang="en-US" sz="1100"/>
-              <a:t>包括合并，</a:t>
+              <a:t>，不包括合并，</a:t>
             </a:r>
             <a:r>
               <a:rPr lang="en-US" altLang="zh-CN" sz="1100"/>
-              <a:t>2 </a:t>
+              <a:t>7</a:t>
             </a:r>
             <a:r>
               <a:rPr lang="zh-CN" altLang="en-US" sz="1100"/>
@@ -4977,7 +5106,7 @@
             </a:r>
             <a:r>
               <a:rPr lang="en-US" altLang="zh-CN" sz="1100"/>
-              <a:t>13 </a:t>
+              <a:t>52 </a:t>
             </a:r>
             <a:r>
               <a:rPr lang="zh-CN" altLang="en-US" sz="1100"/>
@@ -4985,7 +5114,7 @@
             </a:r>
             <a:r>
               <a:rPr lang="en-US" altLang="zh-CN" sz="1100"/>
-              <a:t>13 </a:t>
+              <a:t>52 </a:t>
             </a:r>
             <a:r>
               <a:rPr lang="zh-CN" altLang="en-US" sz="1100"/>
@@ -5034,7 +5163,7 @@
         </p:nvSpPr>
         <p:spPr>
           <a:xfrm>
-            <a:off x="4912470" y="1551005"/>
+            <a:off x="4296375" y="2101410"/>
             <a:ext cx="4081346" cy="338554"/>
           </a:xfrm>
           <a:prstGeom prst="rect">
@@ -5049,54 +5178,53 @@
           <a:lstStyle/>
           <a:p>
             <a:r>
-              <a:rPr lang="en-US" altLang="zh-CN" sz="1600" smtClean="0"/>
+              <a:rPr lang="en-US" altLang="zh-CN" sz="1600"/>
               <a:t>2021</a:t>
             </a:r>
             <a:r>
-              <a:rPr lang="zh-CN" altLang="en-US" sz="1600" smtClean="0"/>
+              <a:rPr lang="zh-CN" altLang="en-US" sz="1600"/>
               <a:t>年</a:t>
             </a:r>
             <a:r>
-              <a:rPr lang="en-US" altLang="zh-CN" sz="1600" smtClean="0"/>
+              <a:rPr lang="en-US" altLang="zh-CN" sz="1600"/>
               <a:t>12</a:t>
             </a:r>
             <a:r>
-              <a:rPr lang="zh-CN" altLang="en-US" sz="1600" smtClean="0"/>
+              <a:rPr lang="zh-CN" altLang="en-US" sz="1600"/>
               <a:t>月</a:t>
             </a:r>
             <a:r>
-              <a:rPr lang="en-US" altLang="zh-CN" sz="1600" smtClean="0"/>
+              <a:rPr lang="en-US" altLang="zh-CN" sz="1600"/>
               <a:t>7</a:t>
             </a:r>
             <a:r>
-              <a:rPr lang="zh-CN" altLang="en-US" sz="1600" smtClean="0"/>
+              <a:rPr lang="zh-CN" altLang="en-US" sz="1600"/>
               <a:t>日</a:t>
             </a:r>
             <a:r>
-              <a:rPr lang="en-US" altLang="zh-CN" sz="1600" smtClean="0"/>
+              <a:rPr lang="en-US" altLang="zh-CN" sz="1600"/>
               <a:t>-2021</a:t>
             </a:r>
             <a:r>
-              <a:rPr lang="zh-CN" altLang="en-US" sz="1600" smtClean="0"/>
+              <a:rPr lang="zh-CN" altLang="en-US" sz="1600"/>
               <a:t>年</a:t>
             </a:r>
             <a:r>
-              <a:rPr lang="en-US" altLang="zh-CN" sz="1600" smtClean="0"/>
+              <a:rPr lang="en-US" altLang="zh-CN" sz="1600"/>
               <a:t>1</a:t>
             </a:r>
             <a:r>
-              <a:rPr lang="zh-CN" altLang="en-US" sz="1600" smtClean="0"/>
+              <a:rPr lang="zh-CN" altLang="en-US" sz="1600"/>
               <a:t>月</a:t>
             </a:r>
             <a:r>
-              <a:rPr lang="en-US" altLang="zh-CN" sz="1600" smtClean="0"/>
+              <a:rPr lang="en-US" altLang="zh-CN" sz="1600"/>
               <a:t>3</a:t>
             </a:r>
             <a:r>
-              <a:rPr lang="zh-CN" altLang="en-US" sz="1600" smtClean="0"/>
+              <a:rPr lang="zh-CN" altLang="en-US" sz="1600"/>
               <a:t>号</a:t>
             </a:r>
-            <a:endParaRPr lang="zh-CN" altLang="en-US" sz="1600"/>
           </a:p>
         </p:txBody>
       </p:sp>
@@ -5135,10 +5263,9 @@
               <a:t>服务部署到公网服务器 </a:t>
             </a:r>
             <a:r>
-              <a:rPr lang="en-US" altLang="zh-CN" sz="2000" smtClean="0"/>
+              <a:rPr lang="en-US" altLang="zh-CN" sz="2000"/>
               <a:t>47.105.72.168</a:t>
             </a:r>
-            <a:endParaRPr lang="en-US" altLang="zh-CN" sz="2000"/>
           </a:p>
         </p:txBody>
       </p:sp>
@@ -5150,7 +5277,7 @@
         </p:nvSpPr>
         <p:spPr>
           <a:xfrm>
-            <a:off x="10059673" y="122137"/>
+            <a:off x="7119712" y="-4865"/>
             <a:ext cx="1773044" cy="523220"/>
           </a:xfrm>
           <a:prstGeom prst="rect">
@@ -5174,6 +5301,42 @@
           </a:p>
         </p:txBody>
       </p:sp>
+      <p:pic>
+        <p:nvPicPr>
+          <p:cNvPr id="3" name="图片 2">
+            <a:extLst>
+              <a:ext uri="{FF2B5EF4-FFF2-40B4-BE49-F238E27FC236}">
+                <a16:creationId xmlns:a16="http://schemas.microsoft.com/office/drawing/2014/main" id="{F076245E-EE1D-4AFE-BBF8-CABC987A808A}"/>
+              </a:ext>
+            </a:extLst>
+          </p:cNvPr>
+          <p:cNvPicPr>
+            <a:picLocks noChangeAspect="1"/>
+          </p:cNvPicPr>
+          <p:nvPr/>
+        </p:nvPicPr>
+        <p:blipFill>
+          <a:blip r:embed="rId4">
+            <a:extLst>
+              <a:ext uri="{28A0092B-C50C-407E-A947-70E740481C1C}">
+                <a14:useLocalDpi xmlns:a14="http://schemas.microsoft.com/office/drawing/2010/main" val="0"/>
+              </a:ext>
+            </a:extLst>
+          </a:blip>
+          <a:stretch>
+            <a:fillRect/>
+          </a:stretch>
+        </p:blipFill>
+        <p:spPr>
+          <a:xfrm>
+            <a:off x="8889357" y="5544"/>
+            <a:ext cx="3302643" cy="622421"/>
+          </a:xfrm>
+          <a:prstGeom prst="rect">
+            <a:avLst/>
+          </a:prstGeom>
+        </p:spPr>
+      </p:pic>
     </p:spTree>
     <p:extLst>
       <p:ext uri="{BB962C8B-B14F-4D97-AF65-F5344CB8AC3E}">
@@ -5184,13 +5347,6 @@
   <p:clrMapOvr>
     <a:masterClrMapping/>
   </p:clrMapOvr>
-  <p:timing>
-    <p:tnLst>
-      <p:par>
-        <p:cTn id="1" dur="indefinite" restart="never" nodeType="tmRoot"/>
-      </p:par>
-    </p:tnLst>
-  </p:timing>
 </p:sld>
 </file>
 
@@ -5233,7 +5389,7 @@
         </p:nvSpPr>
         <p:spPr>
           <a:xfrm>
-            <a:off x="10016836" y="208344"/>
+            <a:off x="6982083" y="11575"/>
             <a:ext cx="1858789" cy="523220"/>
           </a:xfrm>
           <a:prstGeom prst="rect">
@@ -5290,19 +5446,9 @@
                 <a:latin typeface="楷体" panose="02010609060101010101" pitchFamily="49" charset="-122"/>
                 <a:ea typeface="楷体" panose="02010609060101010101" pitchFamily="49" charset="-122"/>
               </a:rPr>
-              <a:t>项目不足 </a:t>
-            </a:r>
-            <a:r>
-              <a:rPr lang="zh-CN" altLang="en-US" sz="2400" smtClean="0">
-                <a:solidFill>
-                  <a:schemeClr val="bg1"/>
-                </a:solidFill>
-                <a:latin typeface="楷体" panose="02010609060101010101" pitchFamily="49" charset="-122"/>
-                <a:ea typeface="楷体" panose="02010609060101010101" pitchFamily="49" charset="-122"/>
-              </a:rPr>
-              <a:t>：</a:t>
-            </a:r>
-            <a:endParaRPr lang="en-US" altLang="zh-CN" sz="2400" smtClean="0">
+              <a:t>项目不足 ：</a:t>
+            </a:r>
+            <a:endParaRPr lang="en-US" altLang="zh-CN" sz="2400">
               <a:solidFill>
                 <a:schemeClr val="bg1"/>
               </a:solidFill>
@@ -5311,7 +5457,7 @@
             </a:endParaRPr>
           </a:p>
           <a:p>
-            <a:endParaRPr lang="en-US" altLang="zh-CN" sz="2400" smtClean="0">
+            <a:endParaRPr lang="en-US" altLang="zh-CN" sz="2400">
               <a:solidFill>
                 <a:schemeClr val="bg1"/>
               </a:solidFill>
@@ -5321,7 +5467,7 @@
           </a:p>
           <a:p>
             <a:r>
-              <a:rPr lang="zh-CN" altLang="en-US" sz="2400" smtClean="0">
+              <a:rPr lang="zh-CN" altLang="en-US" sz="2400">
                 <a:solidFill>
                   <a:schemeClr val="bg1"/>
                 </a:solidFill>
@@ -5331,7 +5477,7 @@
               <a:t>   （</a:t>
             </a:r>
             <a:r>
-              <a:rPr lang="en-US" altLang="zh-CN" sz="2400" smtClean="0">
+              <a:rPr lang="en-US" altLang="zh-CN" sz="2400">
                 <a:solidFill>
                   <a:schemeClr val="bg1"/>
                 </a:solidFill>
@@ -5341,24 +5487,14 @@
               <a:t>1</a:t>
             </a:r>
             <a:r>
-              <a:rPr lang="zh-CN" altLang="en-US" sz="2400" smtClean="0">
+              <a:rPr lang="zh-CN" altLang="en-US" sz="2400">
                 <a:solidFill>
                   <a:schemeClr val="bg1"/>
                 </a:solidFill>
                 <a:latin typeface="楷体" panose="02010609060101010101" pitchFamily="49" charset="-122"/>
                 <a:ea typeface="楷体" panose="02010609060101010101" pitchFamily="49" charset="-122"/>
               </a:rPr>
-              <a:t>）</a:t>
-            </a:r>
-            <a:r>
-              <a:rPr lang="zh-CN" altLang="en-US" sz="2400">
-                <a:solidFill>
-                  <a:schemeClr val="bg1"/>
-                </a:solidFill>
-                <a:latin typeface="楷体" panose="02010609060101010101" pitchFamily="49" charset="-122"/>
-                <a:ea typeface="楷体" panose="02010609060101010101" pitchFamily="49" charset="-122"/>
-              </a:rPr>
-              <a:t>在通过</a:t>
+              <a:t>）在通过</a:t>
             </a:r>
             <a:r>
               <a:rPr lang="en-US" altLang="zh-CN" sz="2400">
@@ -5406,7 +5542,7 @@
           <a:lstStyle/>
           <a:p>
             <a:r>
-              <a:rPr lang="zh-CN" altLang="en-US" sz="2400" smtClean="0">
+              <a:rPr lang="zh-CN" altLang="en-US" sz="2400">
                 <a:solidFill>
                   <a:schemeClr val="bg1"/>
                 </a:solidFill>
@@ -5493,6 +5629,42 @@
           </a:p>
         </p:txBody>
       </p:sp>
+      <p:pic>
+        <p:nvPicPr>
+          <p:cNvPr id="3" name="图片 2">
+            <a:extLst>
+              <a:ext uri="{FF2B5EF4-FFF2-40B4-BE49-F238E27FC236}">
+                <a16:creationId xmlns:a16="http://schemas.microsoft.com/office/drawing/2014/main" id="{58AAF59A-B647-46B7-B37A-977A3988A077}"/>
+              </a:ext>
+            </a:extLst>
+          </p:cNvPr>
+          <p:cNvPicPr>
+            <a:picLocks noChangeAspect="1"/>
+          </p:cNvPicPr>
+          <p:nvPr/>
+        </p:nvPicPr>
+        <p:blipFill>
+          <a:blip r:embed="rId3">
+            <a:extLst>
+              <a:ext uri="{28A0092B-C50C-407E-A947-70E740481C1C}">
+                <a14:useLocalDpi xmlns:a14="http://schemas.microsoft.com/office/drawing/2010/main" val="0"/>
+              </a:ext>
+            </a:extLst>
+          </a:blip>
+          <a:stretch>
+            <a:fillRect/>
+          </a:stretch>
+        </p:blipFill>
+        <p:spPr>
+          <a:xfrm>
+            <a:off x="8851914" y="-11574"/>
+            <a:ext cx="3340086" cy="629478"/>
+          </a:xfrm>
+          <a:prstGeom prst="rect">
+            <a:avLst/>
+          </a:prstGeom>
+        </p:spPr>
+      </p:pic>
     </p:spTree>
     <p:extLst>
       <p:ext uri="{BB962C8B-B14F-4D97-AF65-F5344CB8AC3E}">
@@ -5503,17 +5675,219 @@
   <p:clrMapOvr>
     <a:masterClrMapping/>
   </p:clrMapOvr>
-  <p:timing>
-    <p:tnLst>
-      <p:par>
-        <p:cTn id="1" dur="indefinite" restart="never" nodeType="tmRoot"/>
-      </p:par>
-    </p:tnLst>
-  </p:timing>
 </p:sld>
 </file>
 
 <file path=ppt/slides/slide13.xml><?xml version="1.0" encoding="utf-8"?>
+<p:sld xmlns:a="http://schemas.openxmlformats.org/drawingml/2006/main" xmlns:r="http://schemas.openxmlformats.org/officeDocument/2006/relationships" xmlns:p="http://schemas.openxmlformats.org/presentationml/2006/main">
+  <p:cSld>
+    <p:bg>
+      <p:bgPr>
+        <a:blipFill dpi="0" rotWithShape="1">
+          <a:blip r:embed="rId2">
+            <a:lum/>
+          </a:blip>
+          <a:srcRect/>
+          <a:stretch>
+            <a:fillRect l="-4000" r="-4000"/>
+          </a:stretch>
+        </a:blipFill>
+        <a:effectLst/>
+      </p:bgPr>
+    </p:bg>
+    <p:spTree>
+      <p:nvGrpSpPr>
+        <p:cNvPr id="1" name=""/>
+        <p:cNvGrpSpPr/>
+        <p:nvPr/>
+      </p:nvGrpSpPr>
+      <p:grpSpPr>
+        <a:xfrm>
+          <a:off x="0" y="0"/>
+          <a:ext cx="0" cy="0"/>
+          <a:chOff x="0" y="0"/>
+          <a:chExt cx="0" cy="0"/>
+        </a:xfrm>
+      </p:grpSpPr>
+      <p:sp>
+        <p:nvSpPr>
+          <p:cNvPr id="4" name="文本框 3"/>
+          <p:cNvSpPr txBox="1"/>
+          <p:nvPr/>
+        </p:nvSpPr>
+        <p:spPr>
+          <a:xfrm>
+            <a:off x="7404418" y="11575"/>
+            <a:ext cx="1858789" cy="523220"/>
+          </a:xfrm>
+          <a:prstGeom prst="rect">
+            <a:avLst/>
+          </a:prstGeom>
+          <a:noFill/>
+        </p:spPr>
+        <p:txBody>
+          <a:bodyPr wrap="square" rtlCol="0">
+            <a:spAutoFit/>
+          </a:bodyPr>
+          <a:lstStyle/>
+          <a:p>
+            <a:r>
+              <a:rPr lang="zh-CN" altLang="en-US" sz="2800">
+                <a:solidFill>
+                  <a:srgbClr val="00B0F0"/>
+                </a:solidFill>
+                <a:latin typeface="华文行楷" panose="02010800040101010101" pitchFamily="2" charset="-122"/>
+                <a:ea typeface="华文行楷" panose="02010800040101010101" pitchFamily="2" charset="-122"/>
+              </a:rPr>
+              <a:t>项目总结</a:t>
+            </a:r>
+          </a:p>
+        </p:txBody>
+      </p:sp>
+      <p:sp>
+        <p:nvSpPr>
+          <p:cNvPr id="5" name="文本框 4"/>
+          <p:cNvSpPr txBox="1"/>
+          <p:nvPr/>
+        </p:nvSpPr>
+        <p:spPr>
+          <a:xfrm>
+            <a:off x="5265866" y="2437702"/>
+            <a:ext cx="5680364" cy="1815882"/>
+          </a:xfrm>
+          <a:prstGeom prst="rect">
+            <a:avLst/>
+          </a:prstGeom>
+          <a:noFill/>
+        </p:spPr>
+        <p:txBody>
+          <a:bodyPr wrap="square" rtlCol="0">
+            <a:spAutoFit/>
+          </a:bodyPr>
+          <a:lstStyle/>
+          <a:p>
+            <a:r>
+              <a:rPr lang="zh-CN" altLang="en-US" sz="2800">
+                <a:solidFill>
+                  <a:schemeClr val="bg1"/>
+                </a:solidFill>
+                <a:latin typeface="楷体" panose="02010609060101010101" pitchFamily="49" charset="-122"/>
+                <a:ea typeface="楷体" panose="02010609060101010101" pitchFamily="49" charset="-122"/>
+              </a:rPr>
+              <a:t>项目总结 ：</a:t>
+            </a:r>
+            <a:endParaRPr lang="en-US" altLang="zh-CN" sz="2800">
+              <a:solidFill>
+                <a:schemeClr val="bg1"/>
+              </a:solidFill>
+              <a:latin typeface="楷体" panose="02010609060101010101" pitchFamily="49" charset="-122"/>
+              <a:ea typeface="楷体" panose="02010609060101010101" pitchFamily="49" charset="-122"/>
+            </a:endParaRPr>
+          </a:p>
+          <a:p>
+            <a:r>
+              <a:rPr lang="zh-CN" altLang="en-US" sz="2800">
+                <a:solidFill>
+                  <a:schemeClr val="bg1"/>
+                </a:solidFill>
+                <a:latin typeface="楷体" panose="02010609060101010101" pitchFamily="49" charset="-122"/>
+                <a:ea typeface="楷体" panose="02010609060101010101" pitchFamily="49" charset="-122"/>
+              </a:rPr>
+              <a:t>（</a:t>
+            </a:r>
+            <a:r>
+              <a:rPr lang="en-US" altLang="zh-CN" sz="2800">
+                <a:solidFill>
+                  <a:schemeClr val="bg1"/>
+                </a:solidFill>
+                <a:latin typeface="楷体" panose="02010609060101010101" pitchFamily="49" charset="-122"/>
+                <a:ea typeface="楷体" panose="02010609060101010101" pitchFamily="49" charset="-122"/>
+              </a:rPr>
+              <a:t>1</a:t>
+            </a:r>
+            <a:r>
+              <a:rPr lang="zh-CN" altLang="en-US" sz="2800">
+                <a:solidFill>
+                  <a:schemeClr val="bg1"/>
+                </a:solidFill>
+                <a:latin typeface="楷体" panose="02010609060101010101" pitchFamily="49" charset="-122"/>
+                <a:ea typeface="楷体" panose="02010609060101010101" pitchFamily="49" charset="-122"/>
+              </a:rPr>
+              <a:t>）小组成员都很愿意支付学习成本来学习</a:t>
+            </a:r>
+            <a:r>
+              <a:rPr lang="en-US" altLang="zh-CN" sz="2800">
+                <a:solidFill>
+                  <a:schemeClr val="bg1"/>
+                </a:solidFill>
+                <a:latin typeface="楷体" panose="02010609060101010101" pitchFamily="49" charset="-122"/>
+                <a:ea typeface="楷体" panose="02010609060101010101" pitchFamily="49" charset="-122"/>
+              </a:rPr>
+              <a:t>git</a:t>
+            </a:r>
+            <a:r>
+              <a:rPr lang="zh-CN" altLang="en-US" sz="2800">
+                <a:solidFill>
+                  <a:schemeClr val="bg1"/>
+                </a:solidFill>
+                <a:latin typeface="楷体" panose="02010609060101010101" pitchFamily="49" charset="-122"/>
+                <a:ea typeface="楷体" panose="02010609060101010101" pitchFamily="49" charset="-122"/>
+              </a:rPr>
+              <a:t>工具 为本次答辩项目软件协同开发带来的很大的帮助</a:t>
+            </a:r>
+          </a:p>
+        </p:txBody>
+      </p:sp>
+      <p:pic>
+        <p:nvPicPr>
+          <p:cNvPr id="3" name="图片 2">
+            <a:extLst>
+              <a:ext uri="{FF2B5EF4-FFF2-40B4-BE49-F238E27FC236}">
+                <a16:creationId xmlns:a16="http://schemas.microsoft.com/office/drawing/2014/main" id="{DB0828A9-106E-4FDD-9410-3203A8709076}"/>
+              </a:ext>
+            </a:extLst>
+          </p:cNvPr>
+          <p:cNvPicPr>
+            <a:picLocks noChangeAspect="1"/>
+          </p:cNvPicPr>
+          <p:nvPr/>
+        </p:nvPicPr>
+        <p:blipFill>
+          <a:blip r:embed="rId3">
+            <a:extLst>
+              <a:ext uri="{28A0092B-C50C-407E-A947-70E740481C1C}">
+                <a14:useLocalDpi xmlns:a14="http://schemas.microsoft.com/office/drawing/2010/main" val="0"/>
+              </a:ext>
+            </a:extLst>
+          </a:blip>
+          <a:stretch>
+            <a:fillRect/>
+          </a:stretch>
+        </p:blipFill>
+        <p:spPr>
+          <a:xfrm>
+            <a:off x="9259747" y="-11575"/>
+            <a:ext cx="2932253" cy="552617"/>
+          </a:xfrm>
+          <a:prstGeom prst="rect">
+            <a:avLst/>
+          </a:prstGeom>
+        </p:spPr>
+      </p:pic>
+    </p:spTree>
+    <p:extLst>
+      <p:ext uri="{BB962C8B-B14F-4D97-AF65-F5344CB8AC3E}">
+        <p14:creationId xmlns:p14="http://schemas.microsoft.com/office/powerpoint/2010/main" val="1101957891"/>
+      </p:ext>
+    </p:extLst>
+  </p:cSld>
+  <p:clrMapOvr>
+    <a:masterClrMapping/>
+  </p:clrMapOvr>
+</p:sld>
+</file>
+
+<file path=ppt/slides/slide14.xml><?xml version="1.0" encoding="utf-8"?>
 <p:sld xmlns:a="http://schemas.openxmlformats.org/drawingml/2006/main" xmlns:r="http://schemas.openxmlformats.org/officeDocument/2006/relationships" xmlns:p="http://schemas.openxmlformats.org/presentationml/2006/main">
   <p:cSld>
     <p:bg>
@@ -5607,52 +5981,18 @@
                   <a:schemeClr val="bg1"/>
                 </a:solidFill>
               </a:rPr>
-              <a:t>本次答辩项目已开</a:t>
-            </a:r>
-            <a:r>
-              <a:rPr lang="zh-CN" altLang="en-US" sz="1600">
+              <a:t>本次答辩项目已开源到</a:t>
+            </a:r>
+            <a:r>
+              <a:rPr lang="en-US" altLang="zh-CN" sz="1600">
                 <a:solidFill>
                   <a:schemeClr val="bg1"/>
                 </a:solidFill>
-              </a:rPr>
-              <a:t>源</a:t>
-            </a:r>
-            <a:r>
-              <a:rPr lang="zh-CN" altLang="en-US" sz="1600" smtClean="0">
-                <a:solidFill>
-                  <a:schemeClr val="bg1"/>
-                </a:solidFill>
-              </a:rPr>
-              <a:t>到</a:t>
-            </a:r>
-            <a:r>
-              <a:rPr lang="en-US" altLang="zh-CN" sz="1600" smtClean="0">
-                <a:solidFill>
-                  <a:schemeClr val="bg1"/>
-                </a:solidFill>
                 <a:hlinkClick r:id="rId3"/>
               </a:rPr>
-              <a:t>https</a:t>
-            </a:r>
-            <a:r>
-              <a:rPr lang="en-US" altLang="zh-CN" sz="1600">
-                <a:solidFill>
-                  <a:schemeClr val="bg1"/>
-                </a:solidFill>
-                <a:hlinkClick r:id="rId3"/>
-              </a:rPr>
-              <a:t>://</a:t>
-            </a:r>
-            <a:r>
-              <a:rPr lang="en-US" altLang="zh-CN" sz="1600" smtClean="0">
-                <a:solidFill>
-                  <a:schemeClr val="bg1"/>
-                </a:solidFill>
-                <a:hlinkClick r:id="rId3"/>
-              </a:rPr>
-              <a:t>github.com/Corybyte/aliyun</a:t>
-            </a:r>
-            <a:endParaRPr lang="en-US" altLang="zh-CN" sz="1600" smtClean="0">
+              <a:t>https://github.com/Corybyte/aliyun</a:t>
+            </a:r>
+            <a:endParaRPr lang="en-US" altLang="zh-CN" sz="1600">
               <a:solidFill>
                 <a:schemeClr val="bg1"/>
               </a:solidFill>
@@ -5690,6 +6030,42 @@
           </a:prstGeom>
         </p:spPr>
       </p:pic>
+      <p:pic>
+        <p:nvPicPr>
+          <p:cNvPr id="6" name="图片 5">
+            <a:extLst>
+              <a:ext uri="{FF2B5EF4-FFF2-40B4-BE49-F238E27FC236}">
+                <a16:creationId xmlns:a16="http://schemas.microsoft.com/office/drawing/2014/main" id="{BB8CCD77-038E-4620-840A-7BD54D7AEB3B}"/>
+              </a:ext>
+            </a:extLst>
+          </p:cNvPr>
+          <p:cNvPicPr>
+            <a:picLocks noChangeAspect="1"/>
+          </p:cNvPicPr>
+          <p:nvPr/>
+        </p:nvPicPr>
+        <p:blipFill>
+          <a:blip r:embed="rId5">
+            <a:extLst>
+              <a:ext uri="{28A0092B-C50C-407E-A947-70E740481C1C}">
+                <a14:useLocalDpi xmlns:a14="http://schemas.microsoft.com/office/drawing/2010/main" val="0"/>
+              </a:ext>
+            </a:extLst>
+          </a:blip>
+          <a:stretch>
+            <a:fillRect/>
+          </a:stretch>
+        </p:blipFill>
+        <p:spPr>
+          <a:xfrm>
+            <a:off x="8895754" y="-11575"/>
+            <a:ext cx="3296245" cy="621215"/>
+          </a:xfrm>
+          <a:prstGeom prst="rect">
+            <a:avLst/>
+          </a:prstGeom>
+        </p:spPr>
+      </p:pic>
     </p:spTree>
     <p:extLst>
       <p:ext uri="{BB962C8B-B14F-4D97-AF65-F5344CB8AC3E}">
@@ -5700,17 +6076,909 @@
   <p:clrMapOvr>
     <a:masterClrMapping/>
   </p:clrMapOvr>
-  <p:timing>
-    <p:tnLst>
-      <p:par>
-        <p:cTn id="1" dur="indefinite" restart="never" nodeType="tmRoot"/>
-      </p:par>
-    </p:tnLst>
-  </p:timing>
 </p:sld>
 </file>
 
 <file path=ppt/slides/slide2.xml><?xml version="1.0" encoding="utf-8"?>
+<p:sld xmlns:a="http://schemas.openxmlformats.org/drawingml/2006/main" xmlns:r="http://schemas.openxmlformats.org/officeDocument/2006/relationships" xmlns:p="http://schemas.openxmlformats.org/presentationml/2006/main">
+  <p:cSld>
+    <p:bg>
+      <p:bgPr>
+        <a:blipFill dpi="0" rotWithShape="1">
+          <a:blip r:embed="rId2"/>
+          <a:srcRect/>
+          <a:stretch>
+            <a:fillRect/>
+          </a:stretch>
+        </a:blipFill>
+        <a:effectLst/>
+      </p:bgPr>
+    </p:bg>
+    <p:spTree>
+      <p:nvGrpSpPr>
+        <p:cNvPr id="1" name=""/>
+        <p:cNvGrpSpPr/>
+        <p:nvPr/>
+      </p:nvGrpSpPr>
+      <p:grpSpPr>
+        <a:xfrm>
+          <a:off x="0" y="0"/>
+          <a:ext cx="0" cy="0"/>
+          <a:chOff x="0" y="0"/>
+          <a:chExt cx="0" cy="0"/>
+        </a:xfrm>
+      </p:grpSpPr>
+      <p:sp>
+        <p:nvSpPr>
+          <p:cNvPr id="18" name="文本框 17">
+            <a:extLst>
+              <a:ext uri="{FF2B5EF4-FFF2-40B4-BE49-F238E27FC236}">
+                <a16:creationId xmlns:a16="http://schemas.microsoft.com/office/drawing/2014/main" id="{2E826A34-FABD-432C-A034-0417757D85D3}"/>
+              </a:ext>
+            </a:extLst>
+          </p:cNvPr>
+          <p:cNvSpPr txBox="1"/>
+          <p:nvPr/>
+        </p:nvSpPr>
+        <p:spPr>
+          <a:xfrm>
+            <a:off x="15083" y="16720"/>
+            <a:ext cx="2110902" cy="461665"/>
+          </a:xfrm>
+          <a:prstGeom prst="rect">
+            <a:avLst/>
+          </a:prstGeom>
+          <a:noFill/>
+        </p:spPr>
+        <p:txBody>
+          <a:bodyPr wrap="square" rtlCol="0">
+            <a:spAutoFit/>
+          </a:bodyPr>
+          <a:lstStyle/>
+          <a:p>
+            <a:r>
+              <a:rPr lang="zh-CN" altLang="en-US" sz="2400" dirty="0">
+                <a:solidFill>
+                  <a:schemeClr val="bg1"/>
+                </a:solidFill>
+                <a:latin typeface="华文行楷" panose="02010800040101010101" pitchFamily="2" charset="-122"/>
+                <a:ea typeface="华文行楷" panose="02010800040101010101" pitchFamily="2" charset="-122"/>
+              </a:rPr>
+              <a:t>人员参与名单</a:t>
+            </a:r>
+          </a:p>
+        </p:txBody>
+      </p:sp>
+      <p:sp>
+        <p:nvSpPr>
+          <p:cNvPr id="19" name="矩形 18">
+            <a:extLst>
+              <a:ext uri="{FF2B5EF4-FFF2-40B4-BE49-F238E27FC236}">
+                <a16:creationId xmlns:a16="http://schemas.microsoft.com/office/drawing/2014/main" id="{B14708FF-141D-4B1B-9D26-A5F4A6A8ACA4}"/>
+              </a:ext>
+            </a:extLst>
+          </p:cNvPr>
+          <p:cNvSpPr/>
+          <p:nvPr/>
+        </p:nvSpPr>
+        <p:spPr>
+          <a:xfrm>
+            <a:off x="1750979" y="1068016"/>
+            <a:ext cx="865762" cy="379378"/>
+          </a:xfrm>
+          <a:prstGeom prst="rect">
+            <a:avLst/>
+          </a:prstGeom>
+          <a:noFill/>
+          <a:ln w="38100">
+            <a:solidFill>
+              <a:srgbClr val="C00000"/>
+            </a:solidFill>
+          </a:ln>
+        </p:spPr>
+        <p:style>
+          <a:lnRef idx="2">
+            <a:schemeClr val="accent1">
+              <a:shade val="50000"/>
+            </a:schemeClr>
+          </a:lnRef>
+          <a:fillRef idx="1">
+            <a:schemeClr val="accent1"/>
+          </a:fillRef>
+          <a:effectRef idx="0">
+            <a:schemeClr val="accent1"/>
+          </a:effectRef>
+          <a:fontRef idx="minor">
+            <a:schemeClr val="lt1"/>
+          </a:fontRef>
+        </p:style>
+        <p:txBody>
+          <a:bodyPr rtlCol="0" anchor="ctr"/>
+          <a:lstStyle/>
+          <a:p>
+            <a:pPr algn="ctr"/>
+            <a:r>
+              <a:rPr lang="zh-CN" altLang="en-US" sz="2000">
+                <a:solidFill>
+                  <a:srgbClr val="C00000"/>
+                </a:solidFill>
+              </a:rPr>
+              <a:t>组长</a:t>
+            </a:r>
+            <a:endParaRPr lang="zh-CN" altLang="en-US" sz="2000" dirty="0">
+              <a:solidFill>
+                <a:srgbClr val="C00000"/>
+              </a:solidFill>
+            </a:endParaRPr>
+          </a:p>
+        </p:txBody>
+      </p:sp>
+      <p:sp>
+        <p:nvSpPr>
+          <p:cNvPr id="20" name="矩形 19">
+            <a:extLst>
+              <a:ext uri="{FF2B5EF4-FFF2-40B4-BE49-F238E27FC236}">
+                <a16:creationId xmlns:a16="http://schemas.microsoft.com/office/drawing/2014/main" id="{DE20617C-2356-4C3A-95E1-92A3CC437862}"/>
+              </a:ext>
+            </a:extLst>
+          </p:cNvPr>
+          <p:cNvSpPr/>
+          <p:nvPr/>
+        </p:nvSpPr>
+        <p:spPr>
+          <a:xfrm>
+            <a:off x="1750979" y="1840892"/>
+            <a:ext cx="865762" cy="379378"/>
+          </a:xfrm>
+          <a:prstGeom prst="rect">
+            <a:avLst/>
+          </a:prstGeom>
+          <a:noFill/>
+          <a:ln w="38100">
+            <a:solidFill>
+              <a:srgbClr val="00B0F0"/>
+            </a:solidFill>
+          </a:ln>
+        </p:spPr>
+        <p:style>
+          <a:lnRef idx="2">
+            <a:schemeClr val="accent1">
+              <a:shade val="50000"/>
+            </a:schemeClr>
+          </a:lnRef>
+          <a:fillRef idx="1">
+            <a:schemeClr val="accent1"/>
+          </a:fillRef>
+          <a:effectRef idx="0">
+            <a:schemeClr val="accent1"/>
+          </a:effectRef>
+          <a:fontRef idx="minor">
+            <a:schemeClr val="lt1"/>
+          </a:fontRef>
+        </p:style>
+        <p:txBody>
+          <a:bodyPr rtlCol="0" anchor="ctr"/>
+          <a:lstStyle/>
+          <a:p>
+            <a:pPr algn="ctr"/>
+            <a:r>
+              <a:rPr lang="zh-CN" altLang="en-US"/>
+              <a:t>组员</a:t>
+            </a:r>
+            <a:endParaRPr lang="zh-CN" altLang="en-US" dirty="0"/>
+          </a:p>
+        </p:txBody>
+      </p:sp>
+      <p:sp>
+        <p:nvSpPr>
+          <p:cNvPr id="21" name="矩形 20">
+            <a:extLst>
+              <a:ext uri="{FF2B5EF4-FFF2-40B4-BE49-F238E27FC236}">
+                <a16:creationId xmlns:a16="http://schemas.microsoft.com/office/drawing/2014/main" id="{F56678D2-1EF0-4C00-8509-40AC43889BDB}"/>
+              </a:ext>
+            </a:extLst>
+          </p:cNvPr>
+          <p:cNvSpPr/>
+          <p:nvPr/>
+        </p:nvSpPr>
+        <p:spPr>
+          <a:xfrm>
+            <a:off x="1750979" y="2595916"/>
+            <a:ext cx="865762" cy="397230"/>
+          </a:xfrm>
+          <a:prstGeom prst="rect">
+            <a:avLst/>
+          </a:prstGeom>
+          <a:noFill/>
+          <a:ln w="38100">
+            <a:solidFill>
+              <a:srgbClr val="00B0F0"/>
+            </a:solidFill>
+          </a:ln>
+        </p:spPr>
+        <p:style>
+          <a:lnRef idx="2">
+            <a:schemeClr val="accent1">
+              <a:shade val="50000"/>
+            </a:schemeClr>
+          </a:lnRef>
+          <a:fillRef idx="1">
+            <a:schemeClr val="accent1"/>
+          </a:fillRef>
+          <a:effectRef idx="0">
+            <a:schemeClr val="accent1"/>
+          </a:effectRef>
+          <a:fontRef idx="minor">
+            <a:schemeClr val="lt1"/>
+          </a:fontRef>
+        </p:style>
+        <p:txBody>
+          <a:bodyPr rtlCol="0" anchor="ctr"/>
+          <a:lstStyle/>
+          <a:p>
+            <a:pPr algn="ctr"/>
+            <a:r>
+              <a:rPr lang="zh-CN" altLang="en-US"/>
+              <a:t>组员</a:t>
+            </a:r>
+            <a:endParaRPr lang="zh-CN" altLang="en-US" dirty="0"/>
+          </a:p>
+        </p:txBody>
+      </p:sp>
+      <p:sp>
+        <p:nvSpPr>
+          <p:cNvPr id="22" name="矩形 21">
+            <a:extLst>
+              <a:ext uri="{FF2B5EF4-FFF2-40B4-BE49-F238E27FC236}">
+                <a16:creationId xmlns:a16="http://schemas.microsoft.com/office/drawing/2014/main" id="{66C11CDC-4A2B-4A2D-BCEC-7124C3AF8384}"/>
+              </a:ext>
+            </a:extLst>
+          </p:cNvPr>
+          <p:cNvSpPr/>
+          <p:nvPr/>
+        </p:nvSpPr>
+        <p:spPr>
+          <a:xfrm>
+            <a:off x="1750979" y="3386644"/>
+            <a:ext cx="865762" cy="379378"/>
+          </a:xfrm>
+          <a:prstGeom prst="rect">
+            <a:avLst/>
+          </a:prstGeom>
+          <a:noFill/>
+          <a:ln w="38100">
+            <a:solidFill>
+              <a:srgbClr val="00B0F0"/>
+            </a:solidFill>
+          </a:ln>
+        </p:spPr>
+        <p:style>
+          <a:lnRef idx="2">
+            <a:schemeClr val="accent1">
+              <a:shade val="50000"/>
+            </a:schemeClr>
+          </a:lnRef>
+          <a:fillRef idx="1">
+            <a:schemeClr val="accent1"/>
+          </a:fillRef>
+          <a:effectRef idx="0">
+            <a:schemeClr val="accent1"/>
+          </a:effectRef>
+          <a:fontRef idx="minor">
+            <a:schemeClr val="lt1"/>
+          </a:fontRef>
+        </p:style>
+        <p:txBody>
+          <a:bodyPr rtlCol="0" anchor="ctr"/>
+          <a:lstStyle/>
+          <a:p>
+            <a:pPr algn="ctr"/>
+            <a:r>
+              <a:rPr lang="zh-CN" altLang="en-US"/>
+              <a:t>组员</a:t>
+            </a:r>
+            <a:endParaRPr lang="zh-CN" altLang="en-US" dirty="0"/>
+          </a:p>
+        </p:txBody>
+      </p:sp>
+      <p:sp>
+        <p:nvSpPr>
+          <p:cNvPr id="23" name="矩形 22">
+            <a:extLst>
+              <a:ext uri="{FF2B5EF4-FFF2-40B4-BE49-F238E27FC236}">
+                <a16:creationId xmlns:a16="http://schemas.microsoft.com/office/drawing/2014/main" id="{9FC690B4-8B60-49A9-8829-94480E6671B2}"/>
+              </a:ext>
+            </a:extLst>
+          </p:cNvPr>
+          <p:cNvSpPr/>
+          <p:nvPr/>
+        </p:nvSpPr>
+        <p:spPr>
+          <a:xfrm>
+            <a:off x="1750979" y="4159520"/>
+            <a:ext cx="865762" cy="379378"/>
+          </a:xfrm>
+          <a:prstGeom prst="rect">
+            <a:avLst/>
+          </a:prstGeom>
+          <a:noFill/>
+          <a:ln w="38100">
+            <a:solidFill>
+              <a:srgbClr val="00B0F0"/>
+            </a:solidFill>
+          </a:ln>
+        </p:spPr>
+        <p:style>
+          <a:lnRef idx="2">
+            <a:schemeClr val="accent1">
+              <a:shade val="50000"/>
+            </a:schemeClr>
+          </a:lnRef>
+          <a:fillRef idx="1">
+            <a:schemeClr val="accent1"/>
+          </a:fillRef>
+          <a:effectRef idx="0">
+            <a:schemeClr val="accent1"/>
+          </a:effectRef>
+          <a:fontRef idx="minor">
+            <a:schemeClr val="lt1"/>
+          </a:fontRef>
+        </p:style>
+        <p:txBody>
+          <a:bodyPr rtlCol="0" anchor="ctr"/>
+          <a:lstStyle/>
+          <a:p>
+            <a:pPr algn="ctr"/>
+            <a:r>
+              <a:rPr lang="zh-CN" altLang="en-US"/>
+              <a:t>组员</a:t>
+            </a:r>
+            <a:endParaRPr lang="zh-CN" altLang="en-US" dirty="0"/>
+          </a:p>
+        </p:txBody>
+      </p:sp>
+      <p:sp>
+        <p:nvSpPr>
+          <p:cNvPr id="24" name="矩形 23">
+            <a:extLst>
+              <a:ext uri="{FF2B5EF4-FFF2-40B4-BE49-F238E27FC236}">
+                <a16:creationId xmlns:a16="http://schemas.microsoft.com/office/drawing/2014/main" id="{1CEB96E5-C053-470E-8BF8-DC1D8BB43A6C}"/>
+              </a:ext>
+            </a:extLst>
+          </p:cNvPr>
+          <p:cNvSpPr/>
+          <p:nvPr/>
+        </p:nvSpPr>
+        <p:spPr>
+          <a:xfrm>
+            <a:off x="1750979" y="4932396"/>
+            <a:ext cx="865762" cy="379378"/>
+          </a:xfrm>
+          <a:prstGeom prst="rect">
+            <a:avLst/>
+          </a:prstGeom>
+          <a:noFill/>
+          <a:ln w="38100">
+            <a:solidFill>
+              <a:srgbClr val="00B0F0"/>
+            </a:solidFill>
+          </a:ln>
+        </p:spPr>
+        <p:style>
+          <a:lnRef idx="2">
+            <a:schemeClr val="accent1">
+              <a:shade val="50000"/>
+            </a:schemeClr>
+          </a:lnRef>
+          <a:fillRef idx="1">
+            <a:schemeClr val="accent1"/>
+          </a:fillRef>
+          <a:effectRef idx="0">
+            <a:schemeClr val="accent1"/>
+          </a:effectRef>
+          <a:fontRef idx="minor">
+            <a:schemeClr val="lt1"/>
+          </a:fontRef>
+        </p:style>
+        <p:txBody>
+          <a:bodyPr rtlCol="0" anchor="ctr"/>
+          <a:lstStyle/>
+          <a:p>
+            <a:pPr algn="ctr"/>
+            <a:r>
+              <a:rPr lang="zh-CN" altLang="en-US"/>
+              <a:t>组员</a:t>
+            </a:r>
+            <a:endParaRPr lang="zh-CN" altLang="en-US" dirty="0"/>
+          </a:p>
+        </p:txBody>
+      </p:sp>
+      <p:sp>
+        <p:nvSpPr>
+          <p:cNvPr id="25" name="矩形 24">
+            <a:extLst>
+              <a:ext uri="{FF2B5EF4-FFF2-40B4-BE49-F238E27FC236}">
+                <a16:creationId xmlns:a16="http://schemas.microsoft.com/office/drawing/2014/main" id="{6A16F0F1-B7FD-4491-AFA8-0B22F8494083}"/>
+              </a:ext>
+            </a:extLst>
+          </p:cNvPr>
+          <p:cNvSpPr/>
+          <p:nvPr/>
+        </p:nvSpPr>
+        <p:spPr>
+          <a:xfrm>
+            <a:off x="1750979" y="5705272"/>
+            <a:ext cx="865762" cy="379378"/>
+          </a:xfrm>
+          <a:prstGeom prst="rect">
+            <a:avLst/>
+          </a:prstGeom>
+          <a:noFill/>
+          <a:ln w="38100">
+            <a:solidFill>
+              <a:srgbClr val="00B0F0"/>
+            </a:solidFill>
+          </a:ln>
+        </p:spPr>
+        <p:style>
+          <a:lnRef idx="2">
+            <a:schemeClr val="accent1">
+              <a:shade val="50000"/>
+            </a:schemeClr>
+          </a:lnRef>
+          <a:fillRef idx="1">
+            <a:schemeClr val="accent1"/>
+          </a:fillRef>
+          <a:effectRef idx="0">
+            <a:schemeClr val="accent1"/>
+          </a:effectRef>
+          <a:fontRef idx="minor">
+            <a:schemeClr val="lt1"/>
+          </a:fontRef>
+        </p:style>
+        <p:txBody>
+          <a:bodyPr rtlCol="0" anchor="ctr"/>
+          <a:lstStyle/>
+          <a:p>
+            <a:pPr algn="ctr"/>
+            <a:r>
+              <a:rPr lang="zh-CN" altLang="en-US"/>
+              <a:t>组员</a:t>
+            </a:r>
+            <a:endParaRPr lang="zh-CN" altLang="en-US" dirty="0"/>
+          </a:p>
+        </p:txBody>
+      </p:sp>
+      <p:sp>
+        <p:nvSpPr>
+          <p:cNvPr id="27" name="矩形 26">
+            <a:extLst>
+              <a:ext uri="{FF2B5EF4-FFF2-40B4-BE49-F238E27FC236}">
+                <a16:creationId xmlns:a16="http://schemas.microsoft.com/office/drawing/2014/main" id="{2837464F-BE1F-4405-ACEB-56F653065535}"/>
+              </a:ext>
+            </a:extLst>
+          </p:cNvPr>
+          <p:cNvSpPr/>
+          <p:nvPr/>
+        </p:nvSpPr>
+        <p:spPr>
+          <a:xfrm>
+            <a:off x="3239307" y="1056262"/>
+            <a:ext cx="1352145" cy="379378"/>
+          </a:xfrm>
+          <a:prstGeom prst="rect">
+            <a:avLst/>
+          </a:prstGeom>
+          <a:solidFill>
+            <a:srgbClr val="C00000"/>
+          </a:solidFill>
+          <a:ln>
+            <a:noFill/>
+          </a:ln>
+        </p:spPr>
+        <p:style>
+          <a:lnRef idx="2">
+            <a:schemeClr val="accent1">
+              <a:shade val="50000"/>
+            </a:schemeClr>
+          </a:lnRef>
+          <a:fillRef idx="1">
+            <a:schemeClr val="accent1"/>
+          </a:fillRef>
+          <a:effectRef idx="0">
+            <a:schemeClr val="accent1"/>
+          </a:effectRef>
+          <a:fontRef idx="minor">
+            <a:schemeClr val="lt1"/>
+          </a:fontRef>
+        </p:style>
+        <p:txBody>
+          <a:bodyPr rtlCol="0" anchor="ctr"/>
+          <a:lstStyle/>
+          <a:p>
+            <a:pPr algn="ctr"/>
+            <a:r>
+              <a:rPr lang="zh-CN" altLang="en-US"/>
+              <a:t>荣致栋</a:t>
+            </a:r>
+            <a:endParaRPr lang="zh-CN" altLang="en-US" dirty="0"/>
+          </a:p>
+        </p:txBody>
+      </p:sp>
+      <p:sp>
+        <p:nvSpPr>
+          <p:cNvPr id="28" name="矩形 27">
+            <a:extLst>
+              <a:ext uri="{FF2B5EF4-FFF2-40B4-BE49-F238E27FC236}">
+                <a16:creationId xmlns:a16="http://schemas.microsoft.com/office/drawing/2014/main" id="{DE5F3178-983A-4B12-A584-518507A3B49C}"/>
+              </a:ext>
+            </a:extLst>
+          </p:cNvPr>
+          <p:cNvSpPr/>
+          <p:nvPr/>
+        </p:nvSpPr>
+        <p:spPr>
+          <a:xfrm>
+            <a:off x="3239307" y="1826089"/>
+            <a:ext cx="1352145" cy="379378"/>
+          </a:xfrm>
+          <a:prstGeom prst="rect">
+            <a:avLst/>
+          </a:prstGeom>
+          <a:ln>
+            <a:noFill/>
+          </a:ln>
+        </p:spPr>
+        <p:style>
+          <a:lnRef idx="2">
+            <a:schemeClr val="accent1">
+              <a:shade val="50000"/>
+            </a:schemeClr>
+          </a:lnRef>
+          <a:fillRef idx="1">
+            <a:schemeClr val="accent1"/>
+          </a:fillRef>
+          <a:effectRef idx="0">
+            <a:schemeClr val="accent1"/>
+          </a:effectRef>
+          <a:fontRef idx="minor">
+            <a:schemeClr val="lt1"/>
+          </a:fontRef>
+        </p:style>
+        <p:txBody>
+          <a:bodyPr rtlCol="0" anchor="ctr"/>
+          <a:lstStyle/>
+          <a:p>
+            <a:pPr algn="ctr"/>
+            <a:r>
+              <a:rPr lang="zh-CN" altLang="en-US"/>
+              <a:t>白雄武</a:t>
+            </a:r>
+          </a:p>
+        </p:txBody>
+      </p:sp>
+      <p:sp>
+        <p:nvSpPr>
+          <p:cNvPr id="29" name="矩形 28">
+            <a:extLst>
+              <a:ext uri="{FF2B5EF4-FFF2-40B4-BE49-F238E27FC236}">
+                <a16:creationId xmlns:a16="http://schemas.microsoft.com/office/drawing/2014/main" id="{B6E508DB-8080-450A-A8E6-C6C7D6E8B410}"/>
+              </a:ext>
+            </a:extLst>
+          </p:cNvPr>
+          <p:cNvSpPr/>
+          <p:nvPr/>
+        </p:nvSpPr>
+        <p:spPr>
+          <a:xfrm>
+            <a:off x="3239307" y="2595916"/>
+            <a:ext cx="1352145" cy="379378"/>
+          </a:xfrm>
+          <a:prstGeom prst="rect">
+            <a:avLst/>
+          </a:prstGeom>
+          <a:ln>
+            <a:noFill/>
+          </a:ln>
+        </p:spPr>
+        <p:style>
+          <a:lnRef idx="2">
+            <a:schemeClr val="accent1">
+              <a:shade val="50000"/>
+            </a:schemeClr>
+          </a:lnRef>
+          <a:fillRef idx="1">
+            <a:schemeClr val="accent1"/>
+          </a:fillRef>
+          <a:effectRef idx="0">
+            <a:schemeClr val="accent1"/>
+          </a:effectRef>
+          <a:fontRef idx="minor">
+            <a:schemeClr val="lt1"/>
+          </a:fontRef>
+        </p:style>
+        <p:txBody>
+          <a:bodyPr rtlCol="0" anchor="ctr"/>
+          <a:lstStyle/>
+          <a:p>
+            <a:pPr algn="ctr"/>
+            <a:r>
+              <a:rPr lang="zh-CN" altLang="en-US"/>
+              <a:t>胡昊</a:t>
+            </a:r>
+          </a:p>
+        </p:txBody>
+      </p:sp>
+      <p:sp>
+        <p:nvSpPr>
+          <p:cNvPr id="30" name="矩形 29">
+            <a:extLst>
+              <a:ext uri="{FF2B5EF4-FFF2-40B4-BE49-F238E27FC236}">
+                <a16:creationId xmlns:a16="http://schemas.microsoft.com/office/drawing/2014/main" id="{79A60343-3580-486F-9224-6DFA8E8D62E8}"/>
+              </a:ext>
+            </a:extLst>
+          </p:cNvPr>
+          <p:cNvSpPr/>
+          <p:nvPr/>
+        </p:nvSpPr>
+        <p:spPr>
+          <a:xfrm>
+            <a:off x="3239307" y="3365743"/>
+            <a:ext cx="1352145" cy="379378"/>
+          </a:xfrm>
+          <a:prstGeom prst="rect">
+            <a:avLst/>
+          </a:prstGeom>
+          <a:ln>
+            <a:noFill/>
+          </a:ln>
+        </p:spPr>
+        <p:style>
+          <a:lnRef idx="2">
+            <a:schemeClr val="accent1">
+              <a:shade val="50000"/>
+            </a:schemeClr>
+          </a:lnRef>
+          <a:fillRef idx="1">
+            <a:schemeClr val="accent1"/>
+          </a:fillRef>
+          <a:effectRef idx="0">
+            <a:schemeClr val="accent1"/>
+          </a:effectRef>
+          <a:fontRef idx="minor">
+            <a:schemeClr val="lt1"/>
+          </a:fontRef>
+        </p:style>
+        <p:txBody>
+          <a:bodyPr rtlCol="0" anchor="ctr"/>
+          <a:lstStyle/>
+          <a:p>
+            <a:pPr algn="ctr"/>
+            <a:r>
+              <a:rPr lang="zh-CN" altLang="en-US"/>
+              <a:t>颜伟</a:t>
+            </a:r>
+          </a:p>
+        </p:txBody>
+      </p:sp>
+      <p:sp>
+        <p:nvSpPr>
+          <p:cNvPr id="31" name="矩形 30">
+            <a:extLst>
+              <a:ext uri="{FF2B5EF4-FFF2-40B4-BE49-F238E27FC236}">
+                <a16:creationId xmlns:a16="http://schemas.microsoft.com/office/drawing/2014/main" id="{377C6F36-3815-4A1A-B23C-E46942615E84}"/>
+              </a:ext>
+            </a:extLst>
+          </p:cNvPr>
+          <p:cNvSpPr/>
+          <p:nvPr/>
+        </p:nvSpPr>
+        <p:spPr>
+          <a:xfrm>
+            <a:off x="3239307" y="4135570"/>
+            <a:ext cx="1352145" cy="379378"/>
+          </a:xfrm>
+          <a:prstGeom prst="rect">
+            <a:avLst/>
+          </a:prstGeom>
+          <a:ln>
+            <a:noFill/>
+          </a:ln>
+        </p:spPr>
+        <p:style>
+          <a:lnRef idx="2">
+            <a:schemeClr val="accent1">
+              <a:shade val="50000"/>
+            </a:schemeClr>
+          </a:lnRef>
+          <a:fillRef idx="1">
+            <a:schemeClr val="accent1"/>
+          </a:fillRef>
+          <a:effectRef idx="0">
+            <a:schemeClr val="accent1"/>
+          </a:effectRef>
+          <a:fontRef idx="minor">
+            <a:schemeClr val="lt1"/>
+          </a:fontRef>
+        </p:style>
+        <p:txBody>
+          <a:bodyPr rtlCol="0" anchor="ctr"/>
+          <a:lstStyle/>
+          <a:p>
+            <a:pPr algn="ctr"/>
+            <a:r>
+              <a:rPr lang="zh-CN" altLang="en-US" dirty="0"/>
+              <a:t>邓成东</a:t>
+            </a:r>
+          </a:p>
+        </p:txBody>
+      </p:sp>
+      <p:sp>
+        <p:nvSpPr>
+          <p:cNvPr id="32" name="矩形 31">
+            <a:extLst>
+              <a:ext uri="{FF2B5EF4-FFF2-40B4-BE49-F238E27FC236}">
+                <a16:creationId xmlns:a16="http://schemas.microsoft.com/office/drawing/2014/main" id="{2D46ABAF-24DC-4CFD-917C-B99C19EBCC5A}"/>
+              </a:ext>
+            </a:extLst>
+          </p:cNvPr>
+          <p:cNvSpPr/>
+          <p:nvPr/>
+        </p:nvSpPr>
+        <p:spPr>
+          <a:xfrm>
+            <a:off x="3239307" y="4905397"/>
+            <a:ext cx="1352145" cy="379378"/>
+          </a:xfrm>
+          <a:prstGeom prst="rect">
+            <a:avLst/>
+          </a:prstGeom>
+          <a:ln>
+            <a:noFill/>
+          </a:ln>
+        </p:spPr>
+        <p:style>
+          <a:lnRef idx="2">
+            <a:schemeClr val="accent1">
+              <a:shade val="50000"/>
+            </a:schemeClr>
+          </a:lnRef>
+          <a:fillRef idx="1">
+            <a:schemeClr val="accent1"/>
+          </a:fillRef>
+          <a:effectRef idx="0">
+            <a:schemeClr val="accent1"/>
+          </a:effectRef>
+          <a:fontRef idx="minor">
+            <a:schemeClr val="lt1"/>
+          </a:fontRef>
+        </p:style>
+        <p:txBody>
+          <a:bodyPr rtlCol="0" anchor="ctr"/>
+          <a:lstStyle/>
+          <a:p>
+            <a:pPr algn="ctr"/>
+            <a:r>
+              <a:rPr lang="zh-CN" altLang="en-US" dirty="0"/>
+              <a:t>曾磊</a:t>
+            </a:r>
+          </a:p>
+        </p:txBody>
+      </p:sp>
+      <p:sp>
+        <p:nvSpPr>
+          <p:cNvPr id="33" name="矩形 32">
+            <a:extLst>
+              <a:ext uri="{FF2B5EF4-FFF2-40B4-BE49-F238E27FC236}">
+                <a16:creationId xmlns:a16="http://schemas.microsoft.com/office/drawing/2014/main" id="{C482D034-F8E5-49E0-969E-B1F895A40F98}"/>
+              </a:ext>
+            </a:extLst>
+          </p:cNvPr>
+          <p:cNvSpPr/>
+          <p:nvPr/>
+        </p:nvSpPr>
+        <p:spPr>
+          <a:xfrm>
+            <a:off x="3239307" y="5675222"/>
+            <a:ext cx="1352145" cy="379378"/>
+          </a:xfrm>
+          <a:prstGeom prst="rect">
+            <a:avLst/>
+          </a:prstGeom>
+          <a:ln>
+            <a:noFill/>
+          </a:ln>
+        </p:spPr>
+        <p:style>
+          <a:lnRef idx="2">
+            <a:schemeClr val="accent1">
+              <a:shade val="50000"/>
+            </a:schemeClr>
+          </a:lnRef>
+          <a:fillRef idx="1">
+            <a:schemeClr val="accent1"/>
+          </a:fillRef>
+          <a:effectRef idx="0">
+            <a:schemeClr val="accent1"/>
+          </a:effectRef>
+          <a:fontRef idx="minor">
+            <a:schemeClr val="lt1"/>
+          </a:fontRef>
+        </p:style>
+        <p:txBody>
+          <a:bodyPr rtlCol="0" anchor="ctr"/>
+          <a:lstStyle/>
+          <a:p>
+            <a:pPr algn="ctr"/>
+            <a:r>
+              <a:rPr lang="zh-CN" altLang="en-US"/>
+              <a:t>陈俊豪</a:t>
+            </a:r>
+          </a:p>
+        </p:txBody>
+      </p:sp>
+      <p:pic>
+        <p:nvPicPr>
+          <p:cNvPr id="3" name="图片 2">
+            <a:extLst>
+              <a:ext uri="{FF2B5EF4-FFF2-40B4-BE49-F238E27FC236}">
+                <a16:creationId xmlns:a16="http://schemas.microsoft.com/office/drawing/2014/main" id="{DB29C9B4-C631-4D7A-8FF3-303B671387BF}"/>
+              </a:ext>
+            </a:extLst>
+          </p:cNvPr>
+          <p:cNvPicPr>
+            <a:picLocks noChangeAspect="1"/>
+          </p:cNvPicPr>
+          <p:nvPr/>
+        </p:nvPicPr>
+        <p:blipFill>
+          <a:blip r:embed="rId3">
+            <a:extLst>
+              <a:ext uri="{28A0092B-C50C-407E-A947-70E740481C1C}">
+                <a14:useLocalDpi xmlns:a14="http://schemas.microsoft.com/office/drawing/2010/main" val="0"/>
+              </a:ext>
+            </a:extLst>
+          </a:blip>
+          <a:stretch>
+            <a:fillRect/>
+          </a:stretch>
+        </p:blipFill>
+        <p:spPr>
+          <a:xfrm>
+            <a:off x="8391172" y="-11575"/>
+            <a:ext cx="3807828" cy="717629"/>
+          </a:xfrm>
+          <a:prstGeom prst="rect">
+            <a:avLst/>
+          </a:prstGeom>
+        </p:spPr>
+      </p:pic>
+    </p:spTree>
+    <p:extLst>
+      <p:ext uri="{BB962C8B-B14F-4D97-AF65-F5344CB8AC3E}">
+        <p14:creationId xmlns:p14="http://schemas.microsoft.com/office/powerpoint/2010/main" val="2751521143"/>
+      </p:ext>
+    </p:extLst>
+  </p:cSld>
+  <p:clrMapOvr>
+    <a:masterClrMapping/>
+  </p:clrMapOvr>
+  <mc:AlternateContent xmlns:mc="http://schemas.openxmlformats.org/markup-compatibility/2006" xmlns:p14="http://schemas.microsoft.com/office/powerpoint/2010/main">
+    <mc:Choice Requires="p14">
+      <p:transition spd="slow" p14:dur="3400">
+        <p14:reveal/>
+      </p:transition>
+    </mc:Choice>
+    <mc:Fallback xmlns="">
+      <p:transition spd="slow">
+        <p:fade/>
+      </p:transition>
+    </mc:Fallback>
+  </mc:AlternateContent>
+</p:sld>
+</file>
+
+<file path=ppt/slides/slide3.xml><?xml version="1.0" encoding="utf-8"?>
 <p:sld xmlns:a="http://schemas.openxmlformats.org/drawingml/2006/main" xmlns:r="http://schemas.openxmlformats.org/officeDocument/2006/relationships" xmlns:p="http://schemas.openxmlformats.org/presentationml/2006/main">
   <p:cSld>
     <p:bg>
@@ -6159,7 +7427,7 @@
           <a:p>
             <a:pPr algn="dist"/>
             <a:r>
-              <a:rPr lang="en-US" altLang="zh-CN" sz="4000" smtClean="0">
+              <a:rPr lang="en-US" altLang="zh-CN" sz="4000">
                 <a:ln w="0"/>
                 <a:solidFill>
                   <a:srgbClr val="FFFF00"/>
@@ -6265,6 +7533,42 @@
           </a:p>
         </p:txBody>
       </p:sp>
+      <p:pic>
+        <p:nvPicPr>
+          <p:cNvPr id="15" name="图片 14">
+            <a:extLst>
+              <a:ext uri="{FF2B5EF4-FFF2-40B4-BE49-F238E27FC236}">
+                <a16:creationId xmlns:a16="http://schemas.microsoft.com/office/drawing/2014/main" id="{82F36E83-5E57-49A0-9126-673F53A492F5}"/>
+              </a:ext>
+            </a:extLst>
+          </p:cNvPr>
+          <p:cNvPicPr>
+            <a:picLocks noChangeAspect="1"/>
+          </p:cNvPicPr>
+          <p:nvPr/>
+        </p:nvPicPr>
+        <p:blipFill>
+          <a:blip r:embed="rId3">
+            <a:extLst>
+              <a:ext uri="{28A0092B-C50C-407E-A947-70E740481C1C}">
+                <a14:useLocalDpi xmlns:a14="http://schemas.microsoft.com/office/drawing/2010/main" val="0"/>
+              </a:ext>
+            </a:extLst>
+          </a:blip>
+          <a:stretch>
+            <a:fillRect/>
+          </a:stretch>
+        </p:blipFill>
+        <p:spPr>
+          <a:xfrm>
+            <a:off x="8188340" y="11575"/>
+            <a:ext cx="3992085" cy="752354"/>
+          </a:xfrm>
+          <a:prstGeom prst="rect">
+            <a:avLst/>
+          </a:prstGeom>
+        </p:spPr>
+      </p:pic>
     </p:spTree>
     <p:extLst>
       <p:ext uri="{BB962C8B-B14F-4D97-AF65-F5344CB8AC3E}">
@@ -6287,884 +7591,6 @@
       </p:transition>
     </mc:Fallback>
   </mc:AlternateContent>
-  <p:timing>
-    <p:tnLst>
-      <p:par>
-        <p:cTn id="1" dur="indefinite" restart="never" nodeType="tmRoot"/>
-      </p:par>
-    </p:tnLst>
-  </p:timing>
-</p:sld>
-</file>
-
-<file path=ppt/slides/slide3.xml><?xml version="1.0" encoding="utf-8"?>
-<p:sld xmlns:a="http://schemas.openxmlformats.org/drawingml/2006/main" xmlns:r="http://schemas.openxmlformats.org/officeDocument/2006/relationships" xmlns:p="http://schemas.openxmlformats.org/presentationml/2006/main">
-  <p:cSld>
-    <p:bg>
-      <p:bgPr>
-        <a:blipFill dpi="0" rotWithShape="1">
-          <a:blip r:embed="rId2"/>
-          <a:srcRect/>
-          <a:stretch>
-            <a:fillRect/>
-          </a:stretch>
-        </a:blipFill>
-        <a:effectLst/>
-      </p:bgPr>
-    </p:bg>
-    <p:spTree>
-      <p:nvGrpSpPr>
-        <p:cNvPr id="1" name=""/>
-        <p:cNvGrpSpPr/>
-        <p:nvPr/>
-      </p:nvGrpSpPr>
-      <p:grpSpPr>
-        <a:xfrm>
-          <a:off x="0" y="0"/>
-          <a:ext cx="0" cy="0"/>
-          <a:chOff x="0" y="0"/>
-          <a:chExt cx="0" cy="0"/>
-        </a:xfrm>
-      </p:grpSpPr>
-      <p:sp>
-        <p:nvSpPr>
-          <p:cNvPr id="18" name="文本框 17">
-            <a:extLst>
-              <a:ext uri="{FF2B5EF4-FFF2-40B4-BE49-F238E27FC236}">
-                <a16:creationId xmlns:a16="http://schemas.microsoft.com/office/drawing/2014/main" id="{2E826A34-FABD-432C-A034-0417757D85D3}"/>
-              </a:ext>
-            </a:extLst>
-          </p:cNvPr>
-          <p:cNvSpPr txBox="1"/>
-          <p:nvPr/>
-        </p:nvSpPr>
-        <p:spPr>
-          <a:xfrm>
-            <a:off x="9883302" y="204281"/>
-            <a:ext cx="2110902" cy="461665"/>
-          </a:xfrm>
-          <a:prstGeom prst="rect">
-            <a:avLst/>
-          </a:prstGeom>
-          <a:noFill/>
-        </p:spPr>
-        <p:txBody>
-          <a:bodyPr wrap="square" rtlCol="0">
-            <a:spAutoFit/>
-          </a:bodyPr>
-          <a:lstStyle/>
-          <a:p>
-            <a:r>
-              <a:rPr lang="zh-CN" altLang="en-US" sz="2400" dirty="0">
-                <a:solidFill>
-                  <a:schemeClr val="bg1"/>
-                </a:solidFill>
-                <a:latin typeface="华文行楷" panose="02010800040101010101" pitchFamily="2" charset="-122"/>
-                <a:ea typeface="华文行楷" panose="02010800040101010101" pitchFamily="2" charset="-122"/>
-              </a:rPr>
-              <a:t>人员参与名单</a:t>
-            </a:r>
-          </a:p>
-        </p:txBody>
-      </p:sp>
-      <p:sp>
-        <p:nvSpPr>
-          <p:cNvPr id="19" name="矩形 18">
-            <a:extLst>
-              <a:ext uri="{FF2B5EF4-FFF2-40B4-BE49-F238E27FC236}">
-                <a16:creationId xmlns:a16="http://schemas.microsoft.com/office/drawing/2014/main" id="{B14708FF-141D-4B1B-9D26-A5F4A6A8ACA4}"/>
-              </a:ext>
-            </a:extLst>
-          </p:cNvPr>
-          <p:cNvSpPr/>
-          <p:nvPr/>
-        </p:nvSpPr>
-        <p:spPr>
-          <a:xfrm>
-            <a:off x="1750979" y="1068016"/>
-            <a:ext cx="865762" cy="379378"/>
-          </a:xfrm>
-          <a:prstGeom prst="rect">
-            <a:avLst/>
-          </a:prstGeom>
-          <a:noFill/>
-          <a:ln w="38100">
-            <a:solidFill>
-              <a:srgbClr val="C00000"/>
-            </a:solidFill>
-          </a:ln>
-        </p:spPr>
-        <p:style>
-          <a:lnRef idx="2">
-            <a:schemeClr val="accent1">
-              <a:shade val="50000"/>
-            </a:schemeClr>
-          </a:lnRef>
-          <a:fillRef idx="1">
-            <a:schemeClr val="accent1"/>
-          </a:fillRef>
-          <a:effectRef idx="0">
-            <a:schemeClr val="accent1"/>
-          </a:effectRef>
-          <a:fontRef idx="minor">
-            <a:schemeClr val="lt1"/>
-          </a:fontRef>
-        </p:style>
-        <p:txBody>
-          <a:bodyPr rtlCol="0" anchor="ctr"/>
-          <a:lstStyle/>
-          <a:p>
-            <a:pPr algn="ctr"/>
-            <a:r>
-              <a:rPr lang="zh-CN" altLang="en-US" sz="2000">
-                <a:solidFill>
-                  <a:srgbClr val="C00000"/>
-                </a:solidFill>
-              </a:rPr>
-              <a:t>组长</a:t>
-            </a:r>
-            <a:endParaRPr lang="zh-CN" altLang="en-US" sz="2000" dirty="0">
-              <a:solidFill>
-                <a:srgbClr val="C00000"/>
-              </a:solidFill>
-            </a:endParaRPr>
-          </a:p>
-        </p:txBody>
-      </p:sp>
-      <p:sp>
-        <p:nvSpPr>
-          <p:cNvPr id="20" name="矩形 19">
-            <a:extLst>
-              <a:ext uri="{FF2B5EF4-FFF2-40B4-BE49-F238E27FC236}">
-                <a16:creationId xmlns:a16="http://schemas.microsoft.com/office/drawing/2014/main" id="{DE20617C-2356-4C3A-95E1-92A3CC437862}"/>
-              </a:ext>
-            </a:extLst>
-          </p:cNvPr>
-          <p:cNvSpPr/>
-          <p:nvPr/>
-        </p:nvSpPr>
-        <p:spPr>
-          <a:xfrm>
-            <a:off x="1750979" y="1840892"/>
-            <a:ext cx="865762" cy="379378"/>
-          </a:xfrm>
-          <a:prstGeom prst="rect">
-            <a:avLst/>
-          </a:prstGeom>
-          <a:noFill/>
-          <a:ln w="38100">
-            <a:solidFill>
-              <a:srgbClr val="00B0F0"/>
-            </a:solidFill>
-          </a:ln>
-        </p:spPr>
-        <p:style>
-          <a:lnRef idx="2">
-            <a:schemeClr val="accent1">
-              <a:shade val="50000"/>
-            </a:schemeClr>
-          </a:lnRef>
-          <a:fillRef idx="1">
-            <a:schemeClr val="accent1"/>
-          </a:fillRef>
-          <a:effectRef idx="0">
-            <a:schemeClr val="accent1"/>
-          </a:effectRef>
-          <a:fontRef idx="minor">
-            <a:schemeClr val="lt1"/>
-          </a:fontRef>
-        </p:style>
-        <p:txBody>
-          <a:bodyPr rtlCol="0" anchor="ctr"/>
-          <a:lstStyle/>
-          <a:p>
-            <a:pPr algn="ctr"/>
-            <a:r>
-              <a:rPr lang="zh-CN" altLang="en-US" smtClean="0"/>
-              <a:t>组员</a:t>
-            </a:r>
-            <a:endParaRPr lang="zh-CN" altLang="en-US" dirty="0"/>
-          </a:p>
-        </p:txBody>
-      </p:sp>
-      <p:sp>
-        <p:nvSpPr>
-          <p:cNvPr id="21" name="矩形 20">
-            <a:extLst>
-              <a:ext uri="{FF2B5EF4-FFF2-40B4-BE49-F238E27FC236}">
-                <a16:creationId xmlns:a16="http://schemas.microsoft.com/office/drawing/2014/main" id="{F56678D2-1EF0-4C00-8509-40AC43889BDB}"/>
-              </a:ext>
-            </a:extLst>
-          </p:cNvPr>
-          <p:cNvSpPr/>
-          <p:nvPr/>
-        </p:nvSpPr>
-        <p:spPr>
-          <a:xfrm>
-            <a:off x="1750979" y="2595916"/>
-            <a:ext cx="865762" cy="397230"/>
-          </a:xfrm>
-          <a:prstGeom prst="rect">
-            <a:avLst/>
-          </a:prstGeom>
-          <a:noFill/>
-          <a:ln w="38100">
-            <a:solidFill>
-              <a:srgbClr val="00B0F0"/>
-            </a:solidFill>
-          </a:ln>
-        </p:spPr>
-        <p:style>
-          <a:lnRef idx="2">
-            <a:schemeClr val="accent1">
-              <a:shade val="50000"/>
-            </a:schemeClr>
-          </a:lnRef>
-          <a:fillRef idx="1">
-            <a:schemeClr val="accent1"/>
-          </a:fillRef>
-          <a:effectRef idx="0">
-            <a:schemeClr val="accent1"/>
-          </a:effectRef>
-          <a:fontRef idx="minor">
-            <a:schemeClr val="lt1"/>
-          </a:fontRef>
-        </p:style>
-        <p:txBody>
-          <a:bodyPr rtlCol="0" anchor="ctr"/>
-          <a:lstStyle/>
-          <a:p>
-            <a:pPr algn="ctr"/>
-            <a:r>
-              <a:rPr lang="zh-CN" altLang="en-US" smtClean="0"/>
-              <a:t>组员</a:t>
-            </a:r>
-            <a:endParaRPr lang="zh-CN" altLang="en-US" dirty="0"/>
-          </a:p>
-        </p:txBody>
-      </p:sp>
-      <p:sp>
-        <p:nvSpPr>
-          <p:cNvPr id="22" name="矩形 21">
-            <a:extLst>
-              <a:ext uri="{FF2B5EF4-FFF2-40B4-BE49-F238E27FC236}">
-                <a16:creationId xmlns:a16="http://schemas.microsoft.com/office/drawing/2014/main" id="{66C11CDC-4A2B-4A2D-BCEC-7124C3AF8384}"/>
-              </a:ext>
-            </a:extLst>
-          </p:cNvPr>
-          <p:cNvSpPr/>
-          <p:nvPr/>
-        </p:nvSpPr>
-        <p:spPr>
-          <a:xfrm>
-            <a:off x="1750979" y="3386644"/>
-            <a:ext cx="865762" cy="379378"/>
-          </a:xfrm>
-          <a:prstGeom prst="rect">
-            <a:avLst/>
-          </a:prstGeom>
-          <a:noFill/>
-          <a:ln w="38100">
-            <a:solidFill>
-              <a:srgbClr val="00B0F0"/>
-            </a:solidFill>
-          </a:ln>
-        </p:spPr>
-        <p:style>
-          <a:lnRef idx="2">
-            <a:schemeClr val="accent1">
-              <a:shade val="50000"/>
-            </a:schemeClr>
-          </a:lnRef>
-          <a:fillRef idx="1">
-            <a:schemeClr val="accent1"/>
-          </a:fillRef>
-          <a:effectRef idx="0">
-            <a:schemeClr val="accent1"/>
-          </a:effectRef>
-          <a:fontRef idx="minor">
-            <a:schemeClr val="lt1"/>
-          </a:fontRef>
-        </p:style>
-        <p:txBody>
-          <a:bodyPr rtlCol="0" anchor="ctr"/>
-          <a:lstStyle/>
-          <a:p>
-            <a:pPr algn="ctr"/>
-            <a:r>
-              <a:rPr lang="zh-CN" altLang="en-US" smtClean="0"/>
-              <a:t>组员</a:t>
-            </a:r>
-            <a:endParaRPr lang="zh-CN" altLang="en-US" dirty="0"/>
-          </a:p>
-        </p:txBody>
-      </p:sp>
-      <p:sp>
-        <p:nvSpPr>
-          <p:cNvPr id="23" name="矩形 22">
-            <a:extLst>
-              <a:ext uri="{FF2B5EF4-FFF2-40B4-BE49-F238E27FC236}">
-                <a16:creationId xmlns:a16="http://schemas.microsoft.com/office/drawing/2014/main" id="{9FC690B4-8B60-49A9-8829-94480E6671B2}"/>
-              </a:ext>
-            </a:extLst>
-          </p:cNvPr>
-          <p:cNvSpPr/>
-          <p:nvPr/>
-        </p:nvSpPr>
-        <p:spPr>
-          <a:xfrm>
-            <a:off x="1750979" y="4159520"/>
-            <a:ext cx="865762" cy="379378"/>
-          </a:xfrm>
-          <a:prstGeom prst="rect">
-            <a:avLst/>
-          </a:prstGeom>
-          <a:noFill/>
-          <a:ln w="38100">
-            <a:solidFill>
-              <a:srgbClr val="00B0F0"/>
-            </a:solidFill>
-          </a:ln>
-        </p:spPr>
-        <p:style>
-          <a:lnRef idx="2">
-            <a:schemeClr val="accent1">
-              <a:shade val="50000"/>
-            </a:schemeClr>
-          </a:lnRef>
-          <a:fillRef idx="1">
-            <a:schemeClr val="accent1"/>
-          </a:fillRef>
-          <a:effectRef idx="0">
-            <a:schemeClr val="accent1"/>
-          </a:effectRef>
-          <a:fontRef idx="minor">
-            <a:schemeClr val="lt1"/>
-          </a:fontRef>
-        </p:style>
-        <p:txBody>
-          <a:bodyPr rtlCol="0" anchor="ctr"/>
-          <a:lstStyle/>
-          <a:p>
-            <a:pPr algn="ctr"/>
-            <a:r>
-              <a:rPr lang="zh-CN" altLang="en-US" smtClean="0"/>
-              <a:t>组员</a:t>
-            </a:r>
-            <a:endParaRPr lang="zh-CN" altLang="en-US" dirty="0"/>
-          </a:p>
-        </p:txBody>
-      </p:sp>
-      <p:sp>
-        <p:nvSpPr>
-          <p:cNvPr id="24" name="矩形 23">
-            <a:extLst>
-              <a:ext uri="{FF2B5EF4-FFF2-40B4-BE49-F238E27FC236}">
-                <a16:creationId xmlns:a16="http://schemas.microsoft.com/office/drawing/2014/main" id="{1CEB96E5-C053-470E-8BF8-DC1D8BB43A6C}"/>
-              </a:ext>
-            </a:extLst>
-          </p:cNvPr>
-          <p:cNvSpPr/>
-          <p:nvPr/>
-        </p:nvSpPr>
-        <p:spPr>
-          <a:xfrm>
-            <a:off x="1750979" y="4932396"/>
-            <a:ext cx="865762" cy="379378"/>
-          </a:xfrm>
-          <a:prstGeom prst="rect">
-            <a:avLst/>
-          </a:prstGeom>
-          <a:noFill/>
-          <a:ln w="38100">
-            <a:solidFill>
-              <a:srgbClr val="00B0F0"/>
-            </a:solidFill>
-          </a:ln>
-        </p:spPr>
-        <p:style>
-          <a:lnRef idx="2">
-            <a:schemeClr val="accent1">
-              <a:shade val="50000"/>
-            </a:schemeClr>
-          </a:lnRef>
-          <a:fillRef idx="1">
-            <a:schemeClr val="accent1"/>
-          </a:fillRef>
-          <a:effectRef idx="0">
-            <a:schemeClr val="accent1"/>
-          </a:effectRef>
-          <a:fontRef idx="minor">
-            <a:schemeClr val="lt1"/>
-          </a:fontRef>
-        </p:style>
-        <p:txBody>
-          <a:bodyPr rtlCol="0" anchor="ctr"/>
-          <a:lstStyle/>
-          <a:p>
-            <a:pPr algn="ctr"/>
-            <a:r>
-              <a:rPr lang="zh-CN" altLang="en-US" smtClean="0"/>
-              <a:t>组员</a:t>
-            </a:r>
-            <a:endParaRPr lang="zh-CN" altLang="en-US" dirty="0"/>
-          </a:p>
-        </p:txBody>
-      </p:sp>
-      <p:sp>
-        <p:nvSpPr>
-          <p:cNvPr id="25" name="矩形 24">
-            <a:extLst>
-              <a:ext uri="{FF2B5EF4-FFF2-40B4-BE49-F238E27FC236}">
-                <a16:creationId xmlns:a16="http://schemas.microsoft.com/office/drawing/2014/main" id="{6A16F0F1-B7FD-4491-AFA8-0B22F8494083}"/>
-              </a:ext>
-            </a:extLst>
-          </p:cNvPr>
-          <p:cNvSpPr/>
-          <p:nvPr/>
-        </p:nvSpPr>
-        <p:spPr>
-          <a:xfrm>
-            <a:off x="1750979" y="5705272"/>
-            <a:ext cx="865762" cy="379378"/>
-          </a:xfrm>
-          <a:prstGeom prst="rect">
-            <a:avLst/>
-          </a:prstGeom>
-          <a:noFill/>
-          <a:ln w="38100">
-            <a:solidFill>
-              <a:srgbClr val="00B0F0"/>
-            </a:solidFill>
-          </a:ln>
-        </p:spPr>
-        <p:style>
-          <a:lnRef idx="2">
-            <a:schemeClr val="accent1">
-              <a:shade val="50000"/>
-            </a:schemeClr>
-          </a:lnRef>
-          <a:fillRef idx="1">
-            <a:schemeClr val="accent1"/>
-          </a:fillRef>
-          <a:effectRef idx="0">
-            <a:schemeClr val="accent1"/>
-          </a:effectRef>
-          <a:fontRef idx="minor">
-            <a:schemeClr val="lt1"/>
-          </a:fontRef>
-        </p:style>
-        <p:txBody>
-          <a:bodyPr rtlCol="0" anchor="ctr"/>
-          <a:lstStyle/>
-          <a:p>
-            <a:pPr algn="ctr"/>
-            <a:r>
-              <a:rPr lang="zh-CN" altLang="en-US" smtClean="0"/>
-              <a:t>组员</a:t>
-            </a:r>
-            <a:endParaRPr lang="zh-CN" altLang="en-US" dirty="0"/>
-          </a:p>
-        </p:txBody>
-      </p:sp>
-      <p:sp>
-        <p:nvSpPr>
-          <p:cNvPr id="27" name="矩形 26">
-            <a:extLst>
-              <a:ext uri="{FF2B5EF4-FFF2-40B4-BE49-F238E27FC236}">
-                <a16:creationId xmlns:a16="http://schemas.microsoft.com/office/drawing/2014/main" id="{2837464F-BE1F-4405-ACEB-56F653065535}"/>
-              </a:ext>
-            </a:extLst>
-          </p:cNvPr>
-          <p:cNvSpPr/>
-          <p:nvPr/>
-        </p:nvSpPr>
-        <p:spPr>
-          <a:xfrm>
-            <a:off x="3239307" y="1056262"/>
-            <a:ext cx="1352145" cy="379378"/>
-          </a:xfrm>
-          <a:prstGeom prst="rect">
-            <a:avLst/>
-          </a:prstGeom>
-          <a:solidFill>
-            <a:srgbClr val="C00000"/>
-          </a:solidFill>
-          <a:ln>
-            <a:noFill/>
-          </a:ln>
-        </p:spPr>
-        <p:style>
-          <a:lnRef idx="2">
-            <a:schemeClr val="accent1">
-              <a:shade val="50000"/>
-            </a:schemeClr>
-          </a:lnRef>
-          <a:fillRef idx="1">
-            <a:schemeClr val="accent1"/>
-          </a:fillRef>
-          <a:effectRef idx="0">
-            <a:schemeClr val="accent1"/>
-          </a:effectRef>
-          <a:fontRef idx="minor">
-            <a:schemeClr val="lt1"/>
-          </a:fontRef>
-        </p:style>
-        <p:txBody>
-          <a:bodyPr rtlCol="0" anchor="ctr"/>
-          <a:lstStyle/>
-          <a:p>
-            <a:pPr algn="ctr"/>
-            <a:r>
-              <a:rPr lang="zh-CN" altLang="en-US"/>
-              <a:t>荣致栋</a:t>
-            </a:r>
-            <a:endParaRPr lang="zh-CN" altLang="en-US" dirty="0"/>
-          </a:p>
-        </p:txBody>
-      </p:sp>
-      <p:sp>
-        <p:nvSpPr>
-          <p:cNvPr id="28" name="矩形 27">
-            <a:extLst>
-              <a:ext uri="{FF2B5EF4-FFF2-40B4-BE49-F238E27FC236}">
-                <a16:creationId xmlns:a16="http://schemas.microsoft.com/office/drawing/2014/main" id="{DE5F3178-983A-4B12-A584-518507A3B49C}"/>
-              </a:ext>
-            </a:extLst>
-          </p:cNvPr>
-          <p:cNvSpPr/>
-          <p:nvPr/>
-        </p:nvSpPr>
-        <p:spPr>
-          <a:xfrm>
-            <a:off x="3239307" y="1826089"/>
-            <a:ext cx="1352145" cy="379378"/>
-          </a:xfrm>
-          <a:prstGeom prst="rect">
-            <a:avLst/>
-          </a:prstGeom>
-          <a:ln>
-            <a:noFill/>
-          </a:ln>
-        </p:spPr>
-        <p:style>
-          <a:lnRef idx="2">
-            <a:schemeClr val="accent1">
-              <a:shade val="50000"/>
-            </a:schemeClr>
-          </a:lnRef>
-          <a:fillRef idx="1">
-            <a:schemeClr val="accent1"/>
-          </a:fillRef>
-          <a:effectRef idx="0">
-            <a:schemeClr val="accent1"/>
-          </a:effectRef>
-          <a:fontRef idx="minor">
-            <a:schemeClr val="lt1"/>
-          </a:fontRef>
-        </p:style>
-        <p:txBody>
-          <a:bodyPr rtlCol="0" anchor="ctr"/>
-          <a:lstStyle/>
-          <a:p>
-            <a:pPr algn="ctr"/>
-            <a:r>
-              <a:rPr lang="zh-CN" altLang="en-US"/>
-              <a:t>白雄武</a:t>
-            </a:r>
-          </a:p>
-        </p:txBody>
-      </p:sp>
-      <p:sp>
-        <p:nvSpPr>
-          <p:cNvPr id="29" name="矩形 28">
-            <a:extLst>
-              <a:ext uri="{FF2B5EF4-FFF2-40B4-BE49-F238E27FC236}">
-                <a16:creationId xmlns:a16="http://schemas.microsoft.com/office/drawing/2014/main" id="{B6E508DB-8080-450A-A8E6-C6C7D6E8B410}"/>
-              </a:ext>
-            </a:extLst>
-          </p:cNvPr>
-          <p:cNvSpPr/>
-          <p:nvPr/>
-        </p:nvSpPr>
-        <p:spPr>
-          <a:xfrm>
-            <a:off x="3239307" y="2595916"/>
-            <a:ext cx="1352145" cy="379378"/>
-          </a:xfrm>
-          <a:prstGeom prst="rect">
-            <a:avLst/>
-          </a:prstGeom>
-          <a:ln>
-            <a:noFill/>
-          </a:ln>
-        </p:spPr>
-        <p:style>
-          <a:lnRef idx="2">
-            <a:schemeClr val="accent1">
-              <a:shade val="50000"/>
-            </a:schemeClr>
-          </a:lnRef>
-          <a:fillRef idx="1">
-            <a:schemeClr val="accent1"/>
-          </a:fillRef>
-          <a:effectRef idx="0">
-            <a:schemeClr val="accent1"/>
-          </a:effectRef>
-          <a:fontRef idx="minor">
-            <a:schemeClr val="lt1"/>
-          </a:fontRef>
-        </p:style>
-        <p:txBody>
-          <a:bodyPr rtlCol="0" anchor="ctr"/>
-          <a:lstStyle/>
-          <a:p>
-            <a:pPr algn="ctr"/>
-            <a:r>
-              <a:rPr lang="zh-CN" altLang="en-US"/>
-              <a:t>胡昊</a:t>
-            </a:r>
-          </a:p>
-        </p:txBody>
-      </p:sp>
-      <p:sp>
-        <p:nvSpPr>
-          <p:cNvPr id="30" name="矩形 29">
-            <a:extLst>
-              <a:ext uri="{FF2B5EF4-FFF2-40B4-BE49-F238E27FC236}">
-                <a16:creationId xmlns:a16="http://schemas.microsoft.com/office/drawing/2014/main" id="{79A60343-3580-486F-9224-6DFA8E8D62E8}"/>
-              </a:ext>
-            </a:extLst>
-          </p:cNvPr>
-          <p:cNvSpPr/>
-          <p:nvPr/>
-        </p:nvSpPr>
-        <p:spPr>
-          <a:xfrm>
-            <a:off x="3239307" y="3365743"/>
-            <a:ext cx="1352145" cy="379378"/>
-          </a:xfrm>
-          <a:prstGeom prst="rect">
-            <a:avLst/>
-          </a:prstGeom>
-          <a:ln>
-            <a:noFill/>
-          </a:ln>
-        </p:spPr>
-        <p:style>
-          <a:lnRef idx="2">
-            <a:schemeClr val="accent1">
-              <a:shade val="50000"/>
-            </a:schemeClr>
-          </a:lnRef>
-          <a:fillRef idx="1">
-            <a:schemeClr val="accent1"/>
-          </a:fillRef>
-          <a:effectRef idx="0">
-            <a:schemeClr val="accent1"/>
-          </a:effectRef>
-          <a:fontRef idx="minor">
-            <a:schemeClr val="lt1"/>
-          </a:fontRef>
-        </p:style>
-        <p:txBody>
-          <a:bodyPr rtlCol="0" anchor="ctr"/>
-          <a:lstStyle/>
-          <a:p>
-            <a:pPr algn="ctr"/>
-            <a:r>
-              <a:rPr lang="zh-CN" altLang="en-US"/>
-              <a:t>颜伟</a:t>
-            </a:r>
-          </a:p>
-        </p:txBody>
-      </p:sp>
-      <p:sp>
-        <p:nvSpPr>
-          <p:cNvPr id="31" name="矩形 30">
-            <a:extLst>
-              <a:ext uri="{FF2B5EF4-FFF2-40B4-BE49-F238E27FC236}">
-                <a16:creationId xmlns:a16="http://schemas.microsoft.com/office/drawing/2014/main" id="{377C6F36-3815-4A1A-B23C-E46942615E84}"/>
-              </a:ext>
-            </a:extLst>
-          </p:cNvPr>
-          <p:cNvSpPr/>
-          <p:nvPr/>
-        </p:nvSpPr>
-        <p:spPr>
-          <a:xfrm>
-            <a:off x="3239307" y="4135570"/>
-            <a:ext cx="1352145" cy="379378"/>
-          </a:xfrm>
-          <a:prstGeom prst="rect">
-            <a:avLst/>
-          </a:prstGeom>
-          <a:ln>
-            <a:noFill/>
-          </a:ln>
-        </p:spPr>
-        <p:style>
-          <a:lnRef idx="2">
-            <a:schemeClr val="accent1">
-              <a:shade val="50000"/>
-            </a:schemeClr>
-          </a:lnRef>
-          <a:fillRef idx="1">
-            <a:schemeClr val="accent1"/>
-          </a:fillRef>
-          <a:effectRef idx="0">
-            <a:schemeClr val="accent1"/>
-          </a:effectRef>
-          <a:fontRef idx="minor">
-            <a:schemeClr val="lt1"/>
-          </a:fontRef>
-        </p:style>
-        <p:txBody>
-          <a:bodyPr rtlCol="0" anchor="ctr"/>
-          <a:lstStyle/>
-          <a:p>
-            <a:pPr algn="ctr"/>
-            <a:r>
-              <a:rPr lang="zh-CN" altLang="en-US" dirty="0"/>
-              <a:t>邓成东</a:t>
-            </a:r>
-          </a:p>
-        </p:txBody>
-      </p:sp>
-      <p:sp>
-        <p:nvSpPr>
-          <p:cNvPr id="32" name="矩形 31">
-            <a:extLst>
-              <a:ext uri="{FF2B5EF4-FFF2-40B4-BE49-F238E27FC236}">
-                <a16:creationId xmlns:a16="http://schemas.microsoft.com/office/drawing/2014/main" id="{2D46ABAF-24DC-4CFD-917C-B99C19EBCC5A}"/>
-              </a:ext>
-            </a:extLst>
-          </p:cNvPr>
-          <p:cNvSpPr/>
-          <p:nvPr/>
-        </p:nvSpPr>
-        <p:spPr>
-          <a:xfrm>
-            <a:off x="3239307" y="4905397"/>
-            <a:ext cx="1352145" cy="379378"/>
-          </a:xfrm>
-          <a:prstGeom prst="rect">
-            <a:avLst/>
-          </a:prstGeom>
-          <a:ln>
-            <a:noFill/>
-          </a:ln>
-        </p:spPr>
-        <p:style>
-          <a:lnRef idx="2">
-            <a:schemeClr val="accent1">
-              <a:shade val="50000"/>
-            </a:schemeClr>
-          </a:lnRef>
-          <a:fillRef idx="1">
-            <a:schemeClr val="accent1"/>
-          </a:fillRef>
-          <a:effectRef idx="0">
-            <a:schemeClr val="accent1"/>
-          </a:effectRef>
-          <a:fontRef idx="minor">
-            <a:schemeClr val="lt1"/>
-          </a:fontRef>
-        </p:style>
-        <p:txBody>
-          <a:bodyPr rtlCol="0" anchor="ctr"/>
-          <a:lstStyle/>
-          <a:p>
-            <a:pPr algn="ctr"/>
-            <a:r>
-              <a:rPr lang="zh-CN" altLang="en-US" dirty="0"/>
-              <a:t>曾磊</a:t>
-            </a:r>
-          </a:p>
-        </p:txBody>
-      </p:sp>
-      <p:sp>
-        <p:nvSpPr>
-          <p:cNvPr id="33" name="矩形 32">
-            <a:extLst>
-              <a:ext uri="{FF2B5EF4-FFF2-40B4-BE49-F238E27FC236}">
-                <a16:creationId xmlns:a16="http://schemas.microsoft.com/office/drawing/2014/main" id="{C482D034-F8E5-49E0-969E-B1F895A40F98}"/>
-              </a:ext>
-            </a:extLst>
-          </p:cNvPr>
-          <p:cNvSpPr/>
-          <p:nvPr/>
-        </p:nvSpPr>
-        <p:spPr>
-          <a:xfrm>
-            <a:off x="3239307" y="5675222"/>
-            <a:ext cx="1352145" cy="379378"/>
-          </a:xfrm>
-          <a:prstGeom prst="rect">
-            <a:avLst/>
-          </a:prstGeom>
-          <a:ln>
-            <a:noFill/>
-          </a:ln>
-        </p:spPr>
-        <p:style>
-          <a:lnRef idx="2">
-            <a:schemeClr val="accent1">
-              <a:shade val="50000"/>
-            </a:schemeClr>
-          </a:lnRef>
-          <a:fillRef idx="1">
-            <a:schemeClr val="accent1"/>
-          </a:fillRef>
-          <a:effectRef idx="0">
-            <a:schemeClr val="accent1"/>
-          </a:effectRef>
-          <a:fontRef idx="minor">
-            <a:schemeClr val="lt1"/>
-          </a:fontRef>
-        </p:style>
-        <p:txBody>
-          <a:bodyPr rtlCol="0" anchor="ctr"/>
-          <a:lstStyle/>
-          <a:p>
-            <a:pPr algn="ctr"/>
-            <a:r>
-              <a:rPr lang="zh-CN" altLang="en-US"/>
-              <a:t>陈俊豪</a:t>
-            </a:r>
-            <a:endParaRPr lang="zh-CN" altLang="en-US"/>
-          </a:p>
-        </p:txBody>
-      </p:sp>
-    </p:spTree>
-    <p:extLst>
-      <p:ext uri="{BB962C8B-B14F-4D97-AF65-F5344CB8AC3E}">
-        <p14:creationId xmlns:p14="http://schemas.microsoft.com/office/powerpoint/2010/main" val="2751521143"/>
-      </p:ext>
-    </p:extLst>
-  </p:cSld>
-  <p:clrMapOvr>
-    <a:masterClrMapping/>
-  </p:clrMapOvr>
-  <mc:AlternateContent xmlns:mc="http://schemas.openxmlformats.org/markup-compatibility/2006" xmlns:p14="http://schemas.microsoft.com/office/powerpoint/2010/main">
-    <mc:Choice Requires="p14">
-      <p:transition spd="slow" p14:dur="3400">
-        <p14:reveal/>
-      </p:transition>
-    </mc:Choice>
-    <mc:Fallback xmlns="">
-      <p:transition spd="slow">
-        <p:fade/>
-      </p:transition>
-    </mc:Fallback>
-  </mc:AlternateContent>
-  <p:timing>
-    <p:tnLst>
-      <p:par>
-        <p:cTn id="1" dur="indefinite" restart="never" nodeType="tmRoot"/>
-      </p:par>
-    </p:tnLst>
-  </p:timing>
 </p:sld>
 </file>
 
@@ -7213,7 +7639,7 @@
         </p:nvSpPr>
         <p:spPr>
           <a:xfrm>
-            <a:off x="10521386" y="196769"/>
+            <a:off x="7035075" y="8443"/>
             <a:ext cx="1469985" cy="461665"/>
           </a:xfrm>
           <a:prstGeom prst="rect">
@@ -7362,7 +7788,7 @@
                 <a:hlinkClick r:id="rId3">
                   <a:extLst>
                     <a:ext uri="{A12FA001-AC4F-418D-AE19-62706E023703}">
-                      <ahyp:hlinkClr xmlns="" xmlns:ahyp="http://schemas.microsoft.com/office/drawing/2018/hyperlinkcolor" val="tx"/>
+                      <ahyp:hlinkClr xmlns:ahyp="http://schemas.microsoft.com/office/drawing/2018/hyperlinkcolor" val="tx"/>
                     </a:ext>
                   </a:extLst>
                 </a:hlinkClick>
@@ -7386,7 +7812,7 @@
                 <a:hlinkClick r:id="rId4">
                   <a:extLst>
                     <a:ext uri="{A12FA001-AC4F-418D-AE19-62706E023703}">
-                      <ahyp:hlinkClr xmlns="" xmlns:ahyp="http://schemas.microsoft.com/office/drawing/2018/hyperlinkcolor" val="tx"/>
+                      <ahyp:hlinkClr xmlns:ahyp="http://schemas.microsoft.com/office/drawing/2018/hyperlinkcolor" val="tx"/>
                     </a:ext>
                   </a:extLst>
                 </a:hlinkClick>
@@ -7492,15 +7918,26 @@
           <a:lstStyle/>
           <a:p>
             <a:r>
-              <a:rPr lang="en-US" altLang="zh-CN" sz="2400" dirty="0"/>
+              <a:rPr lang="en-US" altLang="zh-CN" sz="2400" dirty="0">
+                <a:solidFill>
+                  <a:schemeClr val="bg1"/>
+                </a:solidFill>
+              </a:rPr>
               <a:t>main </a:t>
             </a:r>
             <a:r>
-              <a:rPr lang="zh-CN" altLang="en-US" sz="2400" dirty="0"/>
+              <a:rPr lang="zh-CN" altLang="en-US" sz="2400" dirty="0">
+                <a:solidFill>
+                  <a:schemeClr val="bg1"/>
+                </a:solidFill>
+              </a:rPr>
               <a:t>：</a:t>
             </a:r>
             <a:r>
               <a:rPr lang="zh-CN" altLang="en-US" sz="2000" dirty="0">
+                <a:solidFill>
+                  <a:schemeClr val="bg1"/>
+                </a:solidFill>
                 <a:latin typeface="华文行楷" panose="02010800040101010101" pitchFamily="2" charset="-122"/>
                 <a:ea typeface="华文行楷" panose="02010800040101010101" pitchFamily="2" charset="-122"/>
               </a:rPr>
@@ -7540,7 +7977,7 @@
             <a:r>
               <a:rPr lang="zh-CN" altLang="en-US" sz="2000" dirty="0">
                 <a:solidFill>
-                  <a:srgbClr val="FFFF00"/>
+                  <a:schemeClr val="bg1"/>
                 </a:solidFill>
                 <a:latin typeface="楷体" panose="02010609060101010101" pitchFamily="49" charset="-122"/>
                 <a:ea typeface="楷体" panose="02010609060101010101" pitchFamily="49" charset="-122"/>
@@ -7550,7 +7987,7 @@
             <a:r>
               <a:rPr lang="en-US" altLang="zh-CN" sz="2000" dirty="0">
                 <a:solidFill>
-                  <a:srgbClr val="FFFF00"/>
+                  <a:schemeClr val="bg1"/>
                 </a:solidFill>
                 <a:latin typeface="楷体" panose="02010609060101010101" pitchFamily="49" charset="-122"/>
                 <a:ea typeface="楷体" panose="02010609060101010101" pitchFamily="49" charset="-122"/>
@@ -7560,7 +7997,7 @@
             <a:r>
               <a:rPr lang="zh-CN" altLang="en-US" sz="2000" dirty="0">
                 <a:solidFill>
-                  <a:srgbClr val="FFFF00"/>
+                  <a:schemeClr val="bg1"/>
                 </a:solidFill>
                 <a:latin typeface="楷体" panose="02010609060101010101" pitchFamily="49" charset="-122"/>
                 <a:ea typeface="楷体" panose="02010609060101010101" pitchFamily="49" charset="-122"/>
@@ -7570,7 +8007,7 @@
             <a:r>
               <a:rPr lang="en-US" altLang="zh-CN" sz="2000" dirty="0">
                 <a:solidFill>
-                  <a:srgbClr val="FFFF00"/>
+                  <a:schemeClr val="bg1"/>
                 </a:solidFill>
                 <a:latin typeface="楷体" panose="02010609060101010101" pitchFamily="49" charset="-122"/>
                 <a:ea typeface="楷体" panose="02010609060101010101" pitchFamily="49" charset="-122"/>
@@ -7579,7 +8016,7 @@
             </a:r>
             <a:endParaRPr lang="zh-CN" altLang="en-US" sz="2000" dirty="0">
               <a:solidFill>
-                <a:srgbClr val="FFFF00"/>
+                <a:schemeClr val="bg1"/>
               </a:solidFill>
               <a:latin typeface="楷体" panose="02010609060101010101" pitchFamily="49" charset="-122"/>
               <a:ea typeface="楷体" panose="02010609060101010101" pitchFamily="49" charset="-122"/>
@@ -7616,15 +8053,26 @@
           <a:lstStyle/>
           <a:p>
             <a:r>
-              <a:rPr lang="en-US" altLang="zh-CN" sz="2400" dirty="0"/>
+              <a:rPr lang="en-US" altLang="zh-CN" sz="2400" dirty="0">
+                <a:solidFill>
+                  <a:schemeClr val="bg1"/>
+                </a:solidFill>
+              </a:rPr>
               <a:t>test </a:t>
             </a:r>
             <a:r>
-              <a:rPr lang="zh-CN" altLang="en-US" sz="2400" dirty="0"/>
+              <a:rPr lang="zh-CN" altLang="en-US" sz="2400" dirty="0">
+                <a:solidFill>
+                  <a:schemeClr val="bg1"/>
+                </a:solidFill>
+              </a:rPr>
               <a:t>：</a:t>
             </a:r>
             <a:r>
               <a:rPr lang="zh-CN" altLang="en-US" sz="2000" dirty="0">
+                <a:solidFill>
+                  <a:schemeClr val="bg1"/>
+                </a:solidFill>
                 <a:latin typeface="华文行楷" panose="02010800040101010101" pitchFamily="2" charset="-122"/>
                 <a:ea typeface="华文行楷" panose="02010800040101010101" pitchFamily="2" charset="-122"/>
               </a:rPr>
@@ -7664,7 +8112,7 @@
             <a:r>
               <a:rPr lang="zh-CN" altLang="en-US" sz="2000" dirty="0">
                 <a:solidFill>
-                  <a:srgbClr val="00B050"/>
+                  <a:schemeClr val="bg1"/>
                 </a:solidFill>
                 <a:latin typeface="楷体" panose="02010609060101010101" pitchFamily="49" charset="-122"/>
                 <a:ea typeface="楷体" panose="02010609060101010101" pitchFamily="49" charset="-122"/>
@@ -7674,6 +8122,42 @@
           </a:p>
         </p:txBody>
       </p:sp>
+      <p:pic>
+        <p:nvPicPr>
+          <p:cNvPr id="8" name="图片 7">
+            <a:extLst>
+              <a:ext uri="{FF2B5EF4-FFF2-40B4-BE49-F238E27FC236}">
+                <a16:creationId xmlns:a16="http://schemas.microsoft.com/office/drawing/2014/main" id="{871F253D-15AC-4AB0-AE93-5BC4DE33A63C}"/>
+              </a:ext>
+            </a:extLst>
+          </p:cNvPr>
+          <p:cNvPicPr>
+            <a:picLocks noChangeAspect="1"/>
+          </p:cNvPicPr>
+          <p:nvPr/>
+        </p:nvPicPr>
+        <p:blipFill>
+          <a:blip r:embed="rId5">
+            <a:extLst>
+              <a:ext uri="{28A0092B-C50C-407E-A947-70E740481C1C}">
+                <a14:useLocalDpi xmlns:a14="http://schemas.microsoft.com/office/drawing/2010/main" val="0"/>
+              </a:ext>
+            </a:extLst>
+          </a:blip>
+          <a:stretch>
+            <a:fillRect/>
+          </a:stretch>
+        </p:blipFill>
+        <p:spPr>
+          <a:xfrm>
+            <a:off x="8514123" y="1344"/>
+            <a:ext cx="3677877" cy="693138"/>
+          </a:xfrm>
+          <a:prstGeom prst="rect">
+            <a:avLst/>
+          </a:prstGeom>
+        </p:spPr>
+      </p:pic>
     </p:spTree>
     <p:extLst>
       <p:ext uri="{BB962C8B-B14F-4D97-AF65-F5344CB8AC3E}">
@@ -7696,13 +8180,6 @@
       </p:transition>
     </mc:Fallback>
   </mc:AlternateContent>
-  <p:timing>
-    <p:tnLst>
-      <p:par>
-        <p:cTn id="1" dur="indefinite" restart="never" nodeType="tmRoot"/>
-      </p:par>
-    </p:tnLst>
-  </p:timing>
 </p:sld>
 </file>
 
@@ -7977,7 +8454,7 @@
         </p:nvSpPr>
         <p:spPr>
           <a:xfrm>
-            <a:off x="10590835" y="173620"/>
+            <a:off x="7137981" y="5460"/>
             <a:ext cx="1435261" cy="461665"/>
           </a:xfrm>
           <a:prstGeom prst="rect">
@@ -8057,6 +8534,42 @@
           </a:p>
         </p:txBody>
       </p:sp>
+      <p:pic>
+        <p:nvPicPr>
+          <p:cNvPr id="10" name="图片 9">
+            <a:extLst>
+              <a:ext uri="{FF2B5EF4-FFF2-40B4-BE49-F238E27FC236}">
+                <a16:creationId xmlns:a16="http://schemas.microsoft.com/office/drawing/2014/main" id="{7C4EB8AA-864B-49C9-A5B9-F10BA38A23AD}"/>
+              </a:ext>
+            </a:extLst>
+          </p:cNvPr>
+          <p:cNvPicPr>
+            <a:picLocks noChangeAspect="1"/>
+          </p:cNvPicPr>
+          <p:nvPr/>
+        </p:nvPicPr>
+        <p:blipFill>
+          <a:blip r:embed="rId3">
+            <a:extLst>
+              <a:ext uri="{28A0092B-C50C-407E-A947-70E740481C1C}">
+                <a14:useLocalDpi xmlns:a14="http://schemas.microsoft.com/office/drawing/2010/main" val="0"/>
+              </a:ext>
+            </a:extLst>
+          </a:blip>
+          <a:stretch>
+            <a:fillRect/>
+          </a:stretch>
+        </p:blipFill>
+        <p:spPr>
+          <a:xfrm>
+            <a:off x="8587706" y="13176"/>
+            <a:ext cx="3592813" cy="677107"/>
+          </a:xfrm>
+          <a:prstGeom prst="rect">
+            <a:avLst/>
+          </a:prstGeom>
+        </p:spPr>
+      </p:pic>
     </p:spTree>
     <p:extLst>
       <p:ext uri="{BB962C8B-B14F-4D97-AF65-F5344CB8AC3E}">
@@ -8067,13 +8580,6 @@
   <p:clrMapOvr>
     <a:masterClrMapping/>
   </p:clrMapOvr>
-  <p:timing>
-    <p:tnLst>
-      <p:par>
-        <p:cTn id="1" dur="indefinite" restart="never" nodeType="tmRoot"/>
-      </p:par>
-    </p:tnLst>
-  </p:timing>
 </p:sld>
 </file>
 
@@ -8161,7 +8667,7 @@
         </p:nvSpPr>
         <p:spPr>
           <a:xfrm>
-            <a:off x="10127848" y="358818"/>
+            <a:off x="6805916" y="-3"/>
             <a:ext cx="1886677" cy="523220"/>
           </a:xfrm>
           <a:prstGeom prst="rect">
@@ -8183,25 +8689,8 @@
                 <a:latin typeface="华文行楷" panose="02010800040101010101" pitchFamily="2" charset="-122"/>
                 <a:ea typeface="华文行楷" panose="02010800040101010101" pitchFamily="2" charset="-122"/>
               </a:rPr>
-              <a:t>项目</a:t>
-            </a:r>
-            <a:r>
-              <a:rPr lang="zh-CN" altLang="en-US" sz="2800" smtClean="0">
-                <a:solidFill>
-                  <a:srgbClr val="3B4042"/>
-                </a:solidFill>
-                <a:latin typeface="华文行楷" panose="02010800040101010101" pitchFamily="2" charset="-122"/>
-                <a:ea typeface="华文行楷" panose="02010800040101010101" pitchFamily="2" charset="-122"/>
-              </a:rPr>
-              <a:t>准备</a:t>
-            </a:r>
-            <a:endParaRPr lang="zh-CN" altLang="en-US" sz="2800">
-              <a:solidFill>
-                <a:srgbClr val="3B4042"/>
-              </a:solidFill>
-              <a:latin typeface="华文行楷" panose="02010800040101010101" pitchFamily="2" charset="-122"/>
-              <a:ea typeface="华文行楷" panose="02010800040101010101" pitchFamily="2" charset="-122"/>
-            </a:endParaRPr>
+              <a:t>项目准备</a:t>
+            </a:r>
           </a:p>
         </p:txBody>
       </p:sp>
@@ -8235,6 +8724,42 @@
           </a:prstGeom>
         </p:spPr>
       </p:pic>
+      <p:pic>
+        <p:nvPicPr>
+          <p:cNvPr id="3" name="图片 2">
+            <a:extLst>
+              <a:ext uri="{FF2B5EF4-FFF2-40B4-BE49-F238E27FC236}">
+                <a16:creationId xmlns:a16="http://schemas.microsoft.com/office/drawing/2014/main" id="{DA5B100C-3D58-427B-ABFB-4D082BB396D5}"/>
+              </a:ext>
+            </a:extLst>
+          </p:cNvPr>
+          <p:cNvPicPr>
+            <a:picLocks noChangeAspect="1"/>
+          </p:cNvPicPr>
+          <p:nvPr/>
+        </p:nvPicPr>
+        <p:blipFill>
+          <a:blip r:embed="rId4">
+            <a:extLst>
+              <a:ext uri="{28A0092B-C50C-407E-A947-70E740481C1C}">
+                <a14:useLocalDpi xmlns:a14="http://schemas.microsoft.com/office/drawing/2010/main" val="0"/>
+              </a:ext>
+            </a:extLst>
+          </a:blip>
+          <a:stretch>
+            <a:fillRect/>
+          </a:stretch>
+        </p:blipFill>
+        <p:spPr>
+          <a:xfrm>
+            <a:off x="8692587" y="0"/>
+            <a:ext cx="3491216" cy="657960"/>
+          </a:xfrm>
+          <a:prstGeom prst="rect">
+            <a:avLst/>
+          </a:prstGeom>
+        </p:spPr>
+      </p:pic>
     </p:spTree>
     <p:extLst>
       <p:ext uri="{BB962C8B-B14F-4D97-AF65-F5344CB8AC3E}">
@@ -8245,13 +8770,6 @@
   <p:clrMapOvr>
     <a:masterClrMapping/>
   </p:clrMapOvr>
-  <p:timing>
-    <p:tnLst>
-      <p:par>
-        <p:cTn id="1" dur="indefinite" restart="never" nodeType="tmRoot"/>
-      </p:par>
-    </p:tnLst>
-  </p:timing>
 </p:sld>
 </file>
 
@@ -8327,6 +8845,42 @@
           </a:p>
         </p:txBody>
       </p:sp>
+      <p:pic>
+        <p:nvPicPr>
+          <p:cNvPr id="3" name="图片 2">
+            <a:extLst>
+              <a:ext uri="{FF2B5EF4-FFF2-40B4-BE49-F238E27FC236}">
+                <a16:creationId xmlns:a16="http://schemas.microsoft.com/office/drawing/2014/main" id="{32EBC82C-F1BF-4BA4-98E3-D8F54ABD3AE7}"/>
+              </a:ext>
+            </a:extLst>
+          </p:cNvPr>
+          <p:cNvPicPr>
+            <a:picLocks noChangeAspect="1"/>
+          </p:cNvPicPr>
+          <p:nvPr/>
+        </p:nvPicPr>
+        <p:blipFill>
+          <a:blip r:embed="rId3">
+            <a:extLst>
+              <a:ext uri="{28A0092B-C50C-407E-A947-70E740481C1C}">
+                <a14:useLocalDpi xmlns:a14="http://schemas.microsoft.com/office/drawing/2010/main" val="0"/>
+              </a:ext>
+            </a:extLst>
+          </a:blip>
+          <a:stretch>
+            <a:fillRect/>
+          </a:stretch>
+        </p:blipFill>
+        <p:spPr>
+          <a:xfrm>
+            <a:off x="9048173" y="-11575"/>
+            <a:ext cx="3132251" cy="590309"/>
+          </a:xfrm>
+          <a:prstGeom prst="rect">
+            <a:avLst/>
+          </a:prstGeom>
+        </p:spPr>
+      </p:pic>
     </p:spTree>
     <p:extLst>
       <p:ext uri="{BB962C8B-B14F-4D97-AF65-F5344CB8AC3E}">
@@ -8349,13 +8903,6 @@
       </p:transition>
     </mc:Fallback>
   </mc:AlternateContent>
-  <p:timing>
-    <p:tnLst>
-      <p:par>
-        <p:cTn id="1" dur="indefinite" restart="never" nodeType="tmRoot"/>
-      </p:par>
-    </p:tnLst>
-  </p:timing>
 </p:sld>
 </file>
 
@@ -8515,7 +9062,7 @@
         </p:nvSpPr>
         <p:spPr>
           <a:xfrm>
-            <a:off x="10521388" y="142059"/>
+            <a:off x="7280482" y="-3725"/>
             <a:ext cx="1551008" cy="461665"/>
           </a:xfrm>
           <a:prstGeom prst="rect">
@@ -8788,6 +9335,42 @@
           </a:p>
         </p:txBody>
       </p:sp>
+      <p:pic>
+        <p:nvPicPr>
+          <p:cNvPr id="3" name="图片 2">
+            <a:extLst>
+              <a:ext uri="{FF2B5EF4-FFF2-40B4-BE49-F238E27FC236}">
+                <a16:creationId xmlns:a16="http://schemas.microsoft.com/office/drawing/2014/main" id="{87F81989-6F52-4775-A797-5096307C666F}"/>
+              </a:ext>
+            </a:extLst>
+          </p:cNvPr>
+          <p:cNvPicPr>
+            <a:picLocks noChangeAspect="1"/>
+          </p:cNvPicPr>
+          <p:nvPr/>
+        </p:nvPicPr>
+        <p:blipFill>
+          <a:blip r:embed="rId4">
+            <a:extLst>
+              <a:ext uri="{28A0092B-C50C-407E-A947-70E740481C1C}">
+                <a14:useLocalDpi xmlns:a14="http://schemas.microsoft.com/office/drawing/2010/main" val="0"/>
+              </a:ext>
+            </a:extLst>
+          </a:blip>
+          <a:stretch>
+            <a:fillRect/>
+          </a:stretch>
+        </p:blipFill>
+        <p:spPr>
+          <a:xfrm>
+            <a:off x="8842939" y="-11575"/>
+            <a:ext cx="3356897" cy="632646"/>
+          </a:xfrm>
+          <a:prstGeom prst="rect">
+            <a:avLst/>
+          </a:prstGeom>
+        </p:spPr>
+      </p:pic>
     </p:spTree>
     <p:extLst>
       <p:ext uri="{BB962C8B-B14F-4D97-AF65-F5344CB8AC3E}">
@@ -8798,13 +9381,6 @@
   <p:clrMapOvr>
     <a:masterClrMapping/>
   </p:clrMapOvr>
-  <p:timing>
-    <p:tnLst>
-      <p:par>
-        <p:cTn id="1" dur="indefinite" restart="never" nodeType="tmRoot"/>
-      </p:par>
-    </p:tnLst>
-  </p:timing>
 </p:sld>
 </file>
 
@@ -8874,7 +9450,7 @@
         </p:nvSpPr>
         <p:spPr>
           <a:xfrm>
-            <a:off x="10232021" y="277792"/>
+            <a:off x="7157010" y="17003"/>
             <a:ext cx="1655180" cy="523220"/>
           </a:xfrm>
           <a:prstGeom prst="rect">
@@ -8921,26 +9497,58 @@
           <a:lstStyle/>
           <a:p>
             <a:r>
-              <a:rPr lang="en-US" altLang="zh-CN" sz="2400" smtClean="0">
+              <a:rPr lang="en-US" altLang="zh-CN" sz="2400">
                 <a:latin typeface="隶书" panose="02010509060101010101" pitchFamily="49" charset="-122"/>
                 <a:ea typeface="隶书" panose="02010509060101010101" pitchFamily="49" charset="-122"/>
               </a:rPr>
               <a:t>Webssh </a:t>
             </a:r>
             <a:r>
-              <a:rPr lang="zh-CN" altLang="en-US" sz="2400" smtClean="0">
+              <a:rPr lang="zh-CN" altLang="en-US" sz="2400">
                 <a:latin typeface="隶书" panose="02010509060101010101" pitchFamily="49" charset="-122"/>
                 <a:ea typeface="隶书" panose="02010509060101010101" pitchFamily="49" charset="-122"/>
               </a:rPr>
               <a:t>：</a:t>
             </a:r>
-            <a:endParaRPr lang="zh-CN" altLang="en-US" sz="2400">
-              <a:latin typeface="隶书" panose="02010509060101010101" pitchFamily="49" charset="-122"/>
-              <a:ea typeface="隶书" panose="02010509060101010101" pitchFamily="49" charset="-122"/>
-            </a:endParaRPr>
-          </a:p>
-        </p:txBody>
-      </p:sp>
+          </a:p>
+        </p:txBody>
+      </p:sp>
+      <p:pic>
+        <p:nvPicPr>
+          <p:cNvPr id="3" name="图片 2">
+            <a:extLst>
+              <a:ext uri="{FF2B5EF4-FFF2-40B4-BE49-F238E27FC236}">
+                <a16:creationId xmlns:a16="http://schemas.microsoft.com/office/drawing/2014/main" id="{A4A8B3D7-256E-45FE-97B6-181EC8A751D5}"/>
+              </a:ext>
+            </a:extLst>
+          </p:cNvPr>
+          <p:cNvPicPr>
+            <a:picLocks noChangeAspect="1"/>
+          </p:cNvPicPr>
+          <p:nvPr/>
+        </p:nvPicPr>
+        <p:blipFill>
+          <a:blip r:embed="rId3">
+            <a:extLst>
+              <a:ext uri="{28A0092B-C50C-407E-A947-70E740481C1C}">
+                <a14:useLocalDpi xmlns:a14="http://schemas.microsoft.com/office/drawing/2010/main" val="0"/>
+              </a:ext>
+            </a:extLst>
+          </a:blip>
+          <a:stretch>
+            <a:fillRect/>
+          </a:stretch>
+        </p:blipFill>
+        <p:spPr>
+          <a:xfrm>
+            <a:off x="8819908" y="0"/>
+            <a:ext cx="3372091" cy="635509"/>
+          </a:xfrm>
+          <a:prstGeom prst="rect">
+            <a:avLst/>
+          </a:prstGeom>
+        </p:spPr>
+      </p:pic>
     </p:spTree>
     <p:extLst>
       <p:ext uri="{BB962C8B-B14F-4D97-AF65-F5344CB8AC3E}">
@@ -8951,13 +9559,6 @@
   <p:clrMapOvr>
     <a:masterClrMapping/>
   </p:clrMapOvr>
-  <p:timing>
-    <p:tnLst>
-      <p:par>
-        <p:cTn id="1" dur="indefinite" restart="never" nodeType="tmRoot"/>
-      </p:par>
-    </p:tnLst>
-  </p:timing>
 </p:sld>
 </file>
 

--- a/T2113-荣致栋-小组-仿阿里云官网.pptx
+++ b/T2113-荣致栋-小组-仿阿里云官网.pptx
@@ -1,6 +1,6 @@
 
 <file path=ppt/presentation.xml><?xml version="1.0" encoding="utf-8"?>
-<p:presentation xmlns:a="http://schemas.openxmlformats.org/drawingml/2006/main" xmlns:r="http://schemas.openxmlformats.org/officeDocument/2006/relationships" xmlns:p="http://schemas.openxmlformats.org/presentationml/2006/main" saveSubsetFonts="1">
+<p:presentation xmlns:a="http://schemas.openxmlformats.org/drawingml/2006/main" xmlns:r="http://schemas.openxmlformats.org/officeDocument/2006/relationships" xmlns:p="http://schemas.openxmlformats.org/presentationml/2006/main">
   <p:sldMasterIdLst>
     <p:sldMasterId id="2147483648" r:id="rId1"/>
   </p:sldMasterIdLst>
@@ -8,10 +8,9 @@
     <p:notesMasterId r:id="rId16"/>
   </p:notesMasterIdLst>
   <p:sldIdLst>
-    <p:sldId id="256" r:id="rId2"/>
-    <p:sldId id="263" r:id="rId3"/>
-    <p:sldId id="258" r:id="rId4"/>
-    <p:sldId id="259" r:id="rId5"/>
+    <p:sldId id="256" r:id="rId3"/>
+    <p:sldId id="263" r:id="rId4"/>
+    <p:sldId id="258" r:id="rId5"/>
     <p:sldId id="264" r:id="rId6"/>
     <p:sldId id="272" r:id="rId7"/>
     <p:sldId id="265" r:id="rId8"/>
@@ -127,8 +126,6 @@
           <p14:sldIdLst>
             <p14:sldId id="256"/>
             <p14:sldId id="263"/>
-            <p14:sldId id="258"/>
-            <p14:sldId id="259"/>
             <p14:sldId id="264"/>
             <p14:sldId id="272"/>
             <p14:sldId id="265"/>
@@ -139,19 +136,17 @@
             <p14:sldId id="274"/>
             <p14:sldId id="275"/>
             <p14:sldId id="267"/>
+            <p14:sldId id="258"/>
           </p14:sldIdLst>
         </p14:section>
       </p14:sectionLst>
-    </p:ext>
-    <p:ext uri="{EFAFB233-063F-42B5-8137-9DF3F51BA10A}">
-      <p15:sldGuideLst xmlns:p15="http://schemas.microsoft.com/office/powerpoint/2012/main"/>
     </p:ext>
   </p:extLst>
 </p:presentation>
 </file>
 
 <file path=ppt/charts/chart1.xml><?xml version="1.0" encoding="utf-8"?>
-<c:chartSpace xmlns:c="http://schemas.openxmlformats.org/drawingml/2006/chart" xmlns:a="http://schemas.openxmlformats.org/drawingml/2006/main" xmlns:r="http://schemas.openxmlformats.org/officeDocument/2006/relationships" xmlns:c16r2="http://schemas.microsoft.com/office/drawing/2015/06/chart">
+<c:chartSpace xmlns:c="http://schemas.openxmlformats.org/drawingml/2006/chart" xmlns:a="http://schemas.openxmlformats.org/drawingml/2006/main" xmlns:r="http://schemas.openxmlformats.org/officeDocument/2006/relationships">
   <c:date1904 val="0"/>
   <c:lang val="zh-CN"/>
   <c:roundedCorners val="0"/>
@@ -195,6 +190,9 @@
             <a:effectLst/>
           </c:spPr>
           <c:invertIfNegative val="0"/>
+          <c:dLbls>
+            <c:delete val="1"/>
+          </c:dLbls>
           <c:cat>
             <c:strRef>
               <c:f>Sheet1!$A$2:$A$8</c:f>
@@ -254,11 +252,6 @@
               </c:numCache>
             </c:numRef>
           </c:val>
-          <c:extLst>
-            <c:ext xmlns:c16="http://schemas.microsoft.com/office/drawing/2014/chart" uri="{C3380CC4-5D6E-409C-BE32-E72D297353CC}">
-              <c16:uniqueId val="{00000000-C367-4443-A2CB-2572C20CCED1}"/>
-            </c:ext>
-          </c:extLst>
         </c:ser>
         <c:dLbls>
           <c:showLegendKey val="0"/>
@@ -302,7 +295,7 @@
           <a:lstStyle/>
           <a:p>
             <a:pPr>
-              <a:defRPr sz="1197" b="0" i="0" u="none" strike="noStrike" kern="1200" baseline="0">
+              <a:defRPr lang="zh-CN" sz="1195" b="0" i="0" u="none" strike="noStrike" kern="1200" baseline="0">
                 <a:solidFill>
                   <a:schemeClr val="tx1">
                     <a:lumMod val="65000"/>
@@ -314,7 +307,6 @@
                 <a:cs typeface="+mn-cs"/>
               </a:defRPr>
             </a:pPr>
-            <a:endParaRPr lang="zh-CN"/>
           </a:p>
         </c:txPr>
         <c:crossAx val="975046495"/>
@@ -361,7 +353,7 @@
           <a:lstStyle/>
           <a:p>
             <a:pPr>
-              <a:defRPr sz="1197" b="0" i="0" u="none" strike="noStrike" kern="1200" baseline="0">
+              <a:defRPr lang="zh-CN" sz="1195" b="0" i="0" u="none" strike="noStrike" kern="1200" baseline="0">
                 <a:solidFill>
                   <a:schemeClr val="tx1">
                     <a:lumMod val="65000"/>
@@ -373,7 +365,6 @@
                 <a:cs typeface="+mn-cs"/>
               </a:defRPr>
             </a:pPr>
-            <a:endParaRPr lang="zh-CN"/>
           </a:p>
         </c:txPr>
         <c:crossAx val="975048991"/>
@@ -390,6 +381,7 @@
     </c:plotArea>
     <c:legend>
       <c:legendPos val="b"/>
+      <c:layout/>
       <c:overlay val="0"/>
       <c:spPr>
         <a:noFill/>
@@ -403,7 +395,7 @@
         <a:lstStyle/>
         <a:p>
           <a:pPr>
-            <a:defRPr sz="1197" b="0" i="0" u="none" strike="noStrike" kern="1200" baseline="0">
+            <a:defRPr lang="zh-CN" sz="1195" b="0" i="0" u="none" strike="noStrike" kern="1200" baseline="0">
               <a:solidFill>
                 <a:schemeClr val="tx1">
                   <a:lumMod val="65000"/>
@@ -415,7 +407,6 @@
               <a:cs typeface="+mn-cs"/>
             </a:defRPr>
           </a:pPr>
-          <a:endParaRPr lang="zh-CN"/>
         </a:p>
       </c:txPr>
     </c:legend>
@@ -435,12 +426,11 @@
     <a:lstStyle/>
     <a:p>
       <a:pPr>
-        <a:defRPr/>
+        <a:defRPr lang="zh-CN"/>
       </a:pPr>
-      <a:endParaRPr lang="zh-CN"/>
     </a:p>
   </c:txPr>
-  <c:externalData r:id="rId3">
+  <c:externalData r:id="rId1">
     <c:autoUpdate val="0"/>
   </c:externalData>
 </c:chartSpace>
@@ -521,7 +511,7 @@
         <a:round/>
       </a:ln>
     </cs:spPr>
-    <cs:defRPr sz="1197" kern="1200"/>
+    <cs:defRPr sz="1195" kern="1200"/>
   </cs:categoryAxis>
   <cs:chartArea mods="allowNoFillOverride allowNoLineOverride">
     <cs:lnRef idx="0"/>
@@ -556,7 +546,7 @@
         <a:lumOff val="25000"/>
       </a:schemeClr>
     </cs:fontRef>
-    <cs:defRPr sz="1197" kern="1200"/>
+    <cs:defRPr sz="1195" kern="1200"/>
   </cs:dataLabel>
   <cs:dataLabelCallout>
     <cs:lnRef idx="0"/>
@@ -581,7 +571,7 @@
         </a:solidFill>
       </a:ln>
     </cs:spPr>
-    <cs:defRPr sz="1197" kern="1200"/>
+    <cs:defRPr sz="1195" kern="1200"/>
     <cs:bodyPr rot="0" spcFirstLastPara="1" vertOverflow="clip" horzOverflow="clip" vert="horz" wrap="square" lIns="36576" tIns="18288" rIns="36576" bIns="18288" anchor="ctr" anchorCtr="1">
       <a:spAutoFit/>
     </cs:bodyPr>
@@ -684,7 +674,7 @@
         <a:round/>
       </a:ln>
     </cs:spPr>
-    <cs:defRPr sz="1197" kern="1200"/>
+    <cs:defRPr sz="1195" kern="1200"/>
   </cs:dataTable>
   <cs:downBar>
     <cs:lnRef idx="0"/>
@@ -848,7 +838,7 @@
         <a:lumOff val="35000"/>
       </a:schemeClr>
     </cs:fontRef>
-    <cs:defRPr sz="1197" kern="1200"/>
+    <cs:defRPr sz="1195" kern="1200"/>
   </cs:legend>
   <cs:plotArea mods="allowNoFillOverride allowNoLineOverride">
     <cs:lnRef idx="0"/>
@@ -876,7 +866,7 @@
         <a:lumOff val="35000"/>
       </a:schemeClr>
     </cs:fontRef>
-    <cs:defRPr sz="1197" kern="1200"/>
+    <cs:defRPr sz="1195" kern="1200"/>
   </cs:seriesAxis>
   <cs:seriesLine>
     <cs:lnRef idx="0"/>
@@ -907,7 +897,7 @@
         <a:lumOff val="35000"/>
       </a:schemeClr>
     </cs:fontRef>
-    <cs:defRPr sz="1862" b="0" kern="1200" spc="0" baseline="0"/>
+    <cs:defRPr sz="1860" b="0" kern="1200" spc="0" baseline="0"/>
   </cs:title>
   <cs:trendline>
     <cs:lnRef idx="0">
@@ -937,7 +927,7 @@
         <a:lumOff val="35000"/>
       </a:schemeClr>
     </cs:fontRef>
-    <cs:defRPr sz="1197" kern="1200"/>
+    <cs:defRPr sz="1195" kern="1200"/>
   </cs:trendlineLabel>
   <cs:upBar>
     <cs:lnRef idx="0"/>
@@ -970,7 +960,7 @@
         <a:lumOff val="35000"/>
       </a:schemeClr>
     </cs:fontRef>
-    <cs:defRPr sz="1197" kern="1200"/>
+    <cs:defRPr sz="1195" kern="1200"/>
   </cs:valueAxis>
   <cs:wall>
     <cs:lnRef idx="0"/>
@@ -1071,7 +1061,6 @@
           <a:p>
             <a:fld id="{5ADEDE04-7939-483B-82AA-F610C98D7A63}" type="datetimeFigureOut">
               <a:rPr lang="zh-CN" altLang="en-US" smtClean="0"/>
-              <a:t>2021/12/31</a:t>
             </a:fld>
             <a:endParaRPr lang="zh-CN" altLang="en-US"/>
           </a:p>
@@ -1138,6 +1127,7 @@
               <a:rPr lang="zh-CN" altLang="en-US"/>
               <a:t>编辑母版文本样式</a:t>
             </a:r>
+            <a:endParaRPr lang="zh-CN" altLang="en-US"/>
           </a:p>
           <a:p>
             <a:pPr lvl="1"/>
@@ -1145,6 +1135,7 @@
               <a:rPr lang="zh-CN" altLang="en-US"/>
               <a:t>第二级</a:t>
             </a:r>
+            <a:endParaRPr lang="zh-CN" altLang="en-US"/>
           </a:p>
           <a:p>
             <a:pPr lvl="2"/>
@@ -1152,6 +1143,7 @@
               <a:rPr lang="zh-CN" altLang="en-US"/>
               <a:t>第三级</a:t>
             </a:r>
+            <a:endParaRPr lang="zh-CN" altLang="en-US"/>
           </a:p>
           <a:p>
             <a:pPr lvl="3"/>
@@ -1159,6 +1151,7 @@
               <a:rPr lang="zh-CN" altLang="en-US"/>
               <a:t>第四级</a:t>
             </a:r>
+            <a:endParaRPr lang="zh-CN" altLang="en-US"/>
           </a:p>
           <a:p>
             <a:pPr lvl="4"/>
@@ -1166,6 +1159,7 @@
               <a:rPr lang="zh-CN" altLang="en-US"/>
               <a:t>第五级</a:t>
             </a:r>
+            <a:endParaRPr lang="zh-CN" altLang="en-US"/>
           </a:p>
         </p:txBody>
       </p:sp>
@@ -1229,18 +1223,12 @@
           <a:p>
             <a:fld id="{20C1CDFD-203B-49A3-B701-96EDC7985424}" type="slidenum">
               <a:rPr lang="zh-CN" altLang="en-US" smtClean="0"/>
-              <a:t>‹#›</a:t>
             </a:fld>
             <a:endParaRPr lang="zh-CN" altLang="en-US"/>
           </a:p>
         </p:txBody>
       </p:sp>
     </p:spTree>
-    <p:extLst>
-      <p:ext uri="{BB962C8B-B14F-4D97-AF65-F5344CB8AC3E}">
-        <p14:creationId xmlns:p14="http://schemas.microsoft.com/office/powerpoint/2010/main" val="1508656456"/>
-      </p:ext>
-    </p:extLst>
   </p:cSld>
   <p:clrMap bg1="lt1" tx1="dk1" bg2="lt2" tx2="dk2" accent1="accent1" accent2="accent2" accent3="accent3" accent4="accent4" accent5="accent5" accent6="accent6" hlink="hlink" folHlink="folHlink"/>
   <p:notesStyle>
@@ -1383,6 +1371,7 @@
               <a:rPr lang="zh-CN" altLang="en-US"/>
               <a:t>单击此处编辑母版标题样式</a:t>
             </a:r>
+            <a:endParaRPr lang="zh-CN" altLang="en-US"/>
           </a:p>
         </p:txBody>
       </p:sp>
@@ -1393,7 +1382,7 @@
             <a:spLocks noGrp="1"/>
           </p:cNvSpPr>
           <p:nvPr>
-            <p:ph type="subTitle" idx="1"/>
+            <p:ph type="subTitle" idx="1" hasCustomPrompt="1"/>
           </p:nvPr>
         </p:nvSpPr>
         <p:spPr>
@@ -1447,6 +1436,7 @@
               <a:rPr lang="zh-CN" altLang="en-US"/>
               <a:t>单击以编辑母版副标题样式</a:t>
             </a:r>
+            <a:endParaRPr lang="zh-CN" altLang="en-US"/>
           </a:p>
         </p:txBody>
       </p:sp>
@@ -1467,7 +1457,6 @@
           <a:p>
             <a:fld id="{A451395A-242F-4CE2-8F30-F174074FE675}" type="datetimeFigureOut">
               <a:rPr lang="zh-CN" altLang="en-US" smtClean="0"/>
-              <a:t>2021/12/31</a:t>
             </a:fld>
             <a:endParaRPr lang="zh-CN" altLang="en-US"/>
           </a:p>
@@ -1509,18 +1498,12 @@
           <a:p>
             <a:fld id="{5B1FDB19-835A-4C28-818C-047E66686952}" type="slidenum">
               <a:rPr lang="zh-CN" altLang="en-US" smtClean="0"/>
-              <a:t>‹#›</a:t>
             </a:fld>
             <a:endParaRPr lang="zh-CN" altLang="en-US"/>
           </a:p>
         </p:txBody>
       </p:sp>
     </p:spTree>
-    <p:extLst>
-      <p:ext uri="{BB962C8B-B14F-4D97-AF65-F5344CB8AC3E}">
-        <p14:creationId xmlns:p14="http://schemas.microsoft.com/office/powerpoint/2010/main" val="150628865"/>
-      </p:ext>
-    </p:extLst>
   </p:cSld>
   <p:clrMapOvr>
     <a:masterClrMapping/>
@@ -1564,6 +1547,7 @@
               <a:rPr lang="zh-CN" altLang="en-US"/>
               <a:t>单击此处编辑母版标题样式</a:t>
             </a:r>
+            <a:endParaRPr lang="zh-CN" altLang="en-US"/>
           </a:p>
         </p:txBody>
       </p:sp>
@@ -1574,7 +1558,7 @@
             <a:spLocks noGrp="1"/>
           </p:cNvSpPr>
           <p:nvPr>
-            <p:ph type="body" orient="vert" idx="1"/>
+            <p:ph type="body" orient="vert" idx="1" hasCustomPrompt="1"/>
           </p:nvPr>
         </p:nvSpPr>
         <p:spPr/>
@@ -1587,6 +1571,7 @@
               <a:rPr lang="zh-CN" altLang="en-US"/>
               <a:t>编辑母版文本样式</a:t>
             </a:r>
+            <a:endParaRPr lang="zh-CN" altLang="en-US"/>
           </a:p>
           <a:p>
             <a:pPr lvl="1"/>
@@ -1594,6 +1579,7 @@
               <a:rPr lang="zh-CN" altLang="en-US"/>
               <a:t>第二级</a:t>
             </a:r>
+            <a:endParaRPr lang="zh-CN" altLang="en-US"/>
           </a:p>
           <a:p>
             <a:pPr lvl="2"/>
@@ -1601,6 +1587,7 @@
               <a:rPr lang="zh-CN" altLang="en-US"/>
               <a:t>第三级</a:t>
             </a:r>
+            <a:endParaRPr lang="zh-CN" altLang="en-US"/>
           </a:p>
           <a:p>
             <a:pPr lvl="3"/>
@@ -1608,6 +1595,7 @@
               <a:rPr lang="zh-CN" altLang="en-US"/>
               <a:t>第四级</a:t>
             </a:r>
+            <a:endParaRPr lang="zh-CN" altLang="en-US"/>
           </a:p>
           <a:p>
             <a:pPr lvl="4"/>
@@ -1615,6 +1603,7 @@
               <a:rPr lang="zh-CN" altLang="en-US"/>
               <a:t>第五级</a:t>
             </a:r>
+            <a:endParaRPr lang="zh-CN" altLang="en-US"/>
           </a:p>
         </p:txBody>
       </p:sp>
@@ -1635,7 +1624,6 @@
           <a:p>
             <a:fld id="{A451395A-242F-4CE2-8F30-F174074FE675}" type="datetimeFigureOut">
               <a:rPr lang="zh-CN" altLang="en-US" smtClean="0"/>
-              <a:t>2021/12/31</a:t>
             </a:fld>
             <a:endParaRPr lang="zh-CN" altLang="en-US"/>
           </a:p>
@@ -1677,18 +1665,12 @@
           <a:p>
             <a:fld id="{5B1FDB19-835A-4C28-818C-047E66686952}" type="slidenum">
               <a:rPr lang="zh-CN" altLang="en-US" smtClean="0"/>
-              <a:t>‹#›</a:t>
             </a:fld>
             <a:endParaRPr lang="zh-CN" altLang="en-US"/>
           </a:p>
         </p:txBody>
       </p:sp>
     </p:spTree>
-    <p:extLst>
-      <p:ext uri="{BB962C8B-B14F-4D97-AF65-F5344CB8AC3E}">
-        <p14:creationId xmlns:p14="http://schemas.microsoft.com/office/powerpoint/2010/main" val="2903067542"/>
-      </p:ext>
-    </p:extLst>
   </p:cSld>
   <p:clrMapOvr>
     <a:masterClrMapping/>
@@ -1737,6 +1719,7 @@
               <a:rPr lang="zh-CN" altLang="en-US"/>
               <a:t>单击此处编辑母版标题样式</a:t>
             </a:r>
+            <a:endParaRPr lang="zh-CN" altLang="en-US"/>
           </a:p>
         </p:txBody>
       </p:sp>
@@ -1747,7 +1730,7 @@
             <a:spLocks noGrp="1"/>
           </p:cNvSpPr>
           <p:nvPr>
-            <p:ph type="body" orient="vert" idx="1"/>
+            <p:ph type="body" orient="vert" idx="1" hasCustomPrompt="1"/>
           </p:nvPr>
         </p:nvSpPr>
         <p:spPr>
@@ -1765,6 +1748,7 @@
               <a:rPr lang="zh-CN" altLang="en-US"/>
               <a:t>编辑母版文本样式</a:t>
             </a:r>
+            <a:endParaRPr lang="zh-CN" altLang="en-US"/>
           </a:p>
           <a:p>
             <a:pPr lvl="1"/>
@@ -1772,6 +1756,7 @@
               <a:rPr lang="zh-CN" altLang="en-US"/>
               <a:t>第二级</a:t>
             </a:r>
+            <a:endParaRPr lang="zh-CN" altLang="en-US"/>
           </a:p>
           <a:p>
             <a:pPr lvl="2"/>
@@ -1779,6 +1764,7 @@
               <a:rPr lang="zh-CN" altLang="en-US"/>
               <a:t>第三级</a:t>
             </a:r>
+            <a:endParaRPr lang="zh-CN" altLang="en-US"/>
           </a:p>
           <a:p>
             <a:pPr lvl="3"/>
@@ -1786,6 +1772,7 @@
               <a:rPr lang="zh-CN" altLang="en-US"/>
               <a:t>第四级</a:t>
             </a:r>
+            <a:endParaRPr lang="zh-CN" altLang="en-US"/>
           </a:p>
           <a:p>
             <a:pPr lvl="4"/>
@@ -1793,6 +1780,7 @@
               <a:rPr lang="zh-CN" altLang="en-US"/>
               <a:t>第五级</a:t>
             </a:r>
+            <a:endParaRPr lang="zh-CN" altLang="en-US"/>
           </a:p>
         </p:txBody>
       </p:sp>
@@ -1813,7 +1801,6 @@
           <a:p>
             <a:fld id="{A451395A-242F-4CE2-8F30-F174074FE675}" type="datetimeFigureOut">
               <a:rPr lang="zh-CN" altLang="en-US" smtClean="0"/>
-              <a:t>2021/12/31</a:t>
             </a:fld>
             <a:endParaRPr lang="zh-CN" altLang="en-US"/>
           </a:p>
@@ -1855,18 +1842,12 @@
           <a:p>
             <a:fld id="{5B1FDB19-835A-4C28-818C-047E66686952}" type="slidenum">
               <a:rPr lang="zh-CN" altLang="en-US" smtClean="0"/>
-              <a:t>‹#›</a:t>
             </a:fld>
             <a:endParaRPr lang="zh-CN" altLang="en-US"/>
           </a:p>
         </p:txBody>
       </p:sp>
     </p:spTree>
-    <p:extLst>
-      <p:ext uri="{BB962C8B-B14F-4D97-AF65-F5344CB8AC3E}">
-        <p14:creationId xmlns:p14="http://schemas.microsoft.com/office/powerpoint/2010/main" val="3333706258"/>
-      </p:ext>
-    </p:extLst>
   </p:cSld>
   <p:clrMapOvr>
     <a:masterClrMapping/>
@@ -1910,6 +1891,7 @@
               <a:rPr lang="zh-CN" altLang="en-US"/>
               <a:t>单击此处编辑母版标题样式</a:t>
             </a:r>
+            <a:endParaRPr lang="zh-CN" altLang="en-US"/>
           </a:p>
         </p:txBody>
       </p:sp>
@@ -1920,7 +1902,7 @@
             <a:spLocks noGrp="1"/>
           </p:cNvSpPr>
           <p:nvPr>
-            <p:ph idx="1"/>
+            <p:ph idx="1" hasCustomPrompt="1"/>
           </p:nvPr>
         </p:nvSpPr>
         <p:spPr/>
@@ -1933,6 +1915,7 @@
               <a:rPr lang="zh-CN" altLang="en-US"/>
               <a:t>编辑母版文本样式</a:t>
             </a:r>
+            <a:endParaRPr lang="zh-CN" altLang="en-US"/>
           </a:p>
           <a:p>
             <a:pPr lvl="1"/>
@@ -1940,6 +1923,7 @@
               <a:rPr lang="zh-CN" altLang="en-US"/>
               <a:t>第二级</a:t>
             </a:r>
+            <a:endParaRPr lang="zh-CN" altLang="en-US"/>
           </a:p>
           <a:p>
             <a:pPr lvl="2"/>
@@ -1947,6 +1931,7 @@
               <a:rPr lang="zh-CN" altLang="en-US"/>
               <a:t>第三级</a:t>
             </a:r>
+            <a:endParaRPr lang="zh-CN" altLang="en-US"/>
           </a:p>
           <a:p>
             <a:pPr lvl="3"/>
@@ -1954,6 +1939,7 @@
               <a:rPr lang="zh-CN" altLang="en-US"/>
               <a:t>第四级</a:t>
             </a:r>
+            <a:endParaRPr lang="zh-CN" altLang="en-US"/>
           </a:p>
           <a:p>
             <a:pPr lvl="4"/>
@@ -1961,6 +1947,7 @@
               <a:rPr lang="zh-CN" altLang="en-US"/>
               <a:t>第五级</a:t>
             </a:r>
+            <a:endParaRPr lang="zh-CN" altLang="en-US"/>
           </a:p>
         </p:txBody>
       </p:sp>
@@ -1981,7 +1968,6 @@
           <a:p>
             <a:fld id="{A451395A-242F-4CE2-8F30-F174074FE675}" type="datetimeFigureOut">
               <a:rPr lang="zh-CN" altLang="en-US" smtClean="0"/>
-              <a:t>2021/12/31</a:t>
             </a:fld>
             <a:endParaRPr lang="zh-CN" altLang="en-US"/>
           </a:p>
@@ -2023,18 +2009,12 @@
           <a:p>
             <a:fld id="{5B1FDB19-835A-4C28-818C-047E66686952}" type="slidenum">
               <a:rPr lang="zh-CN" altLang="en-US" smtClean="0"/>
-              <a:t>‹#›</a:t>
             </a:fld>
             <a:endParaRPr lang="zh-CN" altLang="en-US"/>
           </a:p>
         </p:txBody>
       </p:sp>
     </p:spTree>
-    <p:extLst>
-      <p:ext uri="{BB962C8B-B14F-4D97-AF65-F5344CB8AC3E}">
-        <p14:creationId xmlns:p14="http://schemas.microsoft.com/office/powerpoint/2010/main" val="420464728"/>
-      </p:ext>
-    </p:extLst>
   </p:cSld>
   <p:clrMapOvr>
     <a:masterClrMapping/>
@@ -2087,6 +2067,7 @@
               <a:rPr lang="zh-CN" altLang="en-US"/>
               <a:t>单击此处编辑母版标题样式</a:t>
             </a:r>
+            <a:endParaRPr lang="zh-CN" altLang="en-US"/>
           </a:p>
         </p:txBody>
       </p:sp>
@@ -2097,7 +2078,7 @@
             <a:spLocks noGrp="1"/>
           </p:cNvSpPr>
           <p:nvPr>
-            <p:ph type="body" idx="1"/>
+            <p:ph type="body" idx="1" hasCustomPrompt="1"/>
           </p:nvPr>
         </p:nvSpPr>
         <p:spPr>
@@ -2206,6 +2187,7 @@
               <a:rPr lang="zh-CN" altLang="en-US"/>
               <a:t>编辑母版文本样式</a:t>
             </a:r>
+            <a:endParaRPr lang="zh-CN" altLang="en-US"/>
           </a:p>
         </p:txBody>
       </p:sp>
@@ -2226,7 +2208,6 @@
           <a:p>
             <a:fld id="{A451395A-242F-4CE2-8F30-F174074FE675}" type="datetimeFigureOut">
               <a:rPr lang="zh-CN" altLang="en-US" smtClean="0"/>
-              <a:t>2021/12/31</a:t>
             </a:fld>
             <a:endParaRPr lang="zh-CN" altLang="en-US"/>
           </a:p>
@@ -2268,18 +2249,12 @@
           <a:p>
             <a:fld id="{5B1FDB19-835A-4C28-818C-047E66686952}" type="slidenum">
               <a:rPr lang="zh-CN" altLang="en-US" smtClean="0"/>
-              <a:t>‹#›</a:t>
             </a:fld>
             <a:endParaRPr lang="zh-CN" altLang="en-US"/>
           </a:p>
         </p:txBody>
       </p:sp>
     </p:spTree>
-    <p:extLst>
-      <p:ext uri="{BB962C8B-B14F-4D97-AF65-F5344CB8AC3E}">
-        <p14:creationId xmlns:p14="http://schemas.microsoft.com/office/powerpoint/2010/main" val="1392073587"/>
-      </p:ext>
-    </p:extLst>
   </p:cSld>
   <p:clrMapOvr>
     <a:masterClrMapping/>
@@ -2323,6 +2298,7 @@
               <a:rPr lang="zh-CN" altLang="en-US"/>
               <a:t>单击此处编辑母版标题样式</a:t>
             </a:r>
+            <a:endParaRPr lang="zh-CN" altLang="en-US"/>
           </a:p>
         </p:txBody>
       </p:sp>
@@ -2333,7 +2309,7 @@
             <a:spLocks noGrp="1"/>
           </p:cNvSpPr>
           <p:nvPr>
-            <p:ph sz="half" idx="1"/>
+            <p:ph sz="half" idx="1" hasCustomPrompt="1"/>
           </p:nvPr>
         </p:nvSpPr>
         <p:spPr>
@@ -2351,6 +2327,7 @@
               <a:rPr lang="zh-CN" altLang="en-US"/>
               <a:t>编辑母版文本样式</a:t>
             </a:r>
+            <a:endParaRPr lang="zh-CN" altLang="en-US"/>
           </a:p>
           <a:p>
             <a:pPr lvl="1"/>
@@ -2358,6 +2335,7 @@
               <a:rPr lang="zh-CN" altLang="en-US"/>
               <a:t>第二级</a:t>
             </a:r>
+            <a:endParaRPr lang="zh-CN" altLang="en-US"/>
           </a:p>
           <a:p>
             <a:pPr lvl="2"/>
@@ -2365,6 +2343,7 @@
               <a:rPr lang="zh-CN" altLang="en-US"/>
               <a:t>第三级</a:t>
             </a:r>
+            <a:endParaRPr lang="zh-CN" altLang="en-US"/>
           </a:p>
           <a:p>
             <a:pPr lvl="3"/>
@@ -2372,6 +2351,7 @@
               <a:rPr lang="zh-CN" altLang="en-US"/>
               <a:t>第四级</a:t>
             </a:r>
+            <a:endParaRPr lang="zh-CN" altLang="en-US"/>
           </a:p>
           <a:p>
             <a:pPr lvl="4"/>
@@ -2379,6 +2359,7 @@
               <a:rPr lang="zh-CN" altLang="en-US"/>
               <a:t>第五级</a:t>
             </a:r>
+            <a:endParaRPr lang="zh-CN" altLang="en-US"/>
           </a:p>
         </p:txBody>
       </p:sp>
@@ -2389,7 +2370,7 @@
             <a:spLocks noGrp="1"/>
           </p:cNvSpPr>
           <p:nvPr>
-            <p:ph sz="half" idx="2"/>
+            <p:ph sz="half" idx="2" hasCustomPrompt="1"/>
           </p:nvPr>
         </p:nvSpPr>
         <p:spPr>
@@ -2407,6 +2388,7 @@
               <a:rPr lang="zh-CN" altLang="en-US"/>
               <a:t>编辑母版文本样式</a:t>
             </a:r>
+            <a:endParaRPr lang="zh-CN" altLang="en-US"/>
           </a:p>
           <a:p>
             <a:pPr lvl="1"/>
@@ -2414,6 +2396,7 @@
               <a:rPr lang="zh-CN" altLang="en-US"/>
               <a:t>第二级</a:t>
             </a:r>
+            <a:endParaRPr lang="zh-CN" altLang="en-US"/>
           </a:p>
           <a:p>
             <a:pPr lvl="2"/>
@@ -2421,6 +2404,7 @@
               <a:rPr lang="zh-CN" altLang="en-US"/>
               <a:t>第三级</a:t>
             </a:r>
+            <a:endParaRPr lang="zh-CN" altLang="en-US"/>
           </a:p>
           <a:p>
             <a:pPr lvl="3"/>
@@ -2428,6 +2412,7 @@
               <a:rPr lang="zh-CN" altLang="en-US"/>
               <a:t>第四级</a:t>
             </a:r>
+            <a:endParaRPr lang="zh-CN" altLang="en-US"/>
           </a:p>
           <a:p>
             <a:pPr lvl="4"/>
@@ -2435,6 +2420,7 @@
               <a:rPr lang="zh-CN" altLang="en-US"/>
               <a:t>第五级</a:t>
             </a:r>
+            <a:endParaRPr lang="zh-CN" altLang="en-US"/>
           </a:p>
         </p:txBody>
       </p:sp>
@@ -2455,7 +2441,6 @@
           <a:p>
             <a:fld id="{A451395A-242F-4CE2-8F30-F174074FE675}" type="datetimeFigureOut">
               <a:rPr lang="zh-CN" altLang="en-US" smtClean="0"/>
-              <a:t>2021/12/31</a:t>
             </a:fld>
             <a:endParaRPr lang="zh-CN" altLang="en-US"/>
           </a:p>
@@ -2497,18 +2482,12 @@
           <a:p>
             <a:fld id="{5B1FDB19-835A-4C28-818C-047E66686952}" type="slidenum">
               <a:rPr lang="zh-CN" altLang="en-US" smtClean="0"/>
-              <a:t>‹#›</a:t>
             </a:fld>
             <a:endParaRPr lang="zh-CN" altLang="en-US"/>
           </a:p>
         </p:txBody>
       </p:sp>
     </p:spTree>
-    <p:extLst>
-      <p:ext uri="{BB962C8B-B14F-4D97-AF65-F5344CB8AC3E}">
-        <p14:creationId xmlns:p14="http://schemas.microsoft.com/office/powerpoint/2010/main" val="140423390"/>
-      </p:ext>
-    </p:extLst>
   </p:cSld>
   <p:clrMapOvr>
     <a:masterClrMapping/>
@@ -2557,6 +2536,7 @@
               <a:rPr lang="zh-CN" altLang="en-US"/>
               <a:t>单击此处编辑母版标题样式</a:t>
             </a:r>
+            <a:endParaRPr lang="zh-CN" altLang="en-US"/>
           </a:p>
         </p:txBody>
       </p:sp>
@@ -2567,7 +2547,7 @@
             <a:spLocks noGrp="1"/>
           </p:cNvSpPr>
           <p:nvPr>
-            <p:ph type="body" idx="1"/>
+            <p:ph type="body" idx="1" hasCustomPrompt="1"/>
           </p:nvPr>
         </p:nvSpPr>
         <p:spPr>
@@ -2622,6 +2602,7 @@
               <a:rPr lang="zh-CN" altLang="en-US"/>
               <a:t>编辑母版文本样式</a:t>
             </a:r>
+            <a:endParaRPr lang="zh-CN" altLang="en-US"/>
           </a:p>
         </p:txBody>
       </p:sp>
@@ -2632,7 +2613,7 @@
             <a:spLocks noGrp="1"/>
           </p:cNvSpPr>
           <p:nvPr>
-            <p:ph sz="half" idx="2"/>
+            <p:ph sz="half" idx="2" hasCustomPrompt="1"/>
           </p:nvPr>
         </p:nvSpPr>
         <p:spPr>
@@ -2650,6 +2631,7 @@
               <a:rPr lang="zh-CN" altLang="en-US"/>
               <a:t>编辑母版文本样式</a:t>
             </a:r>
+            <a:endParaRPr lang="zh-CN" altLang="en-US"/>
           </a:p>
           <a:p>
             <a:pPr lvl="1"/>
@@ -2657,6 +2639,7 @@
               <a:rPr lang="zh-CN" altLang="en-US"/>
               <a:t>第二级</a:t>
             </a:r>
+            <a:endParaRPr lang="zh-CN" altLang="en-US"/>
           </a:p>
           <a:p>
             <a:pPr lvl="2"/>
@@ -2664,6 +2647,7 @@
               <a:rPr lang="zh-CN" altLang="en-US"/>
               <a:t>第三级</a:t>
             </a:r>
+            <a:endParaRPr lang="zh-CN" altLang="en-US"/>
           </a:p>
           <a:p>
             <a:pPr lvl="3"/>
@@ -2671,6 +2655,7 @@
               <a:rPr lang="zh-CN" altLang="en-US"/>
               <a:t>第四级</a:t>
             </a:r>
+            <a:endParaRPr lang="zh-CN" altLang="en-US"/>
           </a:p>
           <a:p>
             <a:pPr lvl="4"/>
@@ -2678,6 +2663,7 @@
               <a:rPr lang="zh-CN" altLang="en-US"/>
               <a:t>第五级</a:t>
             </a:r>
+            <a:endParaRPr lang="zh-CN" altLang="en-US"/>
           </a:p>
         </p:txBody>
       </p:sp>
@@ -2688,7 +2674,7 @@
             <a:spLocks noGrp="1"/>
           </p:cNvSpPr>
           <p:nvPr>
-            <p:ph type="body" sz="quarter" idx="3"/>
+            <p:ph type="body" sz="quarter" idx="3" hasCustomPrompt="1"/>
           </p:nvPr>
         </p:nvSpPr>
         <p:spPr>
@@ -2743,6 +2729,7 @@
               <a:rPr lang="zh-CN" altLang="en-US"/>
               <a:t>编辑母版文本样式</a:t>
             </a:r>
+            <a:endParaRPr lang="zh-CN" altLang="en-US"/>
           </a:p>
         </p:txBody>
       </p:sp>
@@ -2753,7 +2740,7 @@
             <a:spLocks noGrp="1"/>
           </p:cNvSpPr>
           <p:nvPr>
-            <p:ph sz="quarter" idx="4"/>
+            <p:ph sz="quarter" idx="4" hasCustomPrompt="1"/>
           </p:nvPr>
         </p:nvSpPr>
         <p:spPr>
@@ -2771,6 +2758,7 @@
               <a:rPr lang="zh-CN" altLang="en-US"/>
               <a:t>编辑母版文本样式</a:t>
             </a:r>
+            <a:endParaRPr lang="zh-CN" altLang="en-US"/>
           </a:p>
           <a:p>
             <a:pPr lvl="1"/>
@@ -2778,6 +2766,7 @@
               <a:rPr lang="zh-CN" altLang="en-US"/>
               <a:t>第二级</a:t>
             </a:r>
+            <a:endParaRPr lang="zh-CN" altLang="en-US"/>
           </a:p>
           <a:p>
             <a:pPr lvl="2"/>
@@ -2785,6 +2774,7 @@
               <a:rPr lang="zh-CN" altLang="en-US"/>
               <a:t>第三级</a:t>
             </a:r>
+            <a:endParaRPr lang="zh-CN" altLang="en-US"/>
           </a:p>
           <a:p>
             <a:pPr lvl="3"/>
@@ -2792,6 +2782,7 @@
               <a:rPr lang="zh-CN" altLang="en-US"/>
               <a:t>第四级</a:t>
             </a:r>
+            <a:endParaRPr lang="zh-CN" altLang="en-US"/>
           </a:p>
           <a:p>
             <a:pPr lvl="4"/>
@@ -2799,6 +2790,7 @@
               <a:rPr lang="zh-CN" altLang="en-US"/>
               <a:t>第五级</a:t>
             </a:r>
+            <a:endParaRPr lang="zh-CN" altLang="en-US"/>
           </a:p>
         </p:txBody>
       </p:sp>
@@ -2819,7 +2811,6 @@
           <a:p>
             <a:fld id="{A451395A-242F-4CE2-8F30-F174074FE675}" type="datetimeFigureOut">
               <a:rPr lang="zh-CN" altLang="en-US" smtClean="0"/>
-              <a:t>2021/12/31</a:t>
             </a:fld>
             <a:endParaRPr lang="zh-CN" altLang="en-US"/>
           </a:p>
@@ -2861,18 +2852,12 @@
           <a:p>
             <a:fld id="{5B1FDB19-835A-4C28-818C-047E66686952}" type="slidenum">
               <a:rPr lang="zh-CN" altLang="en-US" smtClean="0"/>
-              <a:t>‹#›</a:t>
             </a:fld>
             <a:endParaRPr lang="zh-CN" altLang="en-US"/>
           </a:p>
         </p:txBody>
       </p:sp>
     </p:spTree>
-    <p:extLst>
-      <p:ext uri="{BB962C8B-B14F-4D97-AF65-F5344CB8AC3E}">
-        <p14:creationId xmlns:p14="http://schemas.microsoft.com/office/powerpoint/2010/main" val="3604864951"/>
-      </p:ext>
-    </p:extLst>
   </p:cSld>
   <p:clrMapOvr>
     <a:masterClrMapping/>
@@ -2916,6 +2901,7 @@
               <a:rPr lang="zh-CN" altLang="en-US"/>
               <a:t>单击此处编辑母版标题样式</a:t>
             </a:r>
+            <a:endParaRPr lang="zh-CN" altLang="en-US"/>
           </a:p>
         </p:txBody>
       </p:sp>
@@ -2936,7 +2922,6 @@
           <a:p>
             <a:fld id="{A451395A-242F-4CE2-8F30-F174074FE675}" type="datetimeFigureOut">
               <a:rPr lang="zh-CN" altLang="en-US" smtClean="0"/>
-              <a:t>2021/12/31</a:t>
             </a:fld>
             <a:endParaRPr lang="zh-CN" altLang="en-US"/>
           </a:p>
@@ -2978,18 +2963,12 @@
           <a:p>
             <a:fld id="{5B1FDB19-835A-4C28-818C-047E66686952}" type="slidenum">
               <a:rPr lang="zh-CN" altLang="en-US" smtClean="0"/>
-              <a:t>‹#›</a:t>
             </a:fld>
             <a:endParaRPr lang="zh-CN" altLang="en-US"/>
           </a:p>
         </p:txBody>
       </p:sp>
     </p:spTree>
-    <p:extLst>
-      <p:ext uri="{BB962C8B-B14F-4D97-AF65-F5344CB8AC3E}">
-        <p14:creationId xmlns:p14="http://schemas.microsoft.com/office/powerpoint/2010/main" val="345449019"/>
-      </p:ext>
-    </p:extLst>
   </p:cSld>
   <p:clrMapOvr>
     <a:masterClrMapping/>
@@ -3031,7 +3010,6 @@
           <a:p>
             <a:fld id="{A451395A-242F-4CE2-8F30-F174074FE675}" type="datetimeFigureOut">
               <a:rPr lang="zh-CN" altLang="en-US" smtClean="0"/>
-              <a:t>2021/12/31</a:t>
             </a:fld>
             <a:endParaRPr lang="zh-CN" altLang="en-US"/>
           </a:p>
@@ -3073,18 +3051,12 @@
           <a:p>
             <a:fld id="{5B1FDB19-835A-4C28-818C-047E66686952}" type="slidenum">
               <a:rPr lang="zh-CN" altLang="en-US" smtClean="0"/>
-              <a:t>‹#›</a:t>
             </a:fld>
             <a:endParaRPr lang="zh-CN" altLang="en-US"/>
           </a:p>
         </p:txBody>
       </p:sp>
     </p:spTree>
-    <p:extLst>
-      <p:ext uri="{BB962C8B-B14F-4D97-AF65-F5344CB8AC3E}">
-        <p14:creationId xmlns:p14="http://schemas.microsoft.com/office/powerpoint/2010/main" val="250643999"/>
-      </p:ext>
-    </p:extLst>
   </p:cSld>
   <p:clrMapOvr>
     <a:masterClrMapping/>
@@ -3137,6 +3109,7 @@
               <a:rPr lang="zh-CN" altLang="en-US"/>
               <a:t>单击此处编辑母版标题样式</a:t>
             </a:r>
+            <a:endParaRPr lang="zh-CN" altLang="en-US"/>
           </a:p>
         </p:txBody>
       </p:sp>
@@ -3147,7 +3120,7 @@
             <a:spLocks noGrp="1"/>
           </p:cNvSpPr>
           <p:nvPr>
-            <p:ph idx="1"/>
+            <p:ph idx="1" hasCustomPrompt="1"/>
           </p:nvPr>
         </p:nvSpPr>
         <p:spPr>
@@ -3193,6 +3166,7 @@
               <a:rPr lang="zh-CN" altLang="en-US"/>
               <a:t>编辑母版文本样式</a:t>
             </a:r>
+            <a:endParaRPr lang="zh-CN" altLang="en-US"/>
           </a:p>
           <a:p>
             <a:pPr lvl="1"/>
@@ -3200,6 +3174,7 @@
               <a:rPr lang="zh-CN" altLang="en-US"/>
               <a:t>第二级</a:t>
             </a:r>
+            <a:endParaRPr lang="zh-CN" altLang="en-US"/>
           </a:p>
           <a:p>
             <a:pPr lvl="2"/>
@@ -3207,6 +3182,7 @@
               <a:rPr lang="zh-CN" altLang="en-US"/>
               <a:t>第三级</a:t>
             </a:r>
+            <a:endParaRPr lang="zh-CN" altLang="en-US"/>
           </a:p>
           <a:p>
             <a:pPr lvl="3"/>
@@ -3214,6 +3190,7 @@
               <a:rPr lang="zh-CN" altLang="en-US"/>
               <a:t>第四级</a:t>
             </a:r>
+            <a:endParaRPr lang="zh-CN" altLang="en-US"/>
           </a:p>
           <a:p>
             <a:pPr lvl="4"/>
@@ -3221,6 +3198,7 @@
               <a:rPr lang="zh-CN" altLang="en-US"/>
               <a:t>第五级</a:t>
             </a:r>
+            <a:endParaRPr lang="zh-CN" altLang="en-US"/>
           </a:p>
         </p:txBody>
       </p:sp>
@@ -3231,7 +3209,7 @@
             <a:spLocks noGrp="1"/>
           </p:cNvSpPr>
           <p:nvPr>
-            <p:ph type="body" sz="half" idx="2"/>
+            <p:ph type="body" sz="half" idx="2" hasCustomPrompt="1"/>
           </p:nvPr>
         </p:nvSpPr>
         <p:spPr>
@@ -3286,6 +3264,7 @@
               <a:rPr lang="zh-CN" altLang="en-US"/>
               <a:t>编辑母版文本样式</a:t>
             </a:r>
+            <a:endParaRPr lang="zh-CN" altLang="en-US"/>
           </a:p>
         </p:txBody>
       </p:sp>
@@ -3306,7 +3285,6 @@
           <a:p>
             <a:fld id="{A451395A-242F-4CE2-8F30-F174074FE675}" type="datetimeFigureOut">
               <a:rPr lang="zh-CN" altLang="en-US" smtClean="0"/>
-              <a:t>2021/12/31</a:t>
             </a:fld>
             <a:endParaRPr lang="zh-CN" altLang="en-US"/>
           </a:p>
@@ -3348,18 +3326,12 @@
           <a:p>
             <a:fld id="{5B1FDB19-835A-4C28-818C-047E66686952}" type="slidenum">
               <a:rPr lang="zh-CN" altLang="en-US" smtClean="0"/>
-              <a:t>‹#›</a:t>
             </a:fld>
             <a:endParaRPr lang="zh-CN" altLang="en-US"/>
           </a:p>
         </p:txBody>
       </p:sp>
     </p:spTree>
-    <p:extLst>
-      <p:ext uri="{BB962C8B-B14F-4D97-AF65-F5344CB8AC3E}">
-        <p14:creationId xmlns:p14="http://schemas.microsoft.com/office/powerpoint/2010/main" val="2238457392"/>
-      </p:ext>
-    </p:extLst>
   </p:cSld>
   <p:clrMapOvr>
     <a:masterClrMapping/>
@@ -3412,6 +3384,7 @@
               <a:rPr lang="zh-CN" altLang="en-US"/>
               <a:t>单击此处编辑母版标题样式</a:t>
             </a:r>
+            <a:endParaRPr lang="zh-CN" altLang="en-US"/>
           </a:p>
         </p:txBody>
       </p:sp>
@@ -3483,7 +3456,7 @@
             <a:spLocks noGrp="1"/>
           </p:cNvSpPr>
           <p:nvPr>
-            <p:ph type="body" sz="half" idx="2"/>
+            <p:ph type="body" sz="half" idx="2" hasCustomPrompt="1"/>
           </p:nvPr>
         </p:nvSpPr>
         <p:spPr>
@@ -3538,6 +3511,7 @@
               <a:rPr lang="zh-CN" altLang="en-US"/>
               <a:t>编辑母版文本样式</a:t>
             </a:r>
+            <a:endParaRPr lang="zh-CN" altLang="en-US"/>
           </a:p>
         </p:txBody>
       </p:sp>
@@ -3558,7 +3532,6 @@
           <a:p>
             <a:fld id="{A451395A-242F-4CE2-8F30-F174074FE675}" type="datetimeFigureOut">
               <a:rPr lang="zh-CN" altLang="en-US" smtClean="0"/>
-              <a:t>2021/12/31</a:t>
             </a:fld>
             <a:endParaRPr lang="zh-CN" altLang="en-US"/>
           </a:p>
@@ -3600,18 +3573,12 @@
           <a:p>
             <a:fld id="{5B1FDB19-835A-4C28-818C-047E66686952}" type="slidenum">
               <a:rPr lang="zh-CN" altLang="en-US" smtClean="0"/>
-              <a:t>‹#›</a:t>
             </a:fld>
             <a:endParaRPr lang="zh-CN" altLang="en-US"/>
           </a:p>
         </p:txBody>
       </p:sp>
     </p:spTree>
-    <p:extLst>
-      <p:ext uri="{BB962C8B-B14F-4D97-AF65-F5344CB8AC3E}">
-        <p14:creationId xmlns:p14="http://schemas.microsoft.com/office/powerpoint/2010/main" val="3517556721"/>
-      </p:ext>
-    </p:extLst>
   </p:cSld>
   <p:clrMapOvr>
     <a:masterClrMapping/>
@@ -3670,6 +3637,7 @@
               <a:rPr lang="zh-CN" altLang="en-US"/>
               <a:t>单击此处编辑母版标题样式</a:t>
             </a:r>
+            <a:endParaRPr lang="zh-CN" altLang="en-US"/>
           </a:p>
         </p:txBody>
       </p:sp>
@@ -3703,6 +3671,7 @@
               <a:rPr lang="zh-CN" altLang="en-US"/>
               <a:t>编辑母版文本样式</a:t>
             </a:r>
+            <a:endParaRPr lang="zh-CN" altLang="en-US"/>
           </a:p>
           <a:p>
             <a:pPr lvl="1"/>
@@ -3710,6 +3679,7 @@
               <a:rPr lang="zh-CN" altLang="en-US"/>
               <a:t>第二级</a:t>
             </a:r>
+            <a:endParaRPr lang="zh-CN" altLang="en-US"/>
           </a:p>
           <a:p>
             <a:pPr lvl="2"/>
@@ -3717,6 +3687,7 @@
               <a:rPr lang="zh-CN" altLang="en-US"/>
               <a:t>第三级</a:t>
             </a:r>
+            <a:endParaRPr lang="zh-CN" altLang="en-US"/>
           </a:p>
           <a:p>
             <a:pPr lvl="3"/>
@@ -3724,6 +3695,7 @@
               <a:rPr lang="zh-CN" altLang="en-US"/>
               <a:t>第四级</a:t>
             </a:r>
+            <a:endParaRPr lang="zh-CN" altLang="en-US"/>
           </a:p>
           <a:p>
             <a:pPr lvl="4"/>
@@ -3731,6 +3703,7 @@
               <a:rPr lang="zh-CN" altLang="en-US"/>
               <a:t>第五级</a:t>
             </a:r>
+            <a:endParaRPr lang="zh-CN" altLang="en-US"/>
           </a:p>
         </p:txBody>
       </p:sp>
@@ -3769,7 +3742,6 @@
           <a:p>
             <a:fld id="{A451395A-242F-4CE2-8F30-F174074FE675}" type="datetimeFigureOut">
               <a:rPr lang="zh-CN" altLang="en-US" smtClean="0"/>
-              <a:t>2021/12/31</a:t>
             </a:fld>
             <a:endParaRPr lang="zh-CN" altLang="en-US"/>
           </a:p>
@@ -3847,18 +3819,12 @@
           <a:p>
             <a:fld id="{5B1FDB19-835A-4C28-818C-047E66686952}" type="slidenum">
               <a:rPr lang="zh-CN" altLang="en-US" smtClean="0"/>
-              <a:t>‹#›</a:t>
             </a:fld>
             <a:endParaRPr lang="zh-CN" altLang="en-US"/>
           </a:p>
         </p:txBody>
       </p:sp>
     </p:spTree>
-    <p:extLst>
-      <p:ext uri="{BB962C8B-B14F-4D97-AF65-F5344CB8AC3E}">
-        <p14:creationId xmlns:p14="http://schemas.microsoft.com/office/powerpoint/2010/main" val="1762635215"/>
-      </p:ext>
-    </p:extLst>
   </p:cSld>
   <p:clrMap bg1="lt1" tx1="dk1" bg2="lt2" tx2="dk2" accent1="accent1" accent2="accent2" accent3="accent3" accent4="accent4" accent5="accent5" accent6="accent6" hlink="hlink" folHlink="folHlink"/>
   <p:sldLayoutIdLst>
@@ -4163,7 +4129,7 @@
     <p:bg>
       <p:bgPr>
         <a:blipFill dpi="0" rotWithShape="1">
-          <a:blip r:embed="rId2">
+          <a:blip r:embed="rId1">
             <a:lum/>
           </a:blip>
           <a:srcRect/>
@@ -4236,13 +4202,7 @@
       </p:sp>
       <p:sp>
         <p:nvSpPr>
-          <p:cNvPr id="5" name="矩形 4">
-            <a:extLst>
-              <a:ext uri="{FF2B5EF4-FFF2-40B4-BE49-F238E27FC236}">
-                <a16:creationId xmlns:a16="http://schemas.microsoft.com/office/drawing/2014/main" id="{FACAB8C1-BEEA-4B73-9F5F-CBF195C0F010}"/>
-              </a:ext>
-            </a:extLst>
-          </p:cNvPr>
+          <p:cNvPr id="5" name="矩形 4"/>
           <p:cNvSpPr/>
           <p:nvPr/>
         </p:nvSpPr>
@@ -4288,13 +4248,7 @@
       </p:sp>
       <p:sp>
         <p:nvSpPr>
-          <p:cNvPr id="10" name="文本框 9">
-            <a:extLst>
-              <a:ext uri="{FF2B5EF4-FFF2-40B4-BE49-F238E27FC236}">
-                <a16:creationId xmlns:a16="http://schemas.microsoft.com/office/drawing/2014/main" id="{B642F1C1-9483-41D9-9D6A-AE1B621D425A}"/>
-              </a:ext>
-            </a:extLst>
-          </p:cNvPr>
+          <p:cNvPr id="10" name="文本框 9"/>
           <p:cNvSpPr txBox="1"/>
           <p:nvPr/>
         </p:nvSpPr>
@@ -4346,13 +4300,7 @@
       </p:sp>
       <p:sp>
         <p:nvSpPr>
-          <p:cNvPr id="11" name="文本框 10">
-            <a:extLst>
-              <a:ext uri="{FF2B5EF4-FFF2-40B4-BE49-F238E27FC236}">
-                <a16:creationId xmlns:a16="http://schemas.microsoft.com/office/drawing/2014/main" id="{9A2D4DB4-88CA-4EEB-899C-7A455A6515CD}"/>
-              </a:ext>
-            </a:extLst>
-          </p:cNvPr>
+          <p:cNvPr id="11" name="文本框 10"/>
           <p:cNvSpPr txBox="1"/>
           <p:nvPr/>
         </p:nvSpPr>
@@ -4382,6 +4330,13 @@
               </a:rPr>
               <a:t>汇报人：</a:t>
             </a:r>
+            <a:endParaRPr lang="zh-CN" altLang="en-US" sz="2000" dirty="0">
+              <a:solidFill>
+                <a:srgbClr val="706F6F"/>
+              </a:solidFill>
+              <a:latin typeface="方正粗黑宋简体" panose="02000000000000000000" pitchFamily="2" charset="-122"/>
+              <a:ea typeface="方正粗黑宋简体" panose="02000000000000000000" pitchFamily="2" charset="-122"/>
+            </a:endParaRPr>
           </a:p>
         </p:txBody>
       </p:sp>
@@ -4561,6 +4516,11 @@
               </a:rPr>
               <a:t>仿阿里云官网</a:t>
             </a:r>
+            <a:endParaRPr lang="zh-CN" altLang="en-US" sz="4000">
+              <a:solidFill>
+                <a:schemeClr val="tx2"/>
+              </a:solidFill>
+            </a:endParaRPr>
           </a:p>
         </p:txBody>
       </p:sp>
@@ -4590,18 +4550,13 @@
               <a:rPr lang="zh-CN" altLang="en-US"/>
               <a:t>荣致栋</a:t>
             </a:r>
-          </a:p>
-        </p:txBody>
-      </p:sp>
-      <p:sp>
-        <p:nvSpPr>
-          <p:cNvPr id="9" name="矩形 8">
-            <a:extLst>
-              <a:ext uri="{FF2B5EF4-FFF2-40B4-BE49-F238E27FC236}">
-                <a16:creationId xmlns:a16="http://schemas.microsoft.com/office/drawing/2014/main" id="{ACDFCA59-0EFC-458E-B4BD-BC115DBFEBA3}"/>
-              </a:ext>
-            </a:extLst>
-          </p:cNvPr>
+            <a:endParaRPr lang="zh-CN" altLang="en-US"/>
+          </a:p>
+        </p:txBody>
+      </p:sp>
+      <p:sp>
+        <p:nvSpPr>
+          <p:cNvPr id="9" name="矩形 8"/>
           <p:cNvSpPr/>
           <p:nvPr/>
         </p:nvSpPr>
@@ -4647,20 +4602,14 @@
       </p:sp>
       <p:pic>
         <p:nvPicPr>
-          <p:cNvPr id="13" name="图片 12">
-            <a:extLst>
-              <a:ext uri="{FF2B5EF4-FFF2-40B4-BE49-F238E27FC236}">
-                <a16:creationId xmlns:a16="http://schemas.microsoft.com/office/drawing/2014/main" id="{5C1B8821-7654-41B9-9F54-757B67B5DBCF}"/>
-              </a:ext>
-            </a:extLst>
-          </p:cNvPr>
+          <p:cNvPr id="13" name="图片 12"/>
           <p:cNvPicPr>
             <a:picLocks noChangeAspect="1"/>
           </p:cNvPicPr>
           <p:nvPr/>
         </p:nvPicPr>
         <p:blipFill>
-          <a:blip r:embed="rId3">
+          <a:blip r:embed="rId2">
             <a:extLst>
               <a:ext uri="{28A0092B-C50C-407E-A947-70E740481C1C}">
                 <a14:useLocalDpi xmlns:a14="http://schemas.microsoft.com/office/drawing/2010/main" val="0"/>
@@ -4682,22 +4631,17 @@
         </p:spPr>
       </p:pic>
     </p:spTree>
-    <p:extLst>
-      <p:ext uri="{BB962C8B-B14F-4D97-AF65-F5344CB8AC3E}">
-        <p14:creationId xmlns:p14="http://schemas.microsoft.com/office/powerpoint/2010/main" val="2155812516"/>
-      </p:ext>
-    </p:extLst>
   </p:cSld>
   <p:clrMapOvr>
     <a:masterClrMapping/>
   </p:clrMapOvr>
-  <mc:AlternateContent xmlns:mc="http://schemas.openxmlformats.org/markup-compatibility/2006" xmlns:p14="http://schemas.microsoft.com/office/powerpoint/2010/main">
-    <mc:Choice Requires="p14">
+  <mc:AlternateContent xmlns:mc="http://schemas.openxmlformats.org/markup-compatibility/2006">
+    <mc:Choice xmlns:p14="http://schemas.microsoft.com/office/powerpoint/2010/main" Requires="p14">
       <p:transition spd="slow" p14:dur="4400">
         <p14:honeycomb/>
       </p:transition>
     </mc:Choice>
-    <mc:Fallback xmlns="">
+    <mc:Fallback>
       <p:transition spd="slow">
         <p:fade/>
       </p:transition>
@@ -4707,268 +4651,6 @@
 </file>
 
 <file path=ppt/slides/slide10.xml><?xml version="1.0" encoding="utf-8"?>
-<p:sld xmlns:a="http://schemas.openxmlformats.org/drawingml/2006/main" xmlns:r="http://schemas.openxmlformats.org/officeDocument/2006/relationships" xmlns:p="http://schemas.openxmlformats.org/presentationml/2006/main">
-  <p:cSld>
-    <p:bg>
-      <p:bgPr>
-        <a:blipFill dpi="0" rotWithShape="1">
-          <a:blip r:embed="rId2">
-            <a:lum/>
-          </a:blip>
-          <a:srcRect/>
-          <a:stretch>
-            <a:fillRect t="-10000" b="-10000"/>
-          </a:stretch>
-        </a:blipFill>
-        <a:effectLst/>
-      </p:bgPr>
-    </p:bg>
-    <p:spTree>
-      <p:nvGrpSpPr>
-        <p:cNvPr id="1" name=""/>
-        <p:cNvGrpSpPr/>
-        <p:nvPr/>
-      </p:nvGrpSpPr>
-      <p:grpSpPr>
-        <a:xfrm>
-          <a:off x="0" y="0"/>
-          <a:ext cx="0" cy="0"/>
-          <a:chOff x="0" y="0"/>
-          <a:chExt cx="0" cy="0"/>
-        </a:xfrm>
-      </p:grpSpPr>
-      <p:sp>
-        <p:nvSpPr>
-          <p:cNvPr id="4" name="文本框 3"/>
-          <p:cNvSpPr txBox="1"/>
-          <p:nvPr/>
-        </p:nvSpPr>
-        <p:spPr>
-          <a:xfrm>
-            <a:off x="432121" y="832981"/>
-            <a:ext cx="2928395" cy="584775"/>
-          </a:xfrm>
-          <a:prstGeom prst="rect">
-            <a:avLst/>
-          </a:prstGeom>
-          <a:noFill/>
-        </p:spPr>
-        <p:txBody>
-          <a:bodyPr wrap="square" rtlCol="0">
-            <a:spAutoFit/>
-          </a:bodyPr>
-          <a:lstStyle/>
-          <a:p>
-            <a:r>
-              <a:rPr lang="zh-CN" altLang="en-US" sz="2800">
-                <a:solidFill>
-                  <a:schemeClr val="bg1"/>
-                </a:solidFill>
-                <a:latin typeface="华文行楷" panose="02010800040101010101" pitchFamily="2" charset="-122"/>
-                <a:ea typeface="华文行楷" panose="02010800040101010101" pitchFamily="2" charset="-122"/>
-              </a:rPr>
-              <a:t>次本项目难点是</a:t>
-            </a:r>
-            <a:r>
-              <a:rPr lang="zh-CN" altLang="en-US" sz="3200">
-                <a:solidFill>
-                  <a:schemeClr val="bg1"/>
-                </a:solidFill>
-                <a:latin typeface="华文行楷" panose="02010800040101010101" pitchFamily="2" charset="-122"/>
-                <a:ea typeface="华文行楷" panose="02010800040101010101" pitchFamily="2" charset="-122"/>
-              </a:rPr>
-              <a:t>：</a:t>
-            </a:r>
-          </a:p>
-        </p:txBody>
-      </p:sp>
-      <p:pic>
-        <p:nvPicPr>
-          <p:cNvPr id="5" name="图片 4"/>
-          <p:cNvPicPr>
-            <a:picLocks noChangeAspect="1"/>
-          </p:cNvPicPr>
-          <p:nvPr/>
-        </p:nvPicPr>
-        <p:blipFill>
-          <a:blip r:embed="rId3">
-            <a:extLst>
-              <a:ext uri="{28A0092B-C50C-407E-A947-70E740481C1C}">
-                <a14:useLocalDpi xmlns:a14="http://schemas.microsoft.com/office/drawing/2010/main" val="0"/>
-              </a:ext>
-            </a:extLst>
-          </a:blip>
-          <a:stretch>
-            <a:fillRect/>
-          </a:stretch>
-        </p:blipFill>
-        <p:spPr>
-          <a:xfrm>
-            <a:off x="6007261" y="1891682"/>
-            <a:ext cx="5602147" cy="4085864"/>
-          </a:xfrm>
-          <a:prstGeom prst="rect">
-            <a:avLst/>
-          </a:prstGeom>
-        </p:spPr>
-      </p:pic>
-      <p:sp>
-        <p:nvSpPr>
-          <p:cNvPr id="6" name="文本框 5"/>
-          <p:cNvSpPr txBox="1"/>
-          <p:nvPr/>
-        </p:nvSpPr>
-        <p:spPr>
-          <a:xfrm>
-            <a:off x="7299536" y="-1081"/>
-            <a:ext cx="1620457" cy="523220"/>
-          </a:xfrm>
-          <a:prstGeom prst="rect">
-            <a:avLst/>
-          </a:prstGeom>
-          <a:noFill/>
-        </p:spPr>
-        <p:txBody>
-          <a:bodyPr wrap="square" rtlCol="0">
-            <a:spAutoFit/>
-          </a:bodyPr>
-          <a:lstStyle/>
-          <a:p>
-            <a:r>
-              <a:rPr lang="zh-CN" altLang="en-US" sz="2800">
-                <a:solidFill>
-                  <a:schemeClr val="bg1"/>
-                </a:solidFill>
-                <a:latin typeface="华文行楷" panose="02010800040101010101" pitchFamily="2" charset="-122"/>
-                <a:ea typeface="华文行楷" panose="02010800040101010101" pitchFamily="2" charset="-122"/>
-              </a:rPr>
-              <a:t>项目难点</a:t>
-            </a:r>
-          </a:p>
-        </p:txBody>
-      </p:sp>
-      <p:sp>
-        <p:nvSpPr>
-          <p:cNvPr id="8" name="矩形 7"/>
-          <p:cNvSpPr/>
-          <p:nvPr/>
-        </p:nvSpPr>
-        <p:spPr>
-          <a:xfrm>
-            <a:off x="432121" y="1891682"/>
-            <a:ext cx="4579717" cy="3785652"/>
-          </a:xfrm>
-          <a:prstGeom prst="rect">
-            <a:avLst/>
-          </a:prstGeom>
-        </p:spPr>
-        <p:txBody>
-          <a:bodyPr wrap="square">
-            <a:spAutoFit/>
-          </a:bodyPr>
-          <a:lstStyle/>
-          <a:p>
-            <a:r>
-              <a:rPr lang="zh-CN" altLang="en-US" sz="2400">
-                <a:solidFill>
-                  <a:schemeClr val="bg1"/>
-                </a:solidFill>
-                <a:latin typeface="楷体" panose="02010609060101010101" pitchFamily="49" charset="-122"/>
-                <a:ea typeface="楷体" panose="02010609060101010101" pitchFamily="49" charset="-122"/>
-              </a:rPr>
-              <a:t>为什么我收到错误“TypeError：无法读取未定义的属性‘importKey’”这通常是因为您的 Web 浏览器不支持 WebCrypt API，或者支持已被禁用。如果您使用的是 Google Chrome，请使用 HTTPS 连接 Sshwifty。当连接不安全时，Chrome 将禁用 WebCrypt 和许多其他 API。</a:t>
-            </a:r>
-          </a:p>
-        </p:txBody>
-      </p:sp>
-      <p:sp>
-        <p:nvSpPr>
-          <p:cNvPr id="2" name="文本框 1"/>
-          <p:cNvSpPr txBox="1"/>
-          <p:nvPr/>
-        </p:nvSpPr>
-        <p:spPr>
-          <a:xfrm>
-            <a:off x="6300440" y="1293541"/>
-            <a:ext cx="1427356" cy="369332"/>
-          </a:xfrm>
-          <a:prstGeom prst="rect">
-            <a:avLst/>
-          </a:prstGeom>
-          <a:noFill/>
-        </p:spPr>
-        <p:txBody>
-          <a:bodyPr wrap="square" rtlCol="0">
-            <a:spAutoFit/>
-          </a:bodyPr>
-          <a:lstStyle/>
-          <a:p>
-            <a:r>
-              <a:rPr lang="en-US" altLang="zh-CN">
-                <a:solidFill>
-                  <a:schemeClr val="bg1"/>
-                </a:solidFill>
-              </a:rPr>
-              <a:t>Sshwifty:</a:t>
-            </a:r>
-            <a:endParaRPr lang="zh-CN" altLang="en-US">
-              <a:solidFill>
-                <a:schemeClr val="bg1"/>
-              </a:solidFill>
-            </a:endParaRPr>
-          </a:p>
-        </p:txBody>
-      </p:sp>
-      <p:pic>
-        <p:nvPicPr>
-          <p:cNvPr id="7" name="图片 6">
-            <a:extLst>
-              <a:ext uri="{FF2B5EF4-FFF2-40B4-BE49-F238E27FC236}">
-                <a16:creationId xmlns:a16="http://schemas.microsoft.com/office/drawing/2014/main" id="{5B54CA9D-D50E-432B-B196-1C5FBAF47CE8}"/>
-              </a:ext>
-            </a:extLst>
-          </p:cNvPr>
-          <p:cNvPicPr>
-            <a:picLocks noChangeAspect="1"/>
-          </p:cNvPicPr>
-          <p:nvPr/>
-        </p:nvPicPr>
-        <p:blipFill>
-          <a:blip r:embed="rId4">
-            <a:extLst>
-              <a:ext uri="{28A0092B-C50C-407E-A947-70E740481C1C}">
-                <a14:useLocalDpi xmlns:a14="http://schemas.microsoft.com/office/drawing/2010/main" val="0"/>
-              </a:ext>
-            </a:extLst>
-          </a:blip>
-          <a:stretch>
-            <a:fillRect/>
-          </a:stretch>
-        </p:blipFill>
-        <p:spPr>
-          <a:xfrm>
-            <a:off x="8936915" y="0"/>
-            <a:ext cx="3255085" cy="613458"/>
-          </a:xfrm>
-          <a:prstGeom prst="rect">
-            <a:avLst/>
-          </a:prstGeom>
-        </p:spPr>
-      </p:pic>
-    </p:spTree>
-    <p:extLst>
-      <p:ext uri="{BB962C8B-B14F-4D97-AF65-F5344CB8AC3E}">
-        <p14:creationId xmlns:p14="http://schemas.microsoft.com/office/powerpoint/2010/main" val="4253136263"/>
-      </p:ext>
-    </p:extLst>
-  </p:cSld>
-  <p:clrMapOvr>
-    <a:masterClrMapping/>
-  </p:clrMapOvr>
-</p:sld>
-</file>
-
-<file path=ppt/slides/slide11.xml><?xml version="1.0" encoding="utf-8"?>
 <p:sld xmlns:a="http://schemas.openxmlformats.org/drawingml/2006/main" xmlns:r="http://schemas.openxmlformats.org/officeDocument/2006/relationships" xmlns:p="http://schemas.openxmlformats.org/presentationml/2006/main">
   <p:cSld>
     <p:bg>
@@ -4998,13 +4680,7 @@
       </p:grpSpPr>
       <p:pic>
         <p:nvPicPr>
-          <p:cNvPr id="5" name="图片 4">
-            <a:extLst>
-              <a:ext uri="{FF2B5EF4-FFF2-40B4-BE49-F238E27FC236}">
-                <a16:creationId xmlns:a16="http://schemas.microsoft.com/office/drawing/2014/main" id="{6292FD1F-17C8-43E1-AFD3-28F9F84B10CA}"/>
-              </a:ext>
-            </a:extLst>
-          </p:cNvPr>
+          <p:cNvPr id="5" name="图片 4"/>
           <p:cNvPicPr>
             <a:picLocks noChangeAspect="1"/>
           </p:cNvPicPr>
@@ -5036,13 +4712,7 @@
         <p:nvGraphicFramePr>
           <p:cNvPr id="4" name="图表 3"/>
           <p:cNvGraphicFramePr/>
-          <p:nvPr>
-            <p:extLst>
-              <p:ext uri="{D42A27DB-BD31-4B8C-83A1-F6EECF244321}">
-                <p14:modId xmlns:p14="http://schemas.microsoft.com/office/powerpoint/2010/main" val="276707893"/>
-              </p:ext>
-            </p:extLst>
-          </p:nvPr>
+          <p:nvPr/>
         </p:nvGraphicFramePr>
         <p:xfrm>
           <a:off x="7270955" y="4542327"/>
@@ -5050,7 +4720,7 @@
         </p:xfrm>
         <a:graphic>
           <a:graphicData uri="http://schemas.openxmlformats.org/drawingml/2006/chart">
-            <c:chart xmlns:c="http://schemas.openxmlformats.org/drawingml/2006/chart" xmlns:r="http://schemas.openxmlformats.org/officeDocument/2006/relationships" r:id="rId3"/>
+            <c:chart xmlns:c="http://schemas.openxmlformats.org/drawingml/2006/chart" xmlns:r="http://schemas.openxmlformats.org/officeDocument/2006/relationships" r:id="rId1"/>
           </a:graphicData>
         </a:graphic>
       </p:graphicFrame>
@@ -5152,6 +4822,7 @@
               <a:rPr lang="zh-CN" altLang="en-US" sz="1100"/>
               <a:t>个删除。  </a:t>
             </a:r>
+            <a:endParaRPr lang="zh-CN" altLang="en-US" sz="1100"/>
           </a:p>
         </p:txBody>
       </p:sp>
@@ -5225,6 +4896,7 @@
               <a:rPr lang="zh-CN" altLang="en-US" sz="1600"/>
               <a:t>号</a:t>
             </a:r>
+            <a:endParaRPr lang="zh-CN" altLang="en-US" sz="1600"/>
           </a:p>
         </p:txBody>
       </p:sp>
@@ -5266,6 +4938,7 @@
               <a:rPr lang="en-US" altLang="zh-CN" sz="2000"/>
               <a:t>47.105.72.168</a:t>
             </a:r>
+            <a:endParaRPr lang="en-US" altLang="zh-CN" sz="2000"/>
           </a:p>
         </p:txBody>
       </p:sp>
@@ -5298,25 +4971,23 @@
               </a:rPr>
               <a:t>项目贡献</a:t>
             </a:r>
+            <a:endParaRPr lang="zh-CN" altLang="en-US" sz="2800">
+              <a:latin typeface="华文行楷" panose="02010800040101010101" pitchFamily="2" charset="-122"/>
+              <a:ea typeface="华文行楷" panose="02010800040101010101" pitchFamily="2" charset="-122"/>
+            </a:endParaRPr>
           </a:p>
         </p:txBody>
       </p:sp>
       <p:pic>
         <p:nvPicPr>
-          <p:cNvPr id="3" name="图片 2">
-            <a:extLst>
-              <a:ext uri="{FF2B5EF4-FFF2-40B4-BE49-F238E27FC236}">
-                <a16:creationId xmlns:a16="http://schemas.microsoft.com/office/drawing/2014/main" id="{F076245E-EE1D-4AFE-BBF8-CABC987A808A}"/>
-              </a:ext>
-            </a:extLst>
-          </p:cNvPr>
+          <p:cNvPr id="3" name="图片 2"/>
           <p:cNvPicPr>
             <a:picLocks noChangeAspect="1"/>
           </p:cNvPicPr>
           <p:nvPr/>
         </p:nvPicPr>
         <p:blipFill>
-          <a:blip r:embed="rId4">
+          <a:blip r:embed="rId3">
             <a:extLst>
               <a:ext uri="{28A0092B-C50C-407E-A947-70E740481C1C}">
                 <a14:useLocalDpi xmlns:a14="http://schemas.microsoft.com/office/drawing/2010/main" val="0"/>
@@ -5338,11 +5009,6 @@
         </p:spPr>
       </p:pic>
     </p:spTree>
-    <p:extLst>
-      <p:ext uri="{BB962C8B-B14F-4D97-AF65-F5344CB8AC3E}">
-        <p14:creationId xmlns:p14="http://schemas.microsoft.com/office/powerpoint/2010/main" val="3826441624"/>
-      </p:ext>
-    </p:extLst>
   </p:cSld>
   <p:clrMapOvr>
     <a:masterClrMapping/>
@@ -5350,13 +5016,13 @@
 </p:sld>
 </file>
 
-<file path=ppt/slides/slide12.xml><?xml version="1.0" encoding="utf-8"?>
+<file path=ppt/slides/slide11.xml><?xml version="1.0" encoding="utf-8"?>
 <p:sld xmlns:a="http://schemas.openxmlformats.org/drawingml/2006/main" xmlns:r="http://schemas.openxmlformats.org/officeDocument/2006/relationships" xmlns:p="http://schemas.openxmlformats.org/presentationml/2006/main">
   <p:cSld>
     <p:bg>
       <p:bgPr>
         <a:blipFill dpi="0" rotWithShape="1">
-          <a:blip r:embed="rId2">
+          <a:blip r:embed="rId1">
             <a:lum/>
           </a:blip>
           <a:srcRect/>
@@ -5413,6 +5079,13 @@
               </a:rPr>
               <a:t>项目总结</a:t>
             </a:r>
+            <a:endParaRPr lang="zh-CN" altLang="en-US" sz="2800">
+              <a:solidFill>
+                <a:srgbClr val="00B0F0"/>
+              </a:solidFill>
+              <a:latin typeface="华文行楷" panose="02010800040101010101" pitchFamily="2" charset="-122"/>
+              <a:ea typeface="华文行楷" panose="02010800040101010101" pitchFamily="2" charset="-122"/>
+            </a:endParaRPr>
           </a:p>
         </p:txBody>
       </p:sp>
@@ -5516,6 +5189,13 @@
               </a:rPr>
               <a:t>工具进行合并更新的时候 因操作失误 导致远程仓库分支被本地分支覆盖 导致代码丢失。</a:t>
             </a:r>
+            <a:endParaRPr lang="zh-CN" altLang="en-US" sz="2400">
+              <a:solidFill>
+                <a:schemeClr val="bg1"/>
+              </a:solidFill>
+              <a:latin typeface="楷体" panose="02010609060101010101" pitchFamily="49" charset="-122"/>
+              <a:ea typeface="楷体" panose="02010609060101010101" pitchFamily="49" charset="-122"/>
+            </a:endParaRPr>
           </a:p>
         </p:txBody>
       </p:sp>
@@ -5571,6 +5251,13 @@
               </a:rPr>
               <a:t>）未能正确预估部分功能工期时间 导致部分功能流产</a:t>
             </a:r>
+            <a:endParaRPr lang="zh-CN" altLang="en-US" sz="2400">
+              <a:solidFill>
+                <a:schemeClr val="bg1"/>
+              </a:solidFill>
+              <a:latin typeface="楷体" panose="02010609060101010101" pitchFamily="49" charset="-122"/>
+              <a:ea typeface="楷体" panose="02010609060101010101" pitchFamily="49" charset="-122"/>
+            </a:endParaRPr>
           </a:p>
         </p:txBody>
       </p:sp>
@@ -5626,25 +5313,26 @@
               </a:rPr>
               <a:t>工具的学习</a:t>
             </a:r>
+            <a:endParaRPr lang="zh-CN" altLang="en-US" sz="2400">
+              <a:solidFill>
+                <a:schemeClr val="bg1"/>
+              </a:solidFill>
+              <a:latin typeface="楷体" panose="02010609060101010101" pitchFamily="49" charset="-122"/>
+              <a:ea typeface="楷体" panose="02010609060101010101" pitchFamily="49" charset="-122"/>
+            </a:endParaRPr>
           </a:p>
         </p:txBody>
       </p:sp>
       <p:pic>
         <p:nvPicPr>
-          <p:cNvPr id="3" name="图片 2">
-            <a:extLst>
-              <a:ext uri="{FF2B5EF4-FFF2-40B4-BE49-F238E27FC236}">
-                <a16:creationId xmlns:a16="http://schemas.microsoft.com/office/drawing/2014/main" id="{58AAF59A-B647-46B7-B37A-977A3988A077}"/>
-              </a:ext>
-            </a:extLst>
-          </p:cNvPr>
+          <p:cNvPr id="3" name="图片 2"/>
           <p:cNvPicPr>
             <a:picLocks noChangeAspect="1"/>
           </p:cNvPicPr>
           <p:nvPr/>
         </p:nvPicPr>
         <p:blipFill>
-          <a:blip r:embed="rId3">
+          <a:blip r:embed="rId2">
             <a:extLst>
               <a:ext uri="{28A0092B-C50C-407E-A947-70E740481C1C}">
                 <a14:useLocalDpi xmlns:a14="http://schemas.microsoft.com/office/drawing/2010/main" val="0"/>
@@ -5666,11 +5354,6 @@
         </p:spPr>
       </p:pic>
     </p:spTree>
-    <p:extLst>
-      <p:ext uri="{BB962C8B-B14F-4D97-AF65-F5344CB8AC3E}">
-        <p14:creationId xmlns:p14="http://schemas.microsoft.com/office/powerpoint/2010/main" val="1896521745"/>
-      </p:ext>
-    </p:extLst>
   </p:cSld>
   <p:clrMapOvr>
     <a:masterClrMapping/>
@@ -5678,13 +5361,13 @@
 </p:sld>
 </file>
 
-<file path=ppt/slides/slide13.xml><?xml version="1.0" encoding="utf-8"?>
+<file path=ppt/slides/slide12.xml><?xml version="1.0" encoding="utf-8"?>
 <p:sld xmlns:a="http://schemas.openxmlformats.org/drawingml/2006/main" xmlns:r="http://schemas.openxmlformats.org/officeDocument/2006/relationships" xmlns:p="http://schemas.openxmlformats.org/presentationml/2006/main">
   <p:cSld>
     <p:bg>
       <p:bgPr>
         <a:blipFill dpi="0" rotWithShape="1">
-          <a:blip r:embed="rId2">
+          <a:blip r:embed="rId1">
             <a:lum/>
           </a:blip>
           <a:srcRect/>
@@ -5741,6 +5424,13 @@
               </a:rPr>
               <a:t>项目总结</a:t>
             </a:r>
+            <a:endParaRPr lang="zh-CN" altLang="en-US" sz="2800">
+              <a:solidFill>
+                <a:srgbClr val="00B0F0"/>
+              </a:solidFill>
+              <a:latin typeface="华文行楷" panose="02010800040101010101" pitchFamily="2" charset="-122"/>
+              <a:ea typeface="华文行楷" panose="02010800040101010101" pitchFamily="2" charset="-122"/>
+            </a:endParaRPr>
           </a:p>
         </p:txBody>
       </p:sp>
@@ -5835,25 +5525,26 @@
               </a:rPr>
               <a:t>工具 为本次答辩项目软件协同开发带来的很大的帮助</a:t>
             </a:r>
+            <a:endParaRPr lang="zh-CN" altLang="en-US" sz="2800">
+              <a:solidFill>
+                <a:schemeClr val="bg1"/>
+              </a:solidFill>
+              <a:latin typeface="楷体" panose="02010609060101010101" pitchFamily="49" charset="-122"/>
+              <a:ea typeface="楷体" panose="02010609060101010101" pitchFamily="49" charset="-122"/>
+            </a:endParaRPr>
           </a:p>
         </p:txBody>
       </p:sp>
       <p:pic>
         <p:nvPicPr>
-          <p:cNvPr id="3" name="图片 2">
-            <a:extLst>
-              <a:ext uri="{FF2B5EF4-FFF2-40B4-BE49-F238E27FC236}">
-                <a16:creationId xmlns:a16="http://schemas.microsoft.com/office/drawing/2014/main" id="{DB0828A9-106E-4FDD-9410-3203A8709076}"/>
-              </a:ext>
-            </a:extLst>
-          </p:cNvPr>
+          <p:cNvPr id="3" name="图片 2"/>
           <p:cNvPicPr>
             <a:picLocks noChangeAspect="1"/>
           </p:cNvPicPr>
           <p:nvPr/>
         </p:nvPicPr>
         <p:blipFill>
-          <a:blip r:embed="rId3">
+          <a:blip r:embed="rId2">
             <a:extLst>
               <a:ext uri="{28A0092B-C50C-407E-A947-70E740481C1C}">
                 <a14:useLocalDpi xmlns:a14="http://schemas.microsoft.com/office/drawing/2010/main" val="0"/>
@@ -5875,11 +5566,6 @@
         </p:spPr>
       </p:pic>
     </p:spTree>
-    <p:extLst>
-      <p:ext uri="{BB962C8B-B14F-4D97-AF65-F5344CB8AC3E}">
-        <p14:creationId xmlns:p14="http://schemas.microsoft.com/office/powerpoint/2010/main" val="1101957891"/>
-      </p:ext>
-    </p:extLst>
   </p:cSld>
   <p:clrMapOvr>
     <a:masterClrMapping/>
@@ -5887,13 +5573,13 @@
 </p:sld>
 </file>
 
-<file path=ppt/slides/slide14.xml><?xml version="1.0" encoding="utf-8"?>
+<file path=ppt/slides/slide13.xml><?xml version="1.0" encoding="utf-8"?>
 <p:sld xmlns:a="http://schemas.openxmlformats.org/drawingml/2006/main" xmlns:r="http://schemas.openxmlformats.org/officeDocument/2006/relationships" xmlns:p="http://schemas.openxmlformats.org/presentationml/2006/main">
   <p:cSld>
     <p:bg>
       <p:bgPr>
         <a:blipFill dpi="0" rotWithShape="1">
-          <a:blip r:embed="rId2">
+          <a:blip r:embed="rId1">
             <a:lum/>
           </a:blip>
           <a:srcRect/>
@@ -5950,6 +5636,13 @@
               </a:rPr>
               <a:t>感  谢 大  家  观  看</a:t>
             </a:r>
+            <a:endParaRPr lang="zh-CN" altLang="en-US" sz="4400">
+              <a:solidFill>
+                <a:srgbClr val="00B0F0"/>
+              </a:solidFill>
+              <a:latin typeface="华文行楷" panose="02010800040101010101" pitchFamily="2" charset="-122"/>
+              <a:ea typeface="华文行楷" panose="02010800040101010101" pitchFamily="2" charset="-122"/>
+            </a:endParaRPr>
           </a:p>
         </p:txBody>
       </p:sp>
@@ -5988,7 +5681,7 @@
                 <a:solidFill>
                   <a:schemeClr val="bg1"/>
                 </a:solidFill>
-                <a:hlinkClick r:id="rId3"/>
+                <a:hlinkClick r:id="rId2"/>
               </a:rPr>
               <a:t>https://github.com/Corybyte/aliyun</a:t>
             </a:r>
@@ -6003,6 +5696,36 @@
       <p:pic>
         <p:nvPicPr>
           <p:cNvPr id="3" name="图片 2"/>
+          <p:cNvPicPr>
+            <a:picLocks noChangeAspect="1"/>
+          </p:cNvPicPr>
+          <p:nvPr/>
+        </p:nvPicPr>
+        <p:blipFill>
+          <a:blip r:embed="rId3">
+            <a:extLst>
+              <a:ext uri="{28A0092B-C50C-407E-A947-70E740481C1C}">
+                <a14:useLocalDpi xmlns:a14="http://schemas.microsoft.com/office/drawing/2010/main" val="0"/>
+              </a:ext>
+            </a:extLst>
+          </a:blip>
+          <a:stretch>
+            <a:fillRect/>
+          </a:stretch>
+        </p:blipFill>
+        <p:spPr>
+          <a:xfrm>
+            <a:off x="9598575" y="4482791"/>
+            <a:ext cx="2299072" cy="2299072"/>
+          </a:xfrm>
+          <a:prstGeom prst="rect">
+            <a:avLst/>
+          </a:prstGeom>
+        </p:spPr>
+      </p:pic>
+      <p:pic>
+        <p:nvPicPr>
+          <p:cNvPr id="6" name="图片 5"/>
           <p:cNvPicPr>
             <a:picLocks noChangeAspect="1"/>
           </p:cNvPicPr>
@@ -6022,42 +5745,6 @@
         </p:blipFill>
         <p:spPr>
           <a:xfrm>
-            <a:off x="9598575" y="4482791"/>
-            <a:ext cx="2299072" cy="2299072"/>
-          </a:xfrm>
-          <a:prstGeom prst="rect">
-            <a:avLst/>
-          </a:prstGeom>
-        </p:spPr>
-      </p:pic>
-      <p:pic>
-        <p:nvPicPr>
-          <p:cNvPr id="6" name="图片 5">
-            <a:extLst>
-              <a:ext uri="{FF2B5EF4-FFF2-40B4-BE49-F238E27FC236}">
-                <a16:creationId xmlns:a16="http://schemas.microsoft.com/office/drawing/2014/main" id="{BB8CCD77-038E-4620-840A-7BD54D7AEB3B}"/>
-              </a:ext>
-            </a:extLst>
-          </p:cNvPr>
-          <p:cNvPicPr>
-            <a:picLocks noChangeAspect="1"/>
-          </p:cNvPicPr>
-          <p:nvPr/>
-        </p:nvPicPr>
-        <p:blipFill>
-          <a:blip r:embed="rId5">
-            <a:extLst>
-              <a:ext uri="{28A0092B-C50C-407E-A947-70E740481C1C}">
-                <a14:useLocalDpi xmlns:a14="http://schemas.microsoft.com/office/drawing/2010/main" val="0"/>
-              </a:ext>
-            </a:extLst>
-          </a:blip>
-          <a:stretch>
-            <a:fillRect/>
-          </a:stretch>
-        </p:blipFill>
-        <p:spPr>
-          <a:xfrm>
             <a:off x="8895754" y="-11575"/>
             <a:ext cx="3296245" cy="621215"/>
           </a:xfrm>
@@ -6067,11 +5754,6 @@
         </p:spPr>
       </p:pic>
     </p:spTree>
-    <p:extLst>
-      <p:ext uri="{BB962C8B-B14F-4D97-AF65-F5344CB8AC3E}">
-        <p14:creationId xmlns:p14="http://schemas.microsoft.com/office/powerpoint/2010/main" val="3873585835"/>
-      </p:ext>
-    </p:extLst>
   </p:cSld>
   <p:clrMapOvr>
     <a:masterClrMapping/>
@@ -6085,7 +5767,7 @@
     <p:bg>
       <p:bgPr>
         <a:blipFill dpi="0" rotWithShape="1">
-          <a:blip r:embed="rId2"/>
+          <a:blip r:embed="rId1"/>
           <a:srcRect/>
           <a:stretch>
             <a:fillRect/>
@@ -6110,13 +5792,7 @@
       </p:grpSpPr>
       <p:sp>
         <p:nvSpPr>
-          <p:cNvPr id="18" name="文本框 17">
-            <a:extLst>
-              <a:ext uri="{FF2B5EF4-FFF2-40B4-BE49-F238E27FC236}">
-                <a16:creationId xmlns:a16="http://schemas.microsoft.com/office/drawing/2014/main" id="{2E826A34-FABD-432C-A034-0417757D85D3}"/>
-              </a:ext>
-            </a:extLst>
-          </p:cNvPr>
+          <p:cNvPr id="18" name="文本框 17"/>
           <p:cNvSpPr txBox="1"/>
           <p:nvPr/>
         </p:nvSpPr>
@@ -6146,18 +5822,19 @@
               </a:rPr>
               <a:t>人员参与名单</a:t>
             </a:r>
-          </a:p>
-        </p:txBody>
-      </p:sp>
-      <p:sp>
-        <p:nvSpPr>
-          <p:cNvPr id="19" name="矩形 18">
-            <a:extLst>
-              <a:ext uri="{FF2B5EF4-FFF2-40B4-BE49-F238E27FC236}">
-                <a16:creationId xmlns:a16="http://schemas.microsoft.com/office/drawing/2014/main" id="{B14708FF-141D-4B1B-9D26-A5F4A6A8ACA4}"/>
-              </a:ext>
-            </a:extLst>
-          </p:cNvPr>
+            <a:endParaRPr lang="zh-CN" altLang="en-US" sz="2400" dirty="0">
+              <a:solidFill>
+                <a:schemeClr val="bg1"/>
+              </a:solidFill>
+              <a:latin typeface="华文行楷" panose="02010800040101010101" pitchFamily="2" charset="-122"/>
+              <a:ea typeface="华文行楷" panose="02010800040101010101" pitchFamily="2" charset="-122"/>
+            </a:endParaRPr>
+          </a:p>
+        </p:txBody>
+      </p:sp>
+      <p:sp>
+        <p:nvSpPr>
+          <p:cNvPr id="19" name="矩形 18"/>
           <p:cNvSpPr/>
           <p:nvPr/>
         </p:nvSpPr>
@@ -6215,13 +5892,7 @@
       </p:sp>
       <p:sp>
         <p:nvSpPr>
-          <p:cNvPr id="20" name="矩形 19">
-            <a:extLst>
-              <a:ext uri="{FF2B5EF4-FFF2-40B4-BE49-F238E27FC236}">
-                <a16:creationId xmlns:a16="http://schemas.microsoft.com/office/drawing/2014/main" id="{DE20617C-2356-4C3A-95E1-92A3CC437862}"/>
-              </a:ext>
-            </a:extLst>
-          </p:cNvPr>
+          <p:cNvPr id="20" name="矩形 19"/>
           <p:cNvSpPr/>
           <p:nvPr/>
         </p:nvSpPr>
@@ -6271,13 +5942,7 @@
       </p:sp>
       <p:sp>
         <p:nvSpPr>
-          <p:cNvPr id="21" name="矩形 20">
-            <a:extLst>
-              <a:ext uri="{FF2B5EF4-FFF2-40B4-BE49-F238E27FC236}">
-                <a16:creationId xmlns:a16="http://schemas.microsoft.com/office/drawing/2014/main" id="{F56678D2-1EF0-4C00-8509-40AC43889BDB}"/>
-              </a:ext>
-            </a:extLst>
-          </p:cNvPr>
+          <p:cNvPr id="21" name="矩形 20"/>
           <p:cNvSpPr/>
           <p:nvPr/>
         </p:nvSpPr>
@@ -6327,13 +5992,7 @@
       </p:sp>
       <p:sp>
         <p:nvSpPr>
-          <p:cNvPr id="22" name="矩形 21">
-            <a:extLst>
-              <a:ext uri="{FF2B5EF4-FFF2-40B4-BE49-F238E27FC236}">
-                <a16:creationId xmlns:a16="http://schemas.microsoft.com/office/drawing/2014/main" id="{66C11CDC-4A2B-4A2D-BCEC-7124C3AF8384}"/>
-              </a:ext>
-            </a:extLst>
-          </p:cNvPr>
+          <p:cNvPr id="22" name="矩形 21"/>
           <p:cNvSpPr/>
           <p:nvPr/>
         </p:nvSpPr>
@@ -6383,13 +6042,7 @@
       </p:sp>
       <p:sp>
         <p:nvSpPr>
-          <p:cNvPr id="23" name="矩形 22">
-            <a:extLst>
-              <a:ext uri="{FF2B5EF4-FFF2-40B4-BE49-F238E27FC236}">
-                <a16:creationId xmlns:a16="http://schemas.microsoft.com/office/drawing/2014/main" id="{9FC690B4-8B60-49A9-8829-94480E6671B2}"/>
-              </a:ext>
-            </a:extLst>
-          </p:cNvPr>
+          <p:cNvPr id="23" name="矩形 22"/>
           <p:cNvSpPr/>
           <p:nvPr/>
         </p:nvSpPr>
@@ -6439,13 +6092,7 @@
       </p:sp>
       <p:sp>
         <p:nvSpPr>
-          <p:cNvPr id="24" name="矩形 23">
-            <a:extLst>
-              <a:ext uri="{FF2B5EF4-FFF2-40B4-BE49-F238E27FC236}">
-                <a16:creationId xmlns:a16="http://schemas.microsoft.com/office/drawing/2014/main" id="{1CEB96E5-C053-470E-8BF8-DC1D8BB43A6C}"/>
-              </a:ext>
-            </a:extLst>
-          </p:cNvPr>
+          <p:cNvPr id="24" name="矩形 23"/>
           <p:cNvSpPr/>
           <p:nvPr/>
         </p:nvSpPr>
@@ -6495,13 +6142,7 @@
       </p:sp>
       <p:sp>
         <p:nvSpPr>
-          <p:cNvPr id="25" name="矩形 24">
-            <a:extLst>
-              <a:ext uri="{FF2B5EF4-FFF2-40B4-BE49-F238E27FC236}">
-                <a16:creationId xmlns:a16="http://schemas.microsoft.com/office/drawing/2014/main" id="{6A16F0F1-B7FD-4491-AFA8-0B22F8494083}"/>
-              </a:ext>
-            </a:extLst>
-          </p:cNvPr>
+          <p:cNvPr id="25" name="矩形 24"/>
           <p:cNvSpPr/>
           <p:nvPr/>
         </p:nvSpPr>
@@ -6551,13 +6192,7 @@
       </p:sp>
       <p:sp>
         <p:nvSpPr>
-          <p:cNvPr id="27" name="矩形 26">
-            <a:extLst>
-              <a:ext uri="{FF2B5EF4-FFF2-40B4-BE49-F238E27FC236}">
-                <a16:creationId xmlns:a16="http://schemas.microsoft.com/office/drawing/2014/main" id="{2837464F-BE1F-4405-ACEB-56F653065535}"/>
-              </a:ext>
-            </a:extLst>
-          </p:cNvPr>
+          <p:cNvPr id="27" name="矩形 26"/>
           <p:cNvSpPr/>
           <p:nvPr/>
         </p:nvSpPr>
@@ -6607,13 +6242,7 @@
       </p:sp>
       <p:sp>
         <p:nvSpPr>
-          <p:cNvPr id="28" name="矩形 27">
-            <a:extLst>
-              <a:ext uri="{FF2B5EF4-FFF2-40B4-BE49-F238E27FC236}">
-                <a16:creationId xmlns:a16="http://schemas.microsoft.com/office/drawing/2014/main" id="{DE5F3178-983A-4B12-A584-518507A3B49C}"/>
-              </a:ext>
-            </a:extLst>
-          </p:cNvPr>
+          <p:cNvPr id="28" name="矩形 27"/>
           <p:cNvSpPr/>
           <p:nvPr/>
         </p:nvSpPr>
@@ -6654,18 +6283,13 @@
               <a:rPr lang="zh-CN" altLang="en-US"/>
               <a:t>白雄武</a:t>
             </a:r>
-          </a:p>
-        </p:txBody>
-      </p:sp>
-      <p:sp>
-        <p:nvSpPr>
-          <p:cNvPr id="29" name="矩形 28">
-            <a:extLst>
-              <a:ext uri="{FF2B5EF4-FFF2-40B4-BE49-F238E27FC236}">
-                <a16:creationId xmlns:a16="http://schemas.microsoft.com/office/drawing/2014/main" id="{B6E508DB-8080-450A-A8E6-C6C7D6E8B410}"/>
-              </a:ext>
-            </a:extLst>
-          </p:cNvPr>
+            <a:endParaRPr lang="zh-CN" altLang="en-US"/>
+          </a:p>
+        </p:txBody>
+      </p:sp>
+      <p:sp>
+        <p:nvSpPr>
+          <p:cNvPr id="29" name="矩形 28"/>
           <p:cNvSpPr/>
           <p:nvPr/>
         </p:nvSpPr>
@@ -6706,18 +6330,13 @@
               <a:rPr lang="zh-CN" altLang="en-US"/>
               <a:t>胡昊</a:t>
             </a:r>
-          </a:p>
-        </p:txBody>
-      </p:sp>
-      <p:sp>
-        <p:nvSpPr>
-          <p:cNvPr id="30" name="矩形 29">
-            <a:extLst>
-              <a:ext uri="{FF2B5EF4-FFF2-40B4-BE49-F238E27FC236}">
-                <a16:creationId xmlns:a16="http://schemas.microsoft.com/office/drawing/2014/main" id="{79A60343-3580-486F-9224-6DFA8E8D62E8}"/>
-              </a:ext>
-            </a:extLst>
-          </p:cNvPr>
+            <a:endParaRPr lang="zh-CN" altLang="en-US"/>
+          </a:p>
+        </p:txBody>
+      </p:sp>
+      <p:sp>
+        <p:nvSpPr>
+          <p:cNvPr id="30" name="矩形 29"/>
           <p:cNvSpPr/>
           <p:nvPr/>
         </p:nvSpPr>
@@ -6758,18 +6377,13 @@
               <a:rPr lang="zh-CN" altLang="en-US"/>
               <a:t>颜伟</a:t>
             </a:r>
-          </a:p>
-        </p:txBody>
-      </p:sp>
-      <p:sp>
-        <p:nvSpPr>
-          <p:cNvPr id="31" name="矩形 30">
-            <a:extLst>
-              <a:ext uri="{FF2B5EF4-FFF2-40B4-BE49-F238E27FC236}">
-                <a16:creationId xmlns:a16="http://schemas.microsoft.com/office/drawing/2014/main" id="{377C6F36-3815-4A1A-B23C-E46942615E84}"/>
-              </a:ext>
-            </a:extLst>
-          </p:cNvPr>
+            <a:endParaRPr lang="zh-CN" altLang="en-US"/>
+          </a:p>
+        </p:txBody>
+      </p:sp>
+      <p:sp>
+        <p:nvSpPr>
+          <p:cNvPr id="31" name="矩形 30"/>
           <p:cNvSpPr/>
           <p:nvPr/>
         </p:nvSpPr>
@@ -6810,18 +6424,13 @@
               <a:rPr lang="zh-CN" altLang="en-US" dirty="0"/>
               <a:t>邓成东</a:t>
             </a:r>
-          </a:p>
-        </p:txBody>
-      </p:sp>
-      <p:sp>
-        <p:nvSpPr>
-          <p:cNvPr id="32" name="矩形 31">
-            <a:extLst>
-              <a:ext uri="{FF2B5EF4-FFF2-40B4-BE49-F238E27FC236}">
-                <a16:creationId xmlns:a16="http://schemas.microsoft.com/office/drawing/2014/main" id="{2D46ABAF-24DC-4CFD-917C-B99C19EBCC5A}"/>
-              </a:ext>
-            </a:extLst>
-          </p:cNvPr>
+            <a:endParaRPr lang="zh-CN" altLang="en-US" dirty="0"/>
+          </a:p>
+        </p:txBody>
+      </p:sp>
+      <p:sp>
+        <p:nvSpPr>
+          <p:cNvPr id="32" name="矩形 31"/>
           <p:cNvSpPr/>
           <p:nvPr/>
         </p:nvSpPr>
@@ -6862,18 +6471,13 @@
               <a:rPr lang="zh-CN" altLang="en-US" dirty="0"/>
               <a:t>曾磊</a:t>
             </a:r>
-          </a:p>
-        </p:txBody>
-      </p:sp>
-      <p:sp>
-        <p:nvSpPr>
-          <p:cNvPr id="33" name="矩形 32">
-            <a:extLst>
-              <a:ext uri="{FF2B5EF4-FFF2-40B4-BE49-F238E27FC236}">
-                <a16:creationId xmlns:a16="http://schemas.microsoft.com/office/drawing/2014/main" id="{C482D034-F8E5-49E0-969E-B1F895A40F98}"/>
-              </a:ext>
-            </a:extLst>
-          </p:cNvPr>
+            <a:endParaRPr lang="zh-CN" altLang="en-US" dirty="0"/>
+          </a:p>
+        </p:txBody>
+      </p:sp>
+      <p:sp>
+        <p:nvSpPr>
+          <p:cNvPr id="33" name="矩形 32"/>
           <p:cNvSpPr/>
           <p:nvPr/>
         </p:nvSpPr>
@@ -6914,25 +6518,20 @@
               <a:rPr lang="zh-CN" altLang="en-US"/>
               <a:t>陈俊豪</a:t>
             </a:r>
+            <a:endParaRPr lang="zh-CN" altLang="en-US"/>
           </a:p>
         </p:txBody>
       </p:sp>
       <p:pic>
         <p:nvPicPr>
-          <p:cNvPr id="3" name="图片 2">
-            <a:extLst>
-              <a:ext uri="{FF2B5EF4-FFF2-40B4-BE49-F238E27FC236}">
-                <a16:creationId xmlns:a16="http://schemas.microsoft.com/office/drawing/2014/main" id="{DB29C9B4-C631-4D7A-8FF3-303B671387BF}"/>
-              </a:ext>
-            </a:extLst>
-          </p:cNvPr>
+          <p:cNvPr id="3" name="图片 2"/>
           <p:cNvPicPr>
             <a:picLocks noChangeAspect="1"/>
           </p:cNvPicPr>
           <p:nvPr/>
         </p:nvPicPr>
         <p:blipFill>
-          <a:blip r:embed="rId3">
+          <a:blip r:embed="rId2">
             <a:extLst>
               <a:ext uri="{28A0092B-C50C-407E-A947-70E740481C1C}">
                 <a14:useLocalDpi xmlns:a14="http://schemas.microsoft.com/office/drawing/2010/main" val="0"/>
@@ -6954,22 +6553,17 @@
         </p:spPr>
       </p:pic>
     </p:spTree>
-    <p:extLst>
-      <p:ext uri="{BB962C8B-B14F-4D97-AF65-F5344CB8AC3E}">
-        <p14:creationId xmlns:p14="http://schemas.microsoft.com/office/powerpoint/2010/main" val="2751521143"/>
-      </p:ext>
-    </p:extLst>
   </p:cSld>
   <p:clrMapOvr>
     <a:masterClrMapping/>
   </p:clrMapOvr>
-  <mc:AlternateContent xmlns:mc="http://schemas.openxmlformats.org/markup-compatibility/2006" xmlns:p14="http://schemas.microsoft.com/office/powerpoint/2010/main">
-    <mc:Choice Requires="p14">
+  <mc:AlternateContent xmlns:mc="http://schemas.openxmlformats.org/markup-compatibility/2006">
+    <mc:Choice xmlns:p14="http://schemas.microsoft.com/office/powerpoint/2010/main" Requires="p14">
       <p:transition spd="slow" p14:dur="3400">
         <p14:reveal/>
       </p:transition>
     </mc:Choice>
-    <mc:Fallback xmlns="">
+    <mc:Fallback>
       <p:transition spd="slow">
         <p:fade/>
       </p:transition>
@@ -6984,7 +6578,7 @@
     <p:bg>
       <p:bgPr>
         <a:blipFill dpi="0" rotWithShape="1">
-          <a:blip r:embed="rId2">
+          <a:blip r:embed="rId1">
             <a:lum/>
           </a:blip>
           <a:srcRect/>
@@ -7041,6 +6635,13 @@
               </a:rPr>
               <a:t>目录</a:t>
             </a:r>
+            <a:endParaRPr lang="zh-CN" altLang="en-US" sz="3200">
+              <a:solidFill>
+                <a:srgbClr val="414950"/>
+              </a:solidFill>
+              <a:latin typeface="华文行楷" panose="02010800040101010101" pitchFamily="2" charset="-122"/>
+              <a:ea typeface="华文行楷" panose="02010800040101010101" pitchFamily="2" charset="-122"/>
+            </a:endParaRPr>
           </a:p>
         </p:txBody>
       </p:sp>
@@ -7115,77 +6716,6 @@
                 <a:ea typeface="华文行楷" panose="02010800040101010101" pitchFamily="2" charset="-122"/>
               </a:rPr>
               <a:t>项目准备</a:t>
-            </a:r>
-          </a:p>
-        </p:txBody>
-      </p:sp>
-      <p:sp>
-        <p:nvSpPr>
-          <p:cNvPr id="17" name="文本框 16"/>
-          <p:cNvSpPr txBox="1"/>
-          <p:nvPr/>
-        </p:nvSpPr>
-        <p:spPr>
-          <a:xfrm>
-            <a:off x="8229601" y="3114892"/>
-            <a:ext cx="2152891" cy="369332"/>
-          </a:xfrm>
-          <a:prstGeom prst="rect">
-            <a:avLst/>
-          </a:prstGeom>
-          <a:noFill/>
-        </p:spPr>
-        <p:txBody>
-          <a:bodyPr wrap="square" rtlCol="0">
-            <a:spAutoFit/>
-          </a:bodyPr>
-          <a:lstStyle/>
-          <a:p>
-            <a:r>
-              <a:rPr lang="en-US" altLang="zh-CN" dirty="0"/>
-              <a:t> </a:t>
-            </a:r>
-            <a:endParaRPr lang="zh-CN" altLang="en-US" dirty="0"/>
-          </a:p>
-        </p:txBody>
-      </p:sp>
-      <p:sp>
-        <p:nvSpPr>
-          <p:cNvPr id="2" name="文本框 1">
-            <a:extLst>
-              <a:ext uri="{FF2B5EF4-FFF2-40B4-BE49-F238E27FC236}">
-                <a16:creationId xmlns:a16="http://schemas.microsoft.com/office/drawing/2014/main" id="{DDD72D96-9BBC-41F0-975C-4CDFB08DE08E}"/>
-              </a:ext>
-            </a:extLst>
-          </p:cNvPr>
-          <p:cNvSpPr txBox="1"/>
-          <p:nvPr/>
-        </p:nvSpPr>
-        <p:spPr>
-          <a:xfrm>
-            <a:off x="5162309" y="4525525"/>
-            <a:ext cx="1974715" cy="369332"/>
-          </a:xfrm>
-          <a:prstGeom prst="rect">
-            <a:avLst/>
-          </a:prstGeom>
-          <a:noFill/>
-        </p:spPr>
-        <p:txBody>
-          <a:bodyPr wrap="square" rtlCol="0">
-            <a:spAutoFit/>
-          </a:bodyPr>
-          <a:lstStyle/>
-          <a:p>
-            <a:r>
-              <a:rPr lang="zh-CN" altLang="en-US">
-                <a:solidFill>
-                  <a:schemeClr val="accent5"/>
-                </a:solidFill>
-                <a:latin typeface="华文行楷" panose="02010800040101010101" pitchFamily="2" charset="-122"/>
-                <a:ea typeface="华文行楷" panose="02010800040101010101" pitchFamily="2" charset="-122"/>
-              </a:rPr>
-              <a:t>项目难点</a:t>
             </a:r>
             <a:endParaRPr lang="zh-CN" altLang="en-US" dirty="0">
               <a:solidFill>
@@ -7199,19 +6729,13 @@
       </p:sp>
       <p:sp>
         <p:nvSpPr>
-          <p:cNvPr id="3" name="文本框 2">
-            <a:extLst>
-              <a:ext uri="{FF2B5EF4-FFF2-40B4-BE49-F238E27FC236}">
-                <a16:creationId xmlns:a16="http://schemas.microsoft.com/office/drawing/2014/main" id="{C331299B-5E18-4B77-9E22-87A5C3427FA6}"/>
-              </a:ext>
-            </a:extLst>
-          </p:cNvPr>
+          <p:cNvPr id="17" name="文本框 16"/>
           <p:cNvSpPr txBox="1"/>
           <p:nvPr/>
         </p:nvSpPr>
         <p:spPr>
           <a:xfrm>
-            <a:off x="5162307" y="4198488"/>
+            <a:off x="8229601" y="3114892"/>
             <a:ext cx="2152891" cy="369332"/>
           </a:xfrm>
           <a:prstGeom prst="rect">
@@ -7226,6 +6750,78 @@
           <a:lstStyle/>
           <a:p>
             <a:r>
+              <a:rPr lang="en-US" altLang="zh-CN" dirty="0"/>
+              <a:t> </a:t>
+            </a:r>
+            <a:endParaRPr lang="zh-CN" altLang="en-US" dirty="0"/>
+          </a:p>
+        </p:txBody>
+      </p:sp>
+      <p:sp>
+        <p:nvSpPr>
+          <p:cNvPr id="2" name="文本框 1"/>
+          <p:cNvSpPr txBox="1"/>
+          <p:nvPr/>
+        </p:nvSpPr>
+        <p:spPr>
+          <a:xfrm>
+            <a:off x="5162309" y="4525525"/>
+            <a:ext cx="1974715" cy="369332"/>
+          </a:xfrm>
+          <a:prstGeom prst="rect">
+            <a:avLst/>
+          </a:prstGeom>
+          <a:noFill/>
+        </p:spPr>
+        <p:txBody>
+          <a:bodyPr wrap="square" rtlCol="0">
+            <a:spAutoFit/>
+          </a:bodyPr>
+          <a:lstStyle/>
+          <a:p>
+            <a:r>
+              <a:rPr lang="zh-CN" altLang="en-US">
+                <a:solidFill>
+                  <a:schemeClr val="accent5"/>
+                </a:solidFill>
+                <a:latin typeface="华文行楷" panose="02010800040101010101" pitchFamily="2" charset="-122"/>
+                <a:ea typeface="华文行楷" panose="02010800040101010101" pitchFamily="2" charset="-122"/>
+              </a:rPr>
+              <a:t>项目难点</a:t>
+            </a:r>
+            <a:endParaRPr lang="zh-CN" altLang="en-US" dirty="0">
+              <a:solidFill>
+                <a:schemeClr val="accent5"/>
+              </a:solidFill>
+              <a:latin typeface="华文行楷" panose="02010800040101010101" pitchFamily="2" charset="-122"/>
+              <a:ea typeface="华文行楷" panose="02010800040101010101" pitchFamily="2" charset="-122"/>
+            </a:endParaRPr>
+          </a:p>
+        </p:txBody>
+      </p:sp>
+      <p:sp>
+        <p:nvSpPr>
+          <p:cNvPr id="3" name="文本框 2"/>
+          <p:cNvSpPr txBox="1"/>
+          <p:nvPr/>
+        </p:nvSpPr>
+        <p:spPr>
+          <a:xfrm>
+            <a:off x="5162307" y="4198488"/>
+            <a:ext cx="2152891" cy="369332"/>
+          </a:xfrm>
+          <a:prstGeom prst="rect">
+            <a:avLst/>
+          </a:prstGeom>
+          <a:noFill/>
+        </p:spPr>
+        <p:txBody>
+          <a:bodyPr wrap="square" rtlCol="0">
+            <a:spAutoFit/>
+          </a:bodyPr>
+          <a:lstStyle/>
+          <a:p>
+            <a:r>
               <a:rPr lang="en-US" altLang="zh-CN" sz="1400">
                 <a:solidFill>
                   <a:srgbClr val="3B4042"/>
@@ -7238,18 +6834,13 @@
               <a:rPr lang="en-US" altLang="zh-CN"/>
               <a:t> </a:t>
             </a:r>
-          </a:p>
-        </p:txBody>
-      </p:sp>
-      <p:sp>
-        <p:nvSpPr>
-          <p:cNvPr id="4" name="文本框 3">
-            <a:extLst>
-              <a:ext uri="{FF2B5EF4-FFF2-40B4-BE49-F238E27FC236}">
-                <a16:creationId xmlns:a16="http://schemas.microsoft.com/office/drawing/2014/main" id="{642AE071-B1BE-48EB-A3D3-92714C144F15}"/>
-              </a:ext>
-            </a:extLst>
-          </p:cNvPr>
+            <a:endParaRPr lang="en-US" altLang="zh-CN"/>
+          </a:p>
+        </p:txBody>
+      </p:sp>
+      <p:sp>
+        <p:nvSpPr>
+          <p:cNvPr id="4" name="文本框 3"/>
           <p:cNvSpPr txBox="1"/>
           <p:nvPr/>
         </p:nvSpPr>
@@ -7279,18 +6870,19 @@
               </a:rPr>
               <a:t>项目贡献</a:t>
             </a:r>
-          </a:p>
-        </p:txBody>
-      </p:sp>
-      <p:sp>
-        <p:nvSpPr>
-          <p:cNvPr id="5" name="文本框 4">
-            <a:extLst>
-              <a:ext uri="{FF2B5EF4-FFF2-40B4-BE49-F238E27FC236}">
-                <a16:creationId xmlns:a16="http://schemas.microsoft.com/office/drawing/2014/main" id="{349C5821-64D4-44D1-9159-4561F0552643}"/>
-              </a:ext>
-            </a:extLst>
-          </p:cNvPr>
+            <a:endParaRPr lang="zh-CN" altLang="en-US" dirty="0">
+              <a:solidFill>
+                <a:schemeClr val="accent5"/>
+              </a:solidFill>
+              <a:latin typeface="华文行楷" panose="02010800040101010101" pitchFamily="2" charset="-122"/>
+              <a:ea typeface="华文行楷" panose="02010800040101010101" pitchFamily="2" charset="-122"/>
+            </a:endParaRPr>
+          </a:p>
+        </p:txBody>
+      </p:sp>
+      <p:sp>
+        <p:nvSpPr>
+          <p:cNvPr id="5" name="文本框 4"/>
           <p:cNvSpPr txBox="1"/>
           <p:nvPr/>
         </p:nvSpPr>
@@ -7360,6 +6952,13 @@
               </a:rPr>
               <a:t>项目演示</a:t>
             </a:r>
+            <a:endParaRPr lang="zh-CN" altLang="en-US">
+              <a:solidFill>
+                <a:schemeClr val="accent5"/>
+              </a:solidFill>
+              <a:latin typeface="华文行楷" panose="02010800040101010101" pitchFamily="2" charset="-122"/>
+              <a:ea typeface="华文行楷" panose="02010800040101010101" pitchFamily="2" charset="-122"/>
+            </a:endParaRPr>
           </a:p>
         </p:txBody>
       </p:sp>
@@ -7490,6 +7089,13 @@
               </a:rPr>
               <a:t>项目总结</a:t>
             </a:r>
+            <a:endParaRPr lang="zh-CN" altLang="en-US">
+              <a:solidFill>
+                <a:schemeClr val="accent5"/>
+              </a:solidFill>
+              <a:latin typeface="华文行楷" panose="02010800040101010101" pitchFamily="2" charset="-122"/>
+              <a:ea typeface="华文行楷" panose="02010800040101010101" pitchFamily="2" charset="-122"/>
+            </a:endParaRPr>
           </a:p>
         </p:txBody>
       </p:sp>
@@ -7535,20 +7141,14 @@
       </p:sp>
       <p:pic>
         <p:nvPicPr>
-          <p:cNvPr id="15" name="图片 14">
-            <a:extLst>
-              <a:ext uri="{FF2B5EF4-FFF2-40B4-BE49-F238E27FC236}">
-                <a16:creationId xmlns:a16="http://schemas.microsoft.com/office/drawing/2014/main" id="{82F36E83-5E57-49A0-9126-673F53A492F5}"/>
-              </a:ext>
-            </a:extLst>
-          </p:cNvPr>
+          <p:cNvPr id="15" name="图片 14"/>
           <p:cNvPicPr>
             <a:picLocks noChangeAspect="1"/>
           </p:cNvPicPr>
           <p:nvPr/>
         </p:nvPicPr>
         <p:blipFill>
-          <a:blip r:embed="rId3">
+          <a:blip r:embed="rId2">
             <a:extLst>
               <a:ext uri="{28A0092B-C50C-407E-A947-70E740481C1C}">
                 <a14:useLocalDpi xmlns:a14="http://schemas.microsoft.com/office/drawing/2010/main" val="0"/>
@@ -7570,22 +7170,17 @@
         </p:spPr>
       </p:pic>
     </p:spTree>
-    <p:extLst>
-      <p:ext uri="{BB962C8B-B14F-4D97-AF65-F5344CB8AC3E}">
-        <p14:creationId xmlns:p14="http://schemas.microsoft.com/office/powerpoint/2010/main" val="3347656716"/>
-      </p:ext>
-    </p:extLst>
   </p:cSld>
   <p:clrMapOvr>
     <a:masterClrMapping/>
   </p:clrMapOvr>
-  <mc:AlternateContent xmlns:mc="http://schemas.openxmlformats.org/markup-compatibility/2006" xmlns:p14="http://schemas.microsoft.com/office/powerpoint/2010/main">
-    <mc:Choice Requires="p14">
+  <mc:AlternateContent xmlns:mc="http://schemas.openxmlformats.org/markup-compatibility/2006">
+    <mc:Choice xmlns:p14="http://schemas.microsoft.com/office/powerpoint/2010/main" Requires="p14">
       <p:transition spd="slow" p14:dur="3400">
         <p14:reveal/>
       </p:transition>
     </mc:Choice>
-    <mc:Fallback xmlns="">
+    <mc:Fallback>
       <p:transition spd="slow">
         <p:fade/>
       </p:transition>
@@ -7600,596 +7195,7 @@
     <p:bg>
       <p:bgPr>
         <a:blipFill dpi="0" rotWithShape="1">
-          <a:blip r:embed="rId2">
-            <a:lum/>
-          </a:blip>
-          <a:srcRect/>
-          <a:stretch>
-            <a:fillRect l="-6000" r="-6000"/>
-          </a:stretch>
-        </a:blipFill>
-        <a:effectLst/>
-      </p:bgPr>
-    </p:bg>
-    <p:spTree>
-      <p:nvGrpSpPr>
-        <p:cNvPr id="1" name=""/>
-        <p:cNvGrpSpPr/>
-        <p:nvPr/>
-      </p:nvGrpSpPr>
-      <p:grpSpPr>
-        <a:xfrm>
-          <a:off x="0" y="0"/>
-          <a:ext cx="0" cy="0"/>
-          <a:chOff x="0" y="0"/>
-          <a:chExt cx="0" cy="0"/>
-        </a:xfrm>
-      </p:grpSpPr>
-      <p:sp>
-        <p:nvSpPr>
-          <p:cNvPr id="5" name="文本框 4">
-            <a:extLst>
-              <a:ext uri="{FF2B5EF4-FFF2-40B4-BE49-F238E27FC236}">
-                <a16:creationId xmlns:a16="http://schemas.microsoft.com/office/drawing/2014/main" id="{F254990F-AB23-4C7E-AA87-92A63BF35D9E}"/>
-              </a:ext>
-            </a:extLst>
-          </p:cNvPr>
-          <p:cNvSpPr txBox="1"/>
-          <p:nvPr/>
-        </p:nvSpPr>
-        <p:spPr>
-          <a:xfrm>
-            <a:off x="7035075" y="8443"/>
-            <a:ext cx="1469985" cy="461665"/>
-          </a:xfrm>
-          <a:prstGeom prst="rect">
-            <a:avLst/>
-          </a:prstGeom>
-          <a:noFill/>
-        </p:spPr>
-        <p:txBody>
-          <a:bodyPr wrap="square" rtlCol="0">
-            <a:spAutoFit/>
-          </a:bodyPr>
-          <a:lstStyle/>
-          <a:p>
-            <a:r>
-              <a:rPr lang="zh-CN" altLang="en-US" sz="2400" dirty="0">
-                <a:solidFill>
-                  <a:srgbClr val="3B4042"/>
-                </a:solidFill>
-                <a:latin typeface="华文行楷" panose="02010800040101010101" pitchFamily="2" charset="-122"/>
-                <a:ea typeface="华文行楷" panose="02010800040101010101" pitchFamily="2" charset="-122"/>
-              </a:rPr>
-              <a:t>项目准备</a:t>
-            </a:r>
-          </a:p>
-        </p:txBody>
-      </p:sp>
-      <p:sp>
-        <p:nvSpPr>
-          <p:cNvPr id="6" name="文本框 5">
-            <a:extLst>
-              <a:ext uri="{FF2B5EF4-FFF2-40B4-BE49-F238E27FC236}">
-                <a16:creationId xmlns:a16="http://schemas.microsoft.com/office/drawing/2014/main" id="{A8319FA2-640D-4A72-8582-096AC900C667}"/>
-              </a:ext>
-            </a:extLst>
-          </p:cNvPr>
-          <p:cNvSpPr txBox="1"/>
-          <p:nvPr/>
-        </p:nvSpPr>
-        <p:spPr>
-          <a:xfrm>
-            <a:off x="266218" y="896126"/>
-            <a:ext cx="2807722" cy="677108"/>
-          </a:xfrm>
-          <a:prstGeom prst="rect">
-            <a:avLst/>
-          </a:prstGeom>
-          <a:noFill/>
-        </p:spPr>
-        <p:txBody>
-          <a:bodyPr wrap="square" rtlCol="0">
-            <a:spAutoFit/>
-          </a:bodyPr>
-          <a:lstStyle/>
-          <a:p>
-            <a:r>
-              <a:rPr lang="zh-CN" altLang="en-US" sz="2400" dirty="0">
-                <a:latin typeface="华文行楷" panose="02010800040101010101" pitchFamily="2" charset="-122"/>
-                <a:ea typeface="华文行楷" panose="02010800040101010101" pitchFamily="2" charset="-122"/>
-              </a:rPr>
-              <a:t>什么是</a:t>
-            </a:r>
-            <a:r>
-              <a:rPr lang="zh-CN" altLang="en-US" sz="2000" dirty="0">
-                <a:latin typeface="华文行楷" panose="02010800040101010101" pitchFamily="2" charset="-122"/>
-                <a:ea typeface="华文行楷" panose="02010800040101010101" pitchFamily="2" charset="-122"/>
-              </a:rPr>
-              <a:t>：</a:t>
-            </a:r>
-            <a:r>
-              <a:rPr lang="en-US" altLang="zh-CN" sz="2000" dirty="0"/>
-              <a:t> </a:t>
-            </a:r>
-            <a:r>
-              <a:rPr lang="en-US" altLang="zh-CN" sz="2400" dirty="0" err="1">
-                <a:latin typeface="Forte" panose="03060902040502070203" pitchFamily="66" charset="0"/>
-              </a:rPr>
-              <a:t>Github</a:t>
-            </a:r>
-            <a:endParaRPr lang="zh-CN" altLang="en-US" sz="2400" dirty="0">
-              <a:latin typeface="Forte" panose="03060902040502070203" pitchFamily="66" charset="0"/>
-            </a:endParaRPr>
-          </a:p>
-          <a:p>
-            <a:endParaRPr lang="zh-CN" altLang="en-US" sz="1400" dirty="0">
-              <a:solidFill>
-                <a:srgbClr val="7030A0"/>
-              </a:solidFill>
-              <a:latin typeface="Forte" panose="03060902040502070203" pitchFamily="66" charset="0"/>
-            </a:endParaRPr>
-          </a:p>
-        </p:txBody>
-      </p:sp>
-      <p:sp>
-        <p:nvSpPr>
-          <p:cNvPr id="11" name="文本框 10">
-            <a:extLst>
-              <a:ext uri="{FF2B5EF4-FFF2-40B4-BE49-F238E27FC236}">
-                <a16:creationId xmlns:a16="http://schemas.microsoft.com/office/drawing/2014/main" id="{C2AA5A9C-2CDE-4016-BBE4-5D2251F1D311}"/>
-              </a:ext>
-            </a:extLst>
-          </p:cNvPr>
-          <p:cNvSpPr txBox="1"/>
-          <p:nvPr/>
-        </p:nvSpPr>
-        <p:spPr>
-          <a:xfrm>
-            <a:off x="266219" y="1658759"/>
-            <a:ext cx="5960962" cy="1015663"/>
-          </a:xfrm>
-          <a:prstGeom prst="rect">
-            <a:avLst/>
-          </a:prstGeom>
-          <a:noFill/>
-        </p:spPr>
-        <p:txBody>
-          <a:bodyPr wrap="square" rtlCol="0">
-            <a:spAutoFit/>
-          </a:bodyPr>
-          <a:lstStyle/>
-          <a:p>
-            <a:r>
-              <a:rPr lang="en-US" altLang="zh-CN" sz="1400" dirty="0">
-                <a:latin typeface="楷体" panose="02010609060101010101" pitchFamily="49" charset="-122"/>
-                <a:ea typeface="楷体" panose="02010609060101010101" pitchFamily="49" charset="-122"/>
-              </a:rPr>
-              <a:t>  </a:t>
-            </a:r>
-            <a:r>
-              <a:rPr lang="en-US" altLang="zh-CN" sz="2000" dirty="0"/>
-              <a:t>GitHub</a:t>
-            </a:r>
-            <a:r>
-              <a:rPr lang="zh-CN" altLang="en-US" sz="2000" dirty="0">
-                <a:latin typeface="楷体" panose="02010609060101010101" pitchFamily="49" charset="-122"/>
-                <a:ea typeface="楷体" panose="02010609060101010101" pitchFamily="49" charset="-122"/>
-              </a:rPr>
-              <a:t>是一个面向</a:t>
-            </a:r>
-            <a:r>
-              <a:rPr lang="zh-CN" altLang="en-US" sz="2000" dirty="0">
-                <a:solidFill>
-                  <a:srgbClr val="92D050"/>
-                </a:solidFill>
-                <a:latin typeface="楷体" panose="02010609060101010101" pitchFamily="49" charset="-122"/>
-                <a:ea typeface="楷体" panose="02010609060101010101" pitchFamily="49" charset="-122"/>
-                <a:hlinkClick r:id="rId3">
-                  <a:extLst>
-                    <a:ext uri="{A12FA001-AC4F-418D-AE19-62706E023703}">
-                      <ahyp:hlinkClr xmlns:ahyp="http://schemas.microsoft.com/office/drawing/2018/hyperlinkcolor" val="tx"/>
-                    </a:ext>
-                  </a:extLst>
-                </a:hlinkClick>
-              </a:rPr>
-              <a:t>开源</a:t>
-            </a:r>
-            <a:r>
-              <a:rPr lang="zh-CN" altLang="en-US" sz="2000" dirty="0">
-                <a:latin typeface="楷体" panose="02010609060101010101" pitchFamily="49" charset="-122"/>
-                <a:ea typeface="楷体" panose="02010609060101010101" pitchFamily="49" charset="-122"/>
-              </a:rPr>
-              <a:t>及私有</a:t>
-            </a:r>
-            <a:r>
-              <a:rPr lang="zh-CN" altLang="en-US" sz="2000" dirty="0">
-                <a:solidFill>
-                  <a:srgbClr val="92D050"/>
-                </a:solidFill>
-                <a:latin typeface="楷体" panose="02010609060101010101" pitchFamily="49" charset="-122"/>
-                <a:ea typeface="楷体" panose="02010609060101010101" pitchFamily="49" charset="-122"/>
-                <a:hlinkClick r:id="rId4">
-                  <a:extLst>
-                    <a:ext uri="{A12FA001-AC4F-418D-AE19-62706E023703}">
-                      <ahyp:hlinkClr xmlns:ahyp="http://schemas.microsoft.com/office/drawing/2018/hyperlinkcolor" val="tx"/>
-                    </a:ext>
-                  </a:extLst>
-                </a:hlinkClick>
-              </a:rPr>
-              <a:t>软件</a:t>
-            </a:r>
-            <a:r>
-              <a:rPr lang="zh-CN" altLang="en-US" sz="2000" dirty="0">
-                <a:latin typeface="楷体" panose="02010609060101010101" pitchFamily="49" charset="-122"/>
-                <a:ea typeface="楷体" panose="02010609060101010101" pitchFamily="49" charset="-122"/>
-              </a:rPr>
-              <a:t>项目的托管平台，因为只支持</a:t>
-            </a:r>
-            <a:r>
-              <a:rPr lang="en-US" altLang="zh-CN" sz="2000" dirty="0">
-                <a:latin typeface="楷体" panose="02010609060101010101" pitchFamily="49" charset="-122"/>
-                <a:ea typeface="楷体" panose="02010609060101010101" pitchFamily="49" charset="-122"/>
-              </a:rPr>
-              <a:t>Git</a:t>
-            </a:r>
-            <a:r>
-              <a:rPr lang="zh-CN" altLang="en-US" sz="2000" dirty="0">
-                <a:latin typeface="楷体" panose="02010609060101010101" pitchFamily="49" charset="-122"/>
-                <a:ea typeface="楷体" panose="02010609060101010101" pitchFamily="49" charset="-122"/>
-              </a:rPr>
-              <a:t>作为唯一的版本库格式进行托管，故名</a:t>
-            </a:r>
-            <a:r>
-              <a:rPr lang="en-US" altLang="zh-CN" sz="2000" dirty="0">
-                <a:latin typeface="楷体" panose="02010609060101010101" pitchFamily="49" charset="-122"/>
-                <a:ea typeface="楷体" panose="02010609060101010101" pitchFamily="49" charset="-122"/>
-              </a:rPr>
-              <a:t>GitHub</a:t>
-            </a:r>
-            <a:r>
-              <a:rPr lang="zh-CN" altLang="en-US" sz="2000" dirty="0">
-                <a:latin typeface="楷体" panose="02010609060101010101" pitchFamily="49" charset="-122"/>
-                <a:ea typeface="楷体" panose="02010609060101010101" pitchFamily="49" charset="-122"/>
-              </a:rPr>
-              <a:t>。</a:t>
-            </a:r>
-          </a:p>
-        </p:txBody>
-      </p:sp>
-      <p:sp>
-        <p:nvSpPr>
-          <p:cNvPr id="13" name="文本框 12">
-            <a:extLst>
-              <a:ext uri="{FF2B5EF4-FFF2-40B4-BE49-F238E27FC236}">
-                <a16:creationId xmlns:a16="http://schemas.microsoft.com/office/drawing/2014/main" id="{6D600D5F-21A1-4466-B89F-5479E1496003}"/>
-              </a:ext>
-            </a:extLst>
-          </p:cNvPr>
-          <p:cNvSpPr txBox="1"/>
-          <p:nvPr/>
-        </p:nvSpPr>
-        <p:spPr>
-          <a:xfrm>
-            <a:off x="418619" y="2803003"/>
-            <a:ext cx="3715472" cy="778397"/>
-          </a:xfrm>
-          <a:prstGeom prst="rect">
-            <a:avLst/>
-          </a:prstGeom>
-          <a:noFill/>
-        </p:spPr>
-        <p:txBody>
-          <a:bodyPr wrap="square" rtlCol="0">
-            <a:spAutoFit/>
-          </a:bodyPr>
-          <a:lstStyle/>
-          <a:p>
-            <a:endParaRPr lang="zh-CN" altLang="en-US"/>
-          </a:p>
-        </p:txBody>
-      </p:sp>
-      <p:sp>
-        <p:nvSpPr>
-          <p:cNvPr id="2" name="文本框 1">
-            <a:extLst>
-              <a:ext uri="{FF2B5EF4-FFF2-40B4-BE49-F238E27FC236}">
-                <a16:creationId xmlns:a16="http://schemas.microsoft.com/office/drawing/2014/main" id="{69C1EB54-D6C1-46EC-B353-3A1E4758CEAE}"/>
-              </a:ext>
-            </a:extLst>
-          </p:cNvPr>
-          <p:cNvSpPr txBox="1"/>
-          <p:nvPr/>
-        </p:nvSpPr>
-        <p:spPr>
-          <a:xfrm>
-            <a:off x="352631" y="2821133"/>
-            <a:ext cx="5588642" cy="461665"/>
-          </a:xfrm>
-          <a:prstGeom prst="rect">
-            <a:avLst/>
-          </a:prstGeom>
-          <a:noFill/>
-        </p:spPr>
-        <p:txBody>
-          <a:bodyPr wrap="square" rtlCol="0">
-            <a:spAutoFit/>
-          </a:bodyPr>
-          <a:lstStyle/>
-          <a:p>
-            <a:r>
-              <a:rPr lang="en-US" altLang="zh-CN" sz="2400" dirty="0">
-                <a:solidFill>
-                  <a:schemeClr val="bg1"/>
-                </a:solidFill>
-              </a:rPr>
-              <a:t>main </a:t>
-            </a:r>
-            <a:r>
-              <a:rPr lang="zh-CN" altLang="en-US" sz="2400" dirty="0">
-                <a:solidFill>
-                  <a:schemeClr val="bg1"/>
-                </a:solidFill>
-              </a:rPr>
-              <a:t>：</a:t>
-            </a:r>
-            <a:r>
-              <a:rPr lang="zh-CN" altLang="en-US" sz="2000" dirty="0">
-                <a:solidFill>
-                  <a:schemeClr val="bg1"/>
-                </a:solidFill>
-                <a:latin typeface="华文行楷" panose="02010800040101010101" pitchFamily="2" charset="-122"/>
-                <a:ea typeface="华文行楷" panose="02010800040101010101" pitchFamily="2" charset="-122"/>
-              </a:rPr>
-              <a:t>开发分支</a:t>
-            </a:r>
-          </a:p>
-        </p:txBody>
-      </p:sp>
-      <p:sp>
-        <p:nvSpPr>
-          <p:cNvPr id="3" name="文本框 2">
-            <a:extLst>
-              <a:ext uri="{FF2B5EF4-FFF2-40B4-BE49-F238E27FC236}">
-                <a16:creationId xmlns:a16="http://schemas.microsoft.com/office/drawing/2014/main" id="{E594342E-EC62-4B2A-A777-F47169DF9456}"/>
-              </a:ext>
-            </a:extLst>
-          </p:cNvPr>
-          <p:cNvSpPr txBox="1"/>
-          <p:nvPr/>
-        </p:nvSpPr>
-        <p:spPr>
-          <a:xfrm>
-            <a:off x="266219" y="3389556"/>
-            <a:ext cx="10347766" cy="400110"/>
-          </a:xfrm>
-          <a:prstGeom prst="rect">
-            <a:avLst/>
-          </a:prstGeom>
-          <a:noFill/>
-        </p:spPr>
-        <p:txBody>
-          <a:bodyPr wrap="square" rtlCol="0">
-            <a:spAutoFit/>
-          </a:bodyPr>
-          <a:lstStyle/>
-          <a:p>
-            <a:r>
-              <a:rPr lang="zh-CN" altLang="en-US" sz="2000" dirty="0">
-                <a:solidFill>
-                  <a:schemeClr val="bg1"/>
-                </a:solidFill>
-                <a:latin typeface="楷体" panose="02010609060101010101" pitchFamily="49" charset="-122"/>
-                <a:ea typeface="楷体" panose="02010609060101010101" pitchFamily="49" charset="-122"/>
-              </a:rPr>
-              <a:t>小组人员每天都需要拉取</a:t>
-            </a:r>
-            <a:r>
-              <a:rPr lang="en-US" altLang="zh-CN" sz="2000" dirty="0">
-                <a:solidFill>
-                  <a:schemeClr val="bg1"/>
-                </a:solidFill>
-                <a:latin typeface="楷体" panose="02010609060101010101" pitchFamily="49" charset="-122"/>
-                <a:ea typeface="楷体" panose="02010609060101010101" pitchFamily="49" charset="-122"/>
-              </a:rPr>
-              <a:t>/</a:t>
-            </a:r>
-            <a:r>
-              <a:rPr lang="zh-CN" altLang="en-US" sz="2000" dirty="0">
-                <a:solidFill>
-                  <a:schemeClr val="bg1"/>
-                </a:solidFill>
-                <a:latin typeface="楷体" panose="02010609060101010101" pitchFamily="49" charset="-122"/>
-                <a:ea typeface="楷体" panose="02010609060101010101" pitchFamily="49" charset="-122"/>
-              </a:rPr>
-              <a:t>提交最新代码的分支</a:t>
-            </a:r>
-            <a:r>
-              <a:rPr lang="en-US" altLang="zh-CN" sz="2000" dirty="0">
-                <a:solidFill>
-                  <a:schemeClr val="bg1"/>
-                </a:solidFill>
-                <a:latin typeface="楷体" panose="02010609060101010101" pitchFamily="49" charset="-122"/>
-                <a:ea typeface="楷体" panose="02010609060101010101" pitchFamily="49" charset="-122"/>
-              </a:rPr>
-              <a:t>.</a:t>
-            </a:r>
-            <a:endParaRPr lang="zh-CN" altLang="en-US" sz="2000" dirty="0">
-              <a:solidFill>
-                <a:schemeClr val="bg1"/>
-              </a:solidFill>
-              <a:latin typeface="楷体" panose="02010609060101010101" pitchFamily="49" charset="-122"/>
-              <a:ea typeface="楷体" panose="02010609060101010101" pitchFamily="49" charset="-122"/>
-            </a:endParaRPr>
-          </a:p>
-        </p:txBody>
-      </p:sp>
-      <p:sp>
-        <p:nvSpPr>
-          <p:cNvPr id="7" name="文本框 6">
-            <a:extLst>
-              <a:ext uri="{FF2B5EF4-FFF2-40B4-BE49-F238E27FC236}">
-                <a16:creationId xmlns:a16="http://schemas.microsoft.com/office/drawing/2014/main" id="{32DDABB9-7FFD-4015-A4F3-A75246A1F4BB}"/>
-              </a:ext>
-            </a:extLst>
-          </p:cNvPr>
-          <p:cNvSpPr txBox="1"/>
-          <p:nvPr/>
-        </p:nvSpPr>
-        <p:spPr>
-          <a:xfrm>
-            <a:off x="266219" y="3912776"/>
-            <a:ext cx="5436242" cy="461665"/>
-          </a:xfrm>
-          <a:prstGeom prst="rect">
-            <a:avLst/>
-          </a:prstGeom>
-          <a:noFill/>
-        </p:spPr>
-        <p:txBody>
-          <a:bodyPr wrap="square" rtlCol="0">
-            <a:spAutoFit/>
-          </a:bodyPr>
-          <a:lstStyle/>
-          <a:p>
-            <a:r>
-              <a:rPr lang="en-US" altLang="zh-CN" sz="2400" dirty="0">
-                <a:solidFill>
-                  <a:schemeClr val="bg1"/>
-                </a:solidFill>
-              </a:rPr>
-              <a:t>test </a:t>
-            </a:r>
-            <a:r>
-              <a:rPr lang="zh-CN" altLang="en-US" sz="2400" dirty="0">
-                <a:solidFill>
-                  <a:schemeClr val="bg1"/>
-                </a:solidFill>
-              </a:rPr>
-              <a:t>：</a:t>
-            </a:r>
-            <a:r>
-              <a:rPr lang="zh-CN" altLang="en-US" sz="2000" dirty="0">
-                <a:solidFill>
-                  <a:schemeClr val="bg1"/>
-                </a:solidFill>
-                <a:latin typeface="华文行楷" panose="02010800040101010101" pitchFamily="2" charset="-122"/>
-                <a:ea typeface="华文行楷" panose="02010800040101010101" pitchFamily="2" charset="-122"/>
-              </a:rPr>
-              <a:t>测试分支</a:t>
-            </a:r>
-          </a:p>
-        </p:txBody>
-      </p:sp>
-      <p:sp>
-        <p:nvSpPr>
-          <p:cNvPr id="12" name="文本框 11">
-            <a:extLst>
-              <a:ext uri="{FF2B5EF4-FFF2-40B4-BE49-F238E27FC236}">
-                <a16:creationId xmlns:a16="http://schemas.microsoft.com/office/drawing/2014/main" id="{4A22B654-8927-4039-84F8-60327DCD95E7}"/>
-              </a:ext>
-            </a:extLst>
-          </p:cNvPr>
-          <p:cNvSpPr txBox="1"/>
-          <p:nvPr/>
-        </p:nvSpPr>
-        <p:spPr>
-          <a:xfrm>
-            <a:off x="264167" y="4504800"/>
-            <a:ext cx="7093351" cy="400110"/>
-          </a:xfrm>
-          <a:prstGeom prst="rect">
-            <a:avLst/>
-          </a:prstGeom>
-          <a:noFill/>
-        </p:spPr>
-        <p:txBody>
-          <a:bodyPr wrap="square" rtlCol="0">
-            <a:spAutoFit/>
-          </a:bodyPr>
-          <a:lstStyle/>
-          <a:p>
-            <a:r>
-              <a:rPr lang="zh-CN" altLang="en-US" sz="2000" dirty="0">
-                <a:solidFill>
-                  <a:schemeClr val="bg1"/>
-                </a:solidFill>
-                <a:latin typeface="楷体" panose="02010609060101010101" pitchFamily="49" charset="-122"/>
-                <a:ea typeface="楷体" panose="02010609060101010101" pitchFamily="49" charset="-122"/>
-              </a:rPr>
-              <a:t>小组人员开发完并自测通过后，发布到测试环境的分支</a:t>
-            </a:r>
-          </a:p>
-        </p:txBody>
-      </p:sp>
-      <p:pic>
-        <p:nvPicPr>
-          <p:cNvPr id="8" name="图片 7">
-            <a:extLst>
-              <a:ext uri="{FF2B5EF4-FFF2-40B4-BE49-F238E27FC236}">
-                <a16:creationId xmlns:a16="http://schemas.microsoft.com/office/drawing/2014/main" id="{871F253D-15AC-4AB0-AE93-5BC4DE33A63C}"/>
-              </a:ext>
-            </a:extLst>
-          </p:cNvPr>
-          <p:cNvPicPr>
-            <a:picLocks noChangeAspect="1"/>
-          </p:cNvPicPr>
-          <p:nvPr/>
-        </p:nvPicPr>
-        <p:blipFill>
-          <a:blip r:embed="rId5">
-            <a:extLst>
-              <a:ext uri="{28A0092B-C50C-407E-A947-70E740481C1C}">
-                <a14:useLocalDpi xmlns:a14="http://schemas.microsoft.com/office/drawing/2010/main" val="0"/>
-              </a:ext>
-            </a:extLst>
-          </a:blip>
-          <a:stretch>
-            <a:fillRect/>
-          </a:stretch>
-        </p:blipFill>
-        <p:spPr>
-          <a:xfrm>
-            <a:off x="8514123" y="1344"/>
-            <a:ext cx="3677877" cy="693138"/>
-          </a:xfrm>
-          <a:prstGeom prst="rect">
-            <a:avLst/>
-          </a:prstGeom>
-        </p:spPr>
-      </p:pic>
-    </p:spTree>
-    <p:extLst>
-      <p:ext uri="{BB962C8B-B14F-4D97-AF65-F5344CB8AC3E}">
-        <p14:creationId xmlns:p14="http://schemas.microsoft.com/office/powerpoint/2010/main" val="2968220444"/>
-      </p:ext>
-    </p:extLst>
-  </p:cSld>
-  <p:clrMapOvr>
-    <a:masterClrMapping/>
-  </p:clrMapOvr>
-  <mc:AlternateContent xmlns:mc="http://schemas.openxmlformats.org/markup-compatibility/2006" xmlns:p14="http://schemas.microsoft.com/office/powerpoint/2010/main">
-    <mc:Choice Requires="p14">
-      <p:transition spd="slow" p14:dur="3400">
-        <p14:reveal/>
-      </p:transition>
-    </mc:Choice>
-    <mc:Fallback xmlns="">
-      <p:transition spd="slow">
-        <p:fade/>
-      </p:transition>
-    </mc:Fallback>
-  </mc:AlternateContent>
-</p:sld>
-</file>
-
-<file path=ppt/slides/slide5.xml><?xml version="1.0" encoding="utf-8"?>
-<p:sld xmlns:a="http://schemas.openxmlformats.org/drawingml/2006/main" xmlns:r="http://schemas.openxmlformats.org/officeDocument/2006/relationships" xmlns:p="http://schemas.openxmlformats.org/presentationml/2006/main">
-  <p:cSld>
-    <p:bg>
-      <p:bgPr>
-        <a:blipFill dpi="0" rotWithShape="1">
-          <a:blip r:embed="rId2">
+          <a:blip r:embed="rId1">
             <a:lum/>
           </a:blip>
           <a:srcRect/>
@@ -8216,13 +7222,7 @@
       </p:grpSpPr>
       <p:sp>
         <p:nvSpPr>
-          <p:cNvPr id="4" name="文本框 3">
-            <a:extLst>
-              <a:ext uri="{FF2B5EF4-FFF2-40B4-BE49-F238E27FC236}">
-                <a16:creationId xmlns:a16="http://schemas.microsoft.com/office/drawing/2014/main" id="{C4C56B70-3A31-4F6E-B075-A9D71553E719}"/>
-              </a:ext>
-            </a:extLst>
-          </p:cNvPr>
+          <p:cNvPr id="4" name="文本框 3"/>
           <p:cNvSpPr txBox="1"/>
           <p:nvPr/>
         </p:nvSpPr>
@@ -8252,6 +7252,13 @@
               </a:rPr>
               <a:t>大致流程</a:t>
             </a:r>
+            <a:endParaRPr lang="zh-CN" altLang="en-US" sz="2000" dirty="0">
+              <a:solidFill>
+                <a:srgbClr val="414950"/>
+              </a:solidFill>
+              <a:latin typeface="华文行楷" panose="02010800040101010101" pitchFamily="2" charset="-122"/>
+              <a:ea typeface="华文行楷" panose="02010800040101010101" pitchFamily="2" charset="-122"/>
+            </a:endParaRPr>
           </a:p>
           <a:p>
             <a:endParaRPr lang="zh-CN" altLang="en-US" dirty="0"/>
@@ -8260,13 +7267,7 @@
       </p:sp>
       <p:sp>
         <p:nvSpPr>
-          <p:cNvPr id="5" name="文本框 4">
-            <a:extLst>
-              <a:ext uri="{FF2B5EF4-FFF2-40B4-BE49-F238E27FC236}">
-                <a16:creationId xmlns:a16="http://schemas.microsoft.com/office/drawing/2014/main" id="{34088076-5B13-4F0E-90B6-AB4A3B1EB5A9}"/>
-              </a:ext>
-            </a:extLst>
-          </p:cNvPr>
+          <p:cNvPr id="5" name="文本框 4"/>
           <p:cNvSpPr txBox="1"/>
           <p:nvPr/>
         </p:nvSpPr>
@@ -8312,13 +7313,7 @@
       </p:sp>
       <p:sp>
         <p:nvSpPr>
-          <p:cNvPr id="6" name="文本框 5">
-            <a:extLst>
-              <a:ext uri="{FF2B5EF4-FFF2-40B4-BE49-F238E27FC236}">
-                <a16:creationId xmlns:a16="http://schemas.microsoft.com/office/drawing/2014/main" id="{47F5A8BD-0EE1-443C-8B66-80B42E9DA50C}"/>
-              </a:ext>
-            </a:extLst>
-          </p:cNvPr>
+          <p:cNvPr id="6" name="文本框 5"/>
           <p:cNvSpPr txBox="1"/>
           <p:nvPr/>
         </p:nvSpPr>
@@ -8350,18 +7345,13 @@
               <a:rPr lang="zh-CN" altLang="en-US" dirty="0"/>
               <a:t>分支，并发布到测试环境，交由组长测试</a:t>
             </a:r>
-          </a:p>
-        </p:txBody>
-      </p:sp>
-      <p:sp>
-        <p:nvSpPr>
-          <p:cNvPr id="7" name="文本框 6">
-            <a:extLst>
-              <a:ext uri="{FF2B5EF4-FFF2-40B4-BE49-F238E27FC236}">
-                <a16:creationId xmlns:a16="http://schemas.microsoft.com/office/drawing/2014/main" id="{7977AE7C-B45D-46DC-A1DD-36F244C8C7BE}"/>
-              </a:ext>
-            </a:extLst>
-          </p:cNvPr>
+            <a:endParaRPr lang="zh-CN" altLang="en-US" dirty="0"/>
+          </a:p>
+        </p:txBody>
+      </p:sp>
+      <p:sp>
+        <p:nvSpPr>
+          <p:cNvPr id="7" name="文本框 6"/>
           <p:cNvSpPr txBox="1"/>
           <p:nvPr/>
         </p:nvSpPr>
@@ -8385,18 +7375,13 @@
               <a:rPr lang="zh-CN" altLang="en-US" dirty="0"/>
               <a:t> 如果线上分支出现 bug，这时开发者应该基于预发布（没有预发布环境就用 master 分支），新建一个 bug 分支用来临时解决 bug，处理完成后申请合并到预发布分支（好处是不会影响正在开发中的功能）</a:t>
             </a:r>
-          </a:p>
-        </p:txBody>
-      </p:sp>
-      <p:sp>
-        <p:nvSpPr>
-          <p:cNvPr id="8" name="文本框 7">
-            <a:extLst>
-              <a:ext uri="{FF2B5EF4-FFF2-40B4-BE49-F238E27FC236}">
-                <a16:creationId xmlns:a16="http://schemas.microsoft.com/office/drawing/2014/main" id="{AF52DA9D-E027-4E34-94B0-E7C183AAC180}"/>
-              </a:ext>
-            </a:extLst>
-          </p:cNvPr>
+            <a:endParaRPr lang="zh-CN" altLang="en-US" dirty="0"/>
+          </a:p>
+        </p:txBody>
+      </p:sp>
+      <p:sp>
+        <p:nvSpPr>
+          <p:cNvPr id="8" name="文本框 7"/>
           <p:cNvSpPr txBox="1"/>
           <p:nvPr/>
         </p:nvSpPr>
@@ -8536,20 +7521,14 @@
       </p:sp>
       <p:pic>
         <p:nvPicPr>
-          <p:cNvPr id="10" name="图片 9">
-            <a:extLst>
-              <a:ext uri="{FF2B5EF4-FFF2-40B4-BE49-F238E27FC236}">
-                <a16:creationId xmlns:a16="http://schemas.microsoft.com/office/drawing/2014/main" id="{7C4EB8AA-864B-49C9-A5B9-F10BA38A23AD}"/>
-              </a:ext>
-            </a:extLst>
-          </p:cNvPr>
+          <p:cNvPr id="10" name="图片 9"/>
           <p:cNvPicPr>
             <a:picLocks noChangeAspect="1"/>
           </p:cNvPicPr>
           <p:nvPr/>
         </p:nvPicPr>
         <p:blipFill>
-          <a:blip r:embed="rId3">
+          <a:blip r:embed="rId2">
             <a:extLst>
               <a:ext uri="{28A0092B-C50C-407E-A947-70E740481C1C}">
                 <a14:useLocalDpi xmlns:a14="http://schemas.microsoft.com/office/drawing/2010/main" val="0"/>
@@ -8571,11 +7550,6 @@
         </p:spPr>
       </p:pic>
     </p:spTree>
-    <p:extLst>
-      <p:ext uri="{BB962C8B-B14F-4D97-AF65-F5344CB8AC3E}">
-        <p14:creationId xmlns:p14="http://schemas.microsoft.com/office/powerpoint/2010/main" val="3079262641"/>
-      </p:ext>
-    </p:extLst>
   </p:cSld>
   <p:clrMapOvr>
     <a:masterClrMapping/>
@@ -8583,13 +7557,13 @@
 </p:sld>
 </file>
 
-<file path=ppt/slides/slide6.xml><?xml version="1.0" encoding="utf-8"?>
+<file path=ppt/slides/slide5.xml><?xml version="1.0" encoding="utf-8"?>
 <p:sld xmlns:a="http://schemas.openxmlformats.org/drawingml/2006/main" xmlns:r="http://schemas.openxmlformats.org/officeDocument/2006/relationships" xmlns:p="http://schemas.openxmlformats.org/presentationml/2006/main">
   <p:cSld>
     <p:bg>
       <p:bgPr>
         <a:blipFill dpi="0" rotWithShape="1">
-          <a:blip r:embed="rId2">
+          <a:blip r:embed="rId1">
             <a:lum/>
           </a:blip>
           <a:srcRect/>
@@ -8656,6 +7630,7 @@
               <a:rPr lang="zh-CN" altLang="en-US" sz="2800"/>
               <a:t>文件服务器的功能替代</a:t>
             </a:r>
+            <a:endParaRPr lang="zh-CN" altLang="en-US" sz="2800"/>
           </a:p>
         </p:txBody>
       </p:sp>
@@ -8691,6 +7666,13 @@
               </a:rPr>
               <a:t>项目准备</a:t>
             </a:r>
+            <a:endParaRPr lang="zh-CN" altLang="en-US" sz="2800">
+              <a:solidFill>
+                <a:srgbClr val="3B4042"/>
+              </a:solidFill>
+              <a:latin typeface="华文行楷" panose="02010800040101010101" pitchFamily="2" charset="-122"/>
+              <a:ea typeface="华文行楷" panose="02010800040101010101" pitchFamily="2" charset="-122"/>
+            </a:endParaRPr>
           </a:p>
         </p:txBody>
       </p:sp>
@@ -8703,7 +7685,7 @@
           <p:nvPr/>
         </p:nvPicPr>
         <p:blipFill>
-          <a:blip r:embed="rId3" cstate="print">
+          <a:blip r:embed="rId2" cstate="print">
             <a:extLst>
               <a:ext uri="{28A0092B-C50C-407E-A947-70E740481C1C}">
                 <a14:useLocalDpi xmlns:a14="http://schemas.microsoft.com/office/drawing/2010/main" val="0"/>
@@ -8726,20 +7708,14 @@
       </p:pic>
       <p:pic>
         <p:nvPicPr>
-          <p:cNvPr id="3" name="图片 2">
-            <a:extLst>
-              <a:ext uri="{FF2B5EF4-FFF2-40B4-BE49-F238E27FC236}">
-                <a16:creationId xmlns:a16="http://schemas.microsoft.com/office/drawing/2014/main" id="{DA5B100C-3D58-427B-ABFB-4D082BB396D5}"/>
-              </a:ext>
-            </a:extLst>
-          </p:cNvPr>
+          <p:cNvPr id="3" name="图片 2"/>
           <p:cNvPicPr>
             <a:picLocks noChangeAspect="1"/>
           </p:cNvPicPr>
           <p:nvPr/>
         </p:nvPicPr>
         <p:blipFill>
-          <a:blip r:embed="rId4">
+          <a:blip r:embed="rId3">
             <a:extLst>
               <a:ext uri="{28A0092B-C50C-407E-A947-70E740481C1C}">
                 <a14:useLocalDpi xmlns:a14="http://schemas.microsoft.com/office/drawing/2010/main" val="0"/>
@@ -8761,11 +7737,6 @@
         </p:spPr>
       </p:pic>
     </p:spTree>
-    <p:extLst>
-      <p:ext uri="{BB962C8B-B14F-4D97-AF65-F5344CB8AC3E}">
-        <p14:creationId xmlns:p14="http://schemas.microsoft.com/office/powerpoint/2010/main" val="110628895"/>
-      </p:ext>
-    </p:extLst>
   </p:cSld>
   <p:clrMapOvr>
     <a:masterClrMapping/>
@@ -8773,13 +7744,13 @@
 </p:sld>
 </file>
 
-<file path=ppt/slides/slide7.xml><?xml version="1.0" encoding="utf-8"?>
+<file path=ppt/slides/slide6.xml><?xml version="1.0" encoding="utf-8"?>
 <p:sld xmlns:a="http://schemas.openxmlformats.org/drawingml/2006/main" xmlns:r="http://schemas.openxmlformats.org/officeDocument/2006/relationships" xmlns:p="http://schemas.openxmlformats.org/presentationml/2006/main">
   <p:cSld>
     <p:bg>
       <p:bgPr>
         <a:blipFill dpi="0" rotWithShape="1">
-          <a:blip r:embed="rId2">
+          <a:blip r:embed="rId1">
             <a:lum/>
           </a:blip>
           <a:srcRect/>
@@ -8806,13 +7777,7 @@
       </p:grpSpPr>
       <p:sp>
         <p:nvSpPr>
-          <p:cNvPr id="4" name="文本框 3">
-            <a:extLst>
-              <a:ext uri="{FF2B5EF4-FFF2-40B4-BE49-F238E27FC236}">
-                <a16:creationId xmlns:a16="http://schemas.microsoft.com/office/drawing/2014/main" id="{7B2D93F9-05B7-4D2B-B9F3-0B410EF6A4EC}"/>
-              </a:ext>
-            </a:extLst>
-          </p:cNvPr>
+          <p:cNvPr id="4" name="文本框 3"/>
           <p:cNvSpPr txBox="1"/>
           <p:nvPr/>
         </p:nvSpPr>
@@ -8842,25 +7807,26 @@
               </a:rPr>
               <a:t>项   目   演   示</a:t>
             </a:r>
+            <a:endParaRPr lang="zh-CN" altLang="en-US" sz="4800" dirty="0">
+              <a:solidFill>
+                <a:schemeClr val="bg1"/>
+              </a:solidFill>
+              <a:latin typeface="华文行楷" panose="02010800040101010101" pitchFamily="2" charset="-122"/>
+              <a:ea typeface="华文行楷" panose="02010800040101010101" pitchFamily="2" charset="-122"/>
+            </a:endParaRPr>
           </a:p>
         </p:txBody>
       </p:sp>
       <p:pic>
         <p:nvPicPr>
-          <p:cNvPr id="3" name="图片 2">
-            <a:extLst>
-              <a:ext uri="{FF2B5EF4-FFF2-40B4-BE49-F238E27FC236}">
-                <a16:creationId xmlns:a16="http://schemas.microsoft.com/office/drawing/2014/main" id="{32EBC82C-F1BF-4BA4-98E3-D8F54ABD3AE7}"/>
-              </a:ext>
-            </a:extLst>
-          </p:cNvPr>
+          <p:cNvPr id="3" name="图片 2"/>
           <p:cNvPicPr>
             <a:picLocks noChangeAspect="1"/>
           </p:cNvPicPr>
           <p:nvPr/>
         </p:nvPicPr>
         <p:blipFill>
-          <a:blip r:embed="rId3">
+          <a:blip r:embed="rId2">
             <a:extLst>
               <a:ext uri="{28A0092B-C50C-407E-A947-70E740481C1C}">
                 <a14:useLocalDpi xmlns:a14="http://schemas.microsoft.com/office/drawing/2010/main" val="0"/>
@@ -8882,22 +7848,17 @@
         </p:spPr>
       </p:pic>
     </p:spTree>
-    <p:extLst>
-      <p:ext uri="{BB962C8B-B14F-4D97-AF65-F5344CB8AC3E}">
-        <p14:creationId xmlns:p14="http://schemas.microsoft.com/office/powerpoint/2010/main" val="2048618688"/>
-      </p:ext>
-    </p:extLst>
   </p:cSld>
   <p:clrMapOvr>
     <a:masterClrMapping/>
   </p:clrMapOvr>
-  <mc:AlternateContent xmlns:mc="http://schemas.openxmlformats.org/markup-compatibility/2006" xmlns:p14="http://schemas.microsoft.com/office/powerpoint/2010/main">
-    <mc:Choice Requires="p14">
+  <mc:AlternateContent xmlns:mc="http://schemas.openxmlformats.org/markup-compatibility/2006">
+    <mc:Choice xmlns:p14="http://schemas.microsoft.com/office/powerpoint/2010/main" Requires="p14">
       <p:transition spd="slow" p14:dur="3400">
         <p14:reveal/>
       </p:transition>
     </mc:Choice>
-    <mc:Fallback xmlns="">
+    <mc:Fallback>
       <p:transition spd="slow">
         <p:fade/>
       </p:transition>
@@ -8906,13 +7867,13 @@
 </p:sld>
 </file>
 
-<file path=ppt/slides/slide8.xml><?xml version="1.0" encoding="utf-8"?>
+<file path=ppt/slides/slide7.xml><?xml version="1.0" encoding="utf-8"?>
 <p:sld xmlns:a="http://schemas.openxmlformats.org/drawingml/2006/main" xmlns:r="http://schemas.openxmlformats.org/officeDocument/2006/relationships" xmlns:p="http://schemas.openxmlformats.org/presentationml/2006/main">
   <p:cSld>
     <p:bg>
       <p:bgPr>
         <a:blipFill dpi="0" rotWithShape="1">
-          <a:blip r:embed="rId2">
+          <a:blip r:embed="rId1">
             <a:lum/>
           </a:blip>
           <a:srcRect/>
@@ -8946,6 +7907,414 @@
           <p:nvPr/>
         </p:nvPicPr>
         <p:blipFill>
+          <a:blip r:embed="rId2">
+            <a:extLst>
+              <a:ext uri="{28A0092B-C50C-407E-A947-70E740481C1C}">
+                <a14:useLocalDpi xmlns:a14="http://schemas.microsoft.com/office/drawing/2010/main" val="0"/>
+              </a:ext>
+            </a:extLst>
+          </a:blip>
+          <a:stretch>
+            <a:fillRect/>
+          </a:stretch>
+        </p:blipFill>
+        <p:spPr>
+          <a:xfrm>
+            <a:off x="3337039" y="4954891"/>
+            <a:ext cx="7184349" cy="1514686"/>
+          </a:xfrm>
+          <a:prstGeom prst="rect">
+            <a:avLst/>
+          </a:prstGeom>
+        </p:spPr>
+      </p:pic>
+      <p:sp>
+        <p:nvSpPr>
+          <p:cNvPr id="10" name="文本框 9"/>
+          <p:cNvSpPr txBox="1"/>
+          <p:nvPr/>
+        </p:nvSpPr>
+        <p:spPr>
+          <a:xfrm>
+            <a:off x="381966" y="457941"/>
+            <a:ext cx="7511970" cy="461665"/>
+          </a:xfrm>
+          <a:prstGeom prst="rect">
+            <a:avLst/>
+          </a:prstGeom>
+          <a:noFill/>
+        </p:spPr>
+        <p:txBody>
+          <a:bodyPr wrap="square" rtlCol="0">
+            <a:spAutoFit/>
+          </a:bodyPr>
+          <a:lstStyle/>
+          <a:p>
+            <a:r>
+              <a:rPr lang="zh-CN" altLang="en-US" sz="2400">
+                <a:solidFill>
+                  <a:schemeClr val="bg1"/>
+                </a:solidFill>
+              </a:rPr>
+              <a:t>本次答辩项目引用开源项目 </a:t>
+            </a:r>
+            <a:r>
+              <a:rPr lang="en-US" altLang="zh-CN" sz="2400">
+                <a:solidFill>
+                  <a:schemeClr val="bg1"/>
+                </a:solidFill>
+              </a:rPr>
+              <a:t>WEB SSH</a:t>
+            </a:r>
+            <a:endParaRPr lang="zh-CN" altLang="en-US" sz="2400">
+              <a:solidFill>
+                <a:schemeClr val="bg1"/>
+              </a:solidFill>
+            </a:endParaRPr>
+          </a:p>
+        </p:txBody>
+      </p:sp>
+      <p:sp>
+        <p:nvSpPr>
+          <p:cNvPr id="11" name="文本框 10"/>
+          <p:cNvSpPr txBox="1"/>
+          <p:nvPr/>
+        </p:nvSpPr>
+        <p:spPr>
+          <a:xfrm>
+            <a:off x="381966" y="1110586"/>
+            <a:ext cx="7131444" cy="461665"/>
+          </a:xfrm>
+          <a:prstGeom prst="rect">
+            <a:avLst/>
+          </a:prstGeom>
+          <a:noFill/>
+        </p:spPr>
+        <p:txBody>
+          <a:bodyPr wrap="square" rtlCol="0">
+            <a:spAutoFit/>
+          </a:bodyPr>
+          <a:lstStyle/>
+          <a:p>
+            <a:r>
+              <a:rPr lang="en-US" altLang="zh-CN" sz="2400">
+                <a:solidFill>
+                  <a:schemeClr val="bg1"/>
+                </a:solidFill>
+              </a:rPr>
+              <a:t>Web</a:t>
+            </a:r>
+            <a:r>
+              <a:rPr lang="zh-CN" altLang="en-US" sz="2400">
+                <a:solidFill>
+                  <a:schemeClr val="bg1"/>
+                </a:solidFill>
+              </a:rPr>
+              <a:t>实现终端模拟器的原理很简单：</a:t>
+            </a:r>
+            <a:endParaRPr lang="zh-CN" altLang="en-US" sz="2400">
+              <a:solidFill>
+                <a:schemeClr val="bg1"/>
+              </a:solidFill>
+            </a:endParaRPr>
+          </a:p>
+        </p:txBody>
+      </p:sp>
+      <p:sp>
+        <p:nvSpPr>
+          <p:cNvPr id="12" name="文本框 11"/>
+          <p:cNvSpPr txBox="1"/>
+          <p:nvPr/>
+        </p:nvSpPr>
+        <p:spPr>
+          <a:xfrm>
+            <a:off x="7280482" y="-3725"/>
+            <a:ext cx="1551008" cy="461665"/>
+          </a:xfrm>
+          <a:prstGeom prst="rect">
+            <a:avLst/>
+          </a:prstGeom>
+          <a:noFill/>
+        </p:spPr>
+        <p:txBody>
+          <a:bodyPr wrap="square" rtlCol="0">
+            <a:spAutoFit/>
+          </a:bodyPr>
+          <a:lstStyle/>
+          <a:p>
+            <a:r>
+              <a:rPr lang="zh-CN" altLang="en-US" sz="2400">
+                <a:solidFill>
+                  <a:schemeClr val="bg1"/>
+                </a:solidFill>
+                <a:latin typeface="华文行楷" panose="02010800040101010101" pitchFamily="2" charset="-122"/>
+                <a:ea typeface="华文行楷" panose="02010800040101010101" pitchFamily="2" charset="-122"/>
+              </a:rPr>
+              <a:t>开源项目</a:t>
+            </a:r>
+            <a:endParaRPr lang="zh-CN" altLang="en-US" sz="2400"/>
+          </a:p>
+        </p:txBody>
+      </p:sp>
+      <p:sp>
+        <p:nvSpPr>
+          <p:cNvPr id="13" name="文本框 12"/>
+          <p:cNvSpPr txBox="1"/>
+          <p:nvPr/>
+        </p:nvSpPr>
+        <p:spPr>
+          <a:xfrm>
+            <a:off x="313237" y="2028227"/>
+            <a:ext cx="7268901" cy="646331"/>
+          </a:xfrm>
+          <a:prstGeom prst="rect">
+            <a:avLst/>
+          </a:prstGeom>
+          <a:noFill/>
+        </p:spPr>
+        <p:txBody>
+          <a:bodyPr wrap="square" rtlCol="0">
+            <a:spAutoFit/>
+          </a:bodyPr>
+          <a:lstStyle/>
+          <a:p>
+            <a:r>
+              <a:rPr lang="zh-CN" altLang="en-US">
+                <a:solidFill>
+                  <a:schemeClr val="bg1"/>
+                </a:solidFill>
+              </a:rPr>
+              <a:t>后台跑一个</a:t>
+            </a:r>
+            <a:r>
+              <a:rPr lang="en-US" altLang="zh-CN">
+                <a:solidFill>
+                  <a:schemeClr val="bg1"/>
+                </a:solidFill>
+              </a:rPr>
+              <a:t>tty</a:t>
+            </a:r>
+            <a:r>
+              <a:rPr lang="zh-CN" altLang="en-US">
+                <a:solidFill>
+                  <a:schemeClr val="bg1"/>
+                </a:solidFill>
+              </a:rPr>
+              <a:t>的守护进程，用于处理终端逻辑，可以用任何语言来跑这个守护进程，比如</a:t>
+            </a:r>
+            <a:r>
+              <a:rPr lang="en-US" altLang="zh-CN">
+                <a:solidFill>
+                  <a:schemeClr val="bg1"/>
+                </a:solidFill>
+              </a:rPr>
+              <a:t>python, golang, node, rust;</a:t>
+            </a:r>
+            <a:endParaRPr lang="zh-CN" altLang="en-US">
+              <a:solidFill>
+                <a:schemeClr val="bg1"/>
+              </a:solidFill>
+            </a:endParaRPr>
+          </a:p>
+        </p:txBody>
+      </p:sp>
+      <p:sp>
+        <p:nvSpPr>
+          <p:cNvPr id="14" name="文本框 13"/>
+          <p:cNvSpPr txBox="1"/>
+          <p:nvPr/>
+        </p:nvSpPr>
+        <p:spPr>
+          <a:xfrm>
+            <a:off x="244509" y="3046309"/>
+            <a:ext cx="7131445" cy="646331"/>
+          </a:xfrm>
+          <a:prstGeom prst="rect">
+            <a:avLst/>
+          </a:prstGeom>
+          <a:noFill/>
+        </p:spPr>
+        <p:txBody>
+          <a:bodyPr wrap="square" rtlCol="0">
+            <a:spAutoFit/>
+          </a:bodyPr>
+          <a:lstStyle/>
+          <a:p>
+            <a:r>
+              <a:rPr lang="zh-CN" altLang="en-US">
+                <a:solidFill>
+                  <a:schemeClr val="bg1"/>
+                </a:solidFill>
+              </a:rPr>
+              <a:t>通过</a:t>
+            </a:r>
+            <a:r>
+              <a:rPr lang="en-US" altLang="zh-CN">
+                <a:solidFill>
+                  <a:schemeClr val="bg1"/>
+                </a:solidFill>
+              </a:rPr>
+              <a:t>WebSocket</a:t>
+            </a:r>
+            <a:r>
+              <a:rPr lang="zh-CN" altLang="en-US">
+                <a:solidFill>
+                  <a:schemeClr val="bg1"/>
+                </a:solidFill>
+              </a:rPr>
+              <a:t>把</a:t>
+            </a:r>
+            <a:r>
+              <a:rPr lang="en-US" altLang="zh-CN">
+                <a:solidFill>
+                  <a:schemeClr val="bg1"/>
+                </a:solidFill>
+              </a:rPr>
+              <a:t>tty</a:t>
+            </a:r>
+            <a:r>
+              <a:rPr lang="zh-CN" altLang="en-US">
+                <a:solidFill>
+                  <a:schemeClr val="bg1"/>
+                </a:solidFill>
+              </a:rPr>
+              <a:t>的所有输出传递给浏览器</a:t>
+            </a:r>
+            <a:r>
+              <a:rPr lang="en-US" altLang="zh-CN">
+                <a:solidFill>
+                  <a:schemeClr val="bg1"/>
+                </a:solidFill>
+              </a:rPr>
+              <a:t>, </a:t>
+            </a:r>
+            <a:r>
+              <a:rPr lang="zh-CN" altLang="en-US">
+                <a:solidFill>
+                  <a:schemeClr val="bg1"/>
+                </a:solidFill>
+              </a:rPr>
+              <a:t>浏览器可以用</a:t>
+            </a:r>
+            <a:r>
+              <a:rPr lang="en-US" altLang="zh-CN">
+                <a:solidFill>
+                  <a:schemeClr val="bg1"/>
+                </a:solidFill>
+              </a:rPr>
+              <a:t>xterm.js</a:t>
+            </a:r>
+            <a:r>
+              <a:rPr lang="zh-CN" altLang="en-US">
+                <a:solidFill>
+                  <a:schemeClr val="bg1"/>
+                </a:solidFill>
+              </a:rPr>
+              <a:t>来渲染终端的字符序列</a:t>
+            </a:r>
+            <a:r>
+              <a:rPr lang="en-US" altLang="zh-CN">
+                <a:solidFill>
+                  <a:schemeClr val="bg1"/>
+                </a:solidFill>
+              </a:rPr>
+              <a:t>;</a:t>
+            </a:r>
+            <a:endParaRPr lang="zh-CN" altLang="en-US">
+              <a:solidFill>
+                <a:schemeClr val="bg1"/>
+              </a:solidFill>
+            </a:endParaRPr>
+          </a:p>
+        </p:txBody>
+      </p:sp>
+      <p:sp>
+        <p:nvSpPr>
+          <p:cNvPr id="15" name="文本框 14"/>
+          <p:cNvSpPr txBox="1"/>
+          <p:nvPr/>
+        </p:nvSpPr>
+        <p:spPr>
+          <a:xfrm>
+            <a:off x="313237" y="4000600"/>
+            <a:ext cx="6993989" cy="646331"/>
+          </a:xfrm>
+          <a:prstGeom prst="rect">
+            <a:avLst/>
+          </a:prstGeom>
+          <a:noFill/>
+        </p:spPr>
+        <p:txBody>
+          <a:bodyPr wrap="square" rtlCol="0">
+            <a:spAutoFit/>
+          </a:bodyPr>
+          <a:lstStyle/>
+          <a:p>
+            <a:r>
+              <a:rPr lang="en-US" altLang="zh-CN">
+                <a:solidFill>
+                  <a:schemeClr val="bg1"/>
+                </a:solidFill>
+              </a:rPr>
+              <a:t>xterm.js</a:t>
+            </a:r>
+            <a:r>
+              <a:rPr lang="zh-CN" altLang="en-US">
+                <a:solidFill>
+                  <a:schemeClr val="bg1"/>
+                </a:solidFill>
+              </a:rPr>
+              <a:t>接受用户事件通过</a:t>
+            </a:r>
+            <a:r>
+              <a:rPr lang="en-US" altLang="zh-CN">
+                <a:solidFill>
+                  <a:schemeClr val="bg1"/>
+                </a:solidFill>
+              </a:rPr>
+              <a:t>WebSocket</a:t>
+            </a:r>
+            <a:r>
+              <a:rPr lang="zh-CN" altLang="en-US">
+                <a:solidFill>
+                  <a:schemeClr val="bg1"/>
+                </a:solidFill>
+              </a:rPr>
+              <a:t>传递给后台的</a:t>
+            </a:r>
+            <a:r>
+              <a:rPr lang="en-US" altLang="zh-CN">
+                <a:solidFill>
+                  <a:schemeClr val="bg1"/>
+                </a:solidFill>
+              </a:rPr>
+              <a:t>tty</a:t>
+            </a:r>
+            <a:r>
+              <a:rPr lang="zh-CN" altLang="en-US">
+                <a:solidFill>
+                  <a:schemeClr val="bg1"/>
+                </a:solidFill>
+              </a:rPr>
+              <a:t>程序，完成整个终端模拟器的逻辑流程。</a:t>
+            </a:r>
+            <a:endParaRPr lang="zh-CN" altLang="en-US">
+              <a:solidFill>
+                <a:schemeClr val="bg1"/>
+              </a:solidFill>
+            </a:endParaRPr>
+          </a:p>
+        </p:txBody>
+      </p:sp>
+      <p:pic>
+        <p:nvPicPr>
+          <p:cNvPr id="3" name="图片 2"/>
+          <p:cNvPicPr>
+            <a:picLocks noChangeAspect="1"/>
+          </p:cNvPicPr>
+          <p:nvPr/>
+        </p:nvPicPr>
+        <p:blipFill>
           <a:blip r:embed="rId3">
             <a:extLst>
               <a:ext uri="{28A0092B-C50C-407E-A947-70E740481C1C}">
@@ -8959,410 +8328,6 @@
         </p:blipFill>
         <p:spPr>
           <a:xfrm>
-            <a:off x="3337039" y="4954891"/>
-            <a:ext cx="7184349" cy="1514686"/>
-          </a:xfrm>
-          <a:prstGeom prst="rect">
-            <a:avLst/>
-          </a:prstGeom>
-        </p:spPr>
-      </p:pic>
-      <p:sp>
-        <p:nvSpPr>
-          <p:cNvPr id="10" name="文本框 9"/>
-          <p:cNvSpPr txBox="1"/>
-          <p:nvPr/>
-        </p:nvSpPr>
-        <p:spPr>
-          <a:xfrm>
-            <a:off x="381966" y="457941"/>
-            <a:ext cx="7511970" cy="461665"/>
-          </a:xfrm>
-          <a:prstGeom prst="rect">
-            <a:avLst/>
-          </a:prstGeom>
-          <a:noFill/>
-        </p:spPr>
-        <p:txBody>
-          <a:bodyPr wrap="square" rtlCol="0">
-            <a:spAutoFit/>
-          </a:bodyPr>
-          <a:lstStyle/>
-          <a:p>
-            <a:r>
-              <a:rPr lang="zh-CN" altLang="en-US" sz="2400">
-                <a:solidFill>
-                  <a:schemeClr val="bg1"/>
-                </a:solidFill>
-              </a:rPr>
-              <a:t>本次答辩项目引用开源项目 </a:t>
-            </a:r>
-            <a:r>
-              <a:rPr lang="en-US" altLang="zh-CN" sz="2400">
-                <a:solidFill>
-                  <a:schemeClr val="bg1"/>
-                </a:solidFill>
-              </a:rPr>
-              <a:t>WEB SSH</a:t>
-            </a:r>
-            <a:endParaRPr lang="zh-CN" altLang="en-US" sz="2400">
-              <a:solidFill>
-                <a:schemeClr val="bg1"/>
-              </a:solidFill>
-            </a:endParaRPr>
-          </a:p>
-        </p:txBody>
-      </p:sp>
-      <p:sp>
-        <p:nvSpPr>
-          <p:cNvPr id="11" name="文本框 10"/>
-          <p:cNvSpPr txBox="1"/>
-          <p:nvPr/>
-        </p:nvSpPr>
-        <p:spPr>
-          <a:xfrm>
-            <a:off x="381966" y="1110586"/>
-            <a:ext cx="7131444" cy="461665"/>
-          </a:xfrm>
-          <a:prstGeom prst="rect">
-            <a:avLst/>
-          </a:prstGeom>
-          <a:noFill/>
-        </p:spPr>
-        <p:txBody>
-          <a:bodyPr wrap="square" rtlCol="0">
-            <a:spAutoFit/>
-          </a:bodyPr>
-          <a:lstStyle/>
-          <a:p>
-            <a:r>
-              <a:rPr lang="en-US" altLang="zh-CN" sz="2400">
-                <a:solidFill>
-                  <a:schemeClr val="bg1"/>
-                </a:solidFill>
-              </a:rPr>
-              <a:t>Web</a:t>
-            </a:r>
-            <a:r>
-              <a:rPr lang="zh-CN" altLang="en-US" sz="2400">
-                <a:solidFill>
-                  <a:schemeClr val="bg1"/>
-                </a:solidFill>
-              </a:rPr>
-              <a:t>实现终端模拟器的原理很简单：</a:t>
-            </a:r>
-          </a:p>
-        </p:txBody>
-      </p:sp>
-      <p:sp>
-        <p:nvSpPr>
-          <p:cNvPr id="12" name="文本框 11"/>
-          <p:cNvSpPr txBox="1"/>
-          <p:nvPr/>
-        </p:nvSpPr>
-        <p:spPr>
-          <a:xfrm>
-            <a:off x="7280482" y="-3725"/>
-            <a:ext cx="1551008" cy="461665"/>
-          </a:xfrm>
-          <a:prstGeom prst="rect">
-            <a:avLst/>
-          </a:prstGeom>
-          <a:noFill/>
-        </p:spPr>
-        <p:txBody>
-          <a:bodyPr wrap="square" rtlCol="0">
-            <a:spAutoFit/>
-          </a:bodyPr>
-          <a:lstStyle/>
-          <a:p>
-            <a:r>
-              <a:rPr lang="zh-CN" altLang="en-US" sz="2400">
-                <a:solidFill>
-                  <a:schemeClr val="bg1"/>
-                </a:solidFill>
-                <a:latin typeface="华文行楷" panose="02010800040101010101" pitchFamily="2" charset="-122"/>
-                <a:ea typeface="华文行楷" panose="02010800040101010101" pitchFamily="2" charset="-122"/>
-              </a:rPr>
-              <a:t>开源项目</a:t>
-            </a:r>
-            <a:endParaRPr lang="zh-CN" altLang="en-US" sz="2400"/>
-          </a:p>
-        </p:txBody>
-      </p:sp>
-      <p:sp>
-        <p:nvSpPr>
-          <p:cNvPr id="13" name="文本框 12"/>
-          <p:cNvSpPr txBox="1"/>
-          <p:nvPr/>
-        </p:nvSpPr>
-        <p:spPr>
-          <a:xfrm>
-            <a:off x="313237" y="2028227"/>
-            <a:ext cx="7268901" cy="646331"/>
-          </a:xfrm>
-          <a:prstGeom prst="rect">
-            <a:avLst/>
-          </a:prstGeom>
-          <a:noFill/>
-        </p:spPr>
-        <p:txBody>
-          <a:bodyPr wrap="square" rtlCol="0">
-            <a:spAutoFit/>
-          </a:bodyPr>
-          <a:lstStyle/>
-          <a:p>
-            <a:r>
-              <a:rPr lang="zh-CN" altLang="en-US">
-                <a:solidFill>
-                  <a:schemeClr val="bg1"/>
-                </a:solidFill>
-              </a:rPr>
-              <a:t>后台跑一个</a:t>
-            </a:r>
-            <a:r>
-              <a:rPr lang="en-US" altLang="zh-CN">
-                <a:solidFill>
-                  <a:schemeClr val="bg1"/>
-                </a:solidFill>
-              </a:rPr>
-              <a:t>tty</a:t>
-            </a:r>
-            <a:r>
-              <a:rPr lang="zh-CN" altLang="en-US">
-                <a:solidFill>
-                  <a:schemeClr val="bg1"/>
-                </a:solidFill>
-              </a:rPr>
-              <a:t>的守护进程，用于处理终端逻辑，可以用任何语言来跑这个守护进程，比如</a:t>
-            </a:r>
-            <a:r>
-              <a:rPr lang="en-US" altLang="zh-CN">
-                <a:solidFill>
-                  <a:schemeClr val="bg1"/>
-                </a:solidFill>
-              </a:rPr>
-              <a:t>python, golang, node, rust;</a:t>
-            </a:r>
-            <a:endParaRPr lang="zh-CN" altLang="en-US">
-              <a:solidFill>
-                <a:schemeClr val="bg1"/>
-              </a:solidFill>
-            </a:endParaRPr>
-          </a:p>
-        </p:txBody>
-      </p:sp>
-      <p:sp>
-        <p:nvSpPr>
-          <p:cNvPr id="14" name="文本框 13"/>
-          <p:cNvSpPr txBox="1"/>
-          <p:nvPr/>
-        </p:nvSpPr>
-        <p:spPr>
-          <a:xfrm>
-            <a:off x="244509" y="3046309"/>
-            <a:ext cx="7131445" cy="646331"/>
-          </a:xfrm>
-          <a:prstGeom prst="rect">
-            <a:avLst/>
-          </a:prstGeom>
-          <a:noFill/>
-        </p:spPr>
-        <p:txBody>
-          <a:bodyPr wrap="square" rtlCol="0">
-            <a:spAutoFit/>
-          </a:bodyPr>
-          <a:lstStyle/>
-          <a:p>
-            <a:r>
-              <a:rPr lang="zh-CN" altLang="en-US">
-                <a:solidFill>
-                  <a:schemeClr val="bg1"/>
-                </a:solidFill>
-              </a:rPr>
-              <a:t>通过</a:t>
-            </a:r>
-            <a:r>
-              <a:rPr lang="en-US" altLang="zh-CN">
-                <a:solidFill>
-                  <a:schemeClr val="bg1"/>
-                </a:solidFill>
-              </a:rPr>
-              <a:t>WebSocket</a:t>
-            </a:r>
-            <a:r>
-              <a:rPr lang="zh-CN" altLang="en-US">
-                <a:solidFill>
-                  <a:schemeClr val="bg1"/>
-                </a:solidFill>
-              </a:rPr>
-              <a:t>把</a:t>
-            </a:r>
-            <a:r>
-              <a:rPr lang="en-US" altLang="zh-CN">
-                <a:solidFill>
-                  <a:schemeClr val="bg1"/>
-                </a:solidFill>
-              </a:rPr>
-              <a:t>tty</a:t>
-            </a:r>
-            <a:r>
-              <a:rPr lang="zh-CN" altLang="en-US">
-                <a:solidFill>
-                  <a:schemeClr val="bg1"/>
-                </a:solidFill>
-              </a:rPr>
-              <a:t>的所有输出传递给浏览器</a:t>
-            </a:r>
-            <a:r>
-              <a:rPr lang="en-US" altLang="zh-CN">
-                <a:solidFill>
-                  <a:schemeClr val="bg1"/>
-                </a:solidFill>
-              </a:rPr>
-              <a:t>, </a:t>
-            </a:r>
-            <a:r>
-              <a:rPr lang="zh-CN" altLang="en-US">
-                <a:solidFill>
-                  <a:schemeClr val="bg1"/>
-                </a:solidFill>
-              </a:rPr>
-              <a:t>浏览器可以用</a:t>
-            </a:r>
-            <a:r>
-              <a:rPr lang="en-US" altLang="zh-CN">
-                <a:solidFill>
-                  <a:schemeClr val="bg1"/>
-                </a:solidFill>
-              </a:rPr>
-              <a:t>xterm.js</a:t>
-            </a:r>
-            <a:r>
-              <a:rPr lang="zh-CN" altLang="en-US">
-                <a:solidFill>
-                  <a:schemeClr val="bg1"/>
-                </a:solidFill>
-              </a:rPr>
-              <a:t>来渲染终端的字符序列</a:t>
-            </a:r>
-            <a:r>
-              <a:rPr lang="en-US" altLang="zh-CN">
-                <a:solidFill>
-                  <a:schemeClr val="bg1"/>
-                </a:solidFill>
-              </a:rPr>
-              <a:t>;</a:t>
-            </a:r>
-            <a:endParaRPr lang="zh-CN" altLang="en-US">
-              <a:solidFill>
-                <a:schemeClr val="bg1"/>
-              </a:solidFill>
-            </a:endParaRPr>
-          </a:p>
-        </p:txBody>
-      </p:sp>
-      <p:sp>
-        <p:nvSpPr>
-          <p:cNvPr id="15" name="文本框 14"/>
-          <p:cNvSpPr txBox="1"/>
-          <p:nvPr/>
-        </p:nvSpPr>
-        <p:spPr>
-          <a:xfrm>
-            <a:off x="313237" y="4000600"/>
-            <a:ext cx="6993989" cy="646331"/>
-          </a:xfrm>
-          <a:prstGeom prst="rect">
-            <a:avLst/>
-          </a:prstGeom>
-          <a:noFill/>
-        </p:spPr>
-        <p:txBody>
-          <a:bodyPr wrap="square" rtlCol="0">
-            <a:spAutoFit/>
-          </a:bodyPr>
-          <a:lstStyle/>
-          <a:p>
-            <a:r>
-              <a:rPr lang="en-US" altLang="zh-CN">
-                <a:solidFill>
-                  <a:schemeClr val="bg1"/>
-                </a:solidFill>
-              </a:rPr>
-              <a:t>xterm.js</a:t>
-            </a:r>
-            <a:r>
-              <a:rPr lang="zh-CN" altLang="en-US">
-                <a:solidFill>
-                  <a:schemeClr val="bg1"/>
-                </a:solidFill>
-              </a:rPr>
-              <a:t>接受用户事件通过</a:t>
-            </a:r>
-            <a:r>
-              <a:rPr lang="en-US" altLang="zh-CN">
-                <a:solidFill>
-                  <a:schemeClr val="bg1"/>
-                </a:solidFill>
-              </a:rPr>
-              <a:t>WebSocket</a:t>
-            </a:r>
-            <a:r>
-              <a:rPr lang="zh-CN" altLang="en-US">
-                <a:solidFill>
-                  <a:schemeClr val="bg1"/>
-                </a:solidFill>
-              </a:rPr>
-              <a:t>传递给后台的</a:t>
-            </a:r>
-            <a:r>
-              <a:rPr lang="en-US" altLang="zh-CN">
-                <a:solidFill>
-                  <a:schemeClr val="bg1"/>
-                </a:solidFill>
-              </a:rPr>
-              <a:t>tty</a:t>
-            </a:r>
-            <a:r>
-              <a:rPr lang="zh-CN" altLang="en-US">
-                <a:solidFill>
-                  <a:schemeClr val="bg1"/>
-                </a:solidFill>
-              </a:rPr>
-              <a:t>程序，完成整个终端模拟器的逻辑流程。</a:t>
-            </a:r>
-          </a:p>
-        </p:txBody>
-      </p:sp>
-      <p:pic>
-        <p:nvPicPr>
-          <p:cNvPr id="3" name="图片 2">
-            <a:extLst>
-              <a:ext uri="{FF2B5EF4-FFF2-40B4-BE49-F238E27FC236}">
-                <a16:creationId xmlns:a16="http://schemas.microsoft.com/office/drawing/2014/main" id="{87F81989-6F52-4775-A797-5096307C666F}"/>
-              </a:ext>
-            </a:extLst>
-          </p:cNvPr>
-          <p:cNvPicPr>
-            <a:picLocks noChangeAspect="1"/>
-          </p:cNvPicPr>
-          <p:nvPr/>
-        </p:nvPicPr>
-        <p:blipFill>
-          <a:blip r:embed="rId4">
-            <a:extLst>
-              <a:ext uri="{28A0092B-C50C-407E-A947-70E740481C1C}">
-                <a14:useLocalDpi xmlns:a14="http://schemas.microsoft.com/office/drawing/2010/main" val="0"/>
-              </a:ext>
-            </a:extLst>
-          </a:blip>
-          <a:stretch>
-            <a:fillRect/>
-          </a:stretch>
-        </p:blipFill>
-        <p:spPr>
-          <a:xfrm>
             <a:off x="8842939" y="-11575"/>
             <a:ext cx="3356897" cy="632646"/>
           </a:xfrm>
@@ -9372,11 +8337,6 @@
         </p:spPr>
       </p:pic>
     </p:spTree>
-    <p:extLst>
-      <p:ext uri="{BB962C8B-B14F-4D97-AF65-F5344CB8AC3E}">
-        <p14:creationId xmlns:p14="http://schemas.microsoft.com/office/powerpoint/2010/main" val="3198813465"/>
-      </p:ext>
-    </p:extLst>
   </p:cSld>
   <p:clrMapOvr>
     <a:masterClrMapping/>
@@ -9384,7 +8344,7 @@
 </p:sld>
 </file>
 
-<file path=ppt/slides/slide9.xml><?xml version="1.0" encoding="utf-8"?>
+<file path=ppt/slides/slide8.xml><?xml version="1.0" encoding="utf-8"?>
 <p:sld xmlns:a="http://schemas.openxmlformats.org/drawingml/2006/main" xmlns:r="http://schemas.openxmlformats.org/officeDocument/2006/relationships" xmlns:p="http://schemas.openxmlformats.org/presentationml/2006/main">
   <p:cSld>
     <p:bg>
@@ -9421,6 +8381,115 @@
           <p:nvPr/>
         </p:nvPicPr>
         <p:blipFill>
+          <a:blip r:embed="rId1">
+            <a:extLst>
+              <a:ext uri="{28A0092B-C50C-407E-A947-70E740481C1C}">
+                <a14:useLocalDpi xmlns:a14="http://schemas.microsoft.com/office/drawing/2010/main" val="0"/>
+              </a:ext>
+            </a:extLst>
+          </a:blip>
+          <a:stretch>
+            <a:fillRect/>
+          </a:stretch>
+        </p:blipFill>
+        <p:spPr>
+          <a:xfrm>
+            <a:off x="1378944" y="1564463"/>
+            <a:ext cx="9058275" cy="4591050"/>
+          </a:xfrm>
+          <a:prstGeom prst="rect">
+            <a:avLst/>
+          </a:prstGeom>
+        </p:spPr>
+      </p:pic>
+      <p:sp>
+        <p:nvSpPr>
+          <p:cNvPr id="6" name="文本框 5"/>
+          <p:cNvSpPr txBox="1"/>
+          <p:nvPr/>
+        </p:nvSpPr>
+        <p:spPr>
+          <a:xfrm>
+            <a:off x="7157010" y="17003"/>
+            <a:ext cx="1655180" cy="523220"/>
+          </a:xfrm>
+          <a:prstGeom prst="rect">
+            <a:avLst/>
+          </a:prstGeom>
+          <a:noFill/>
+        </p:spPr>
+        <p:txBody>
+          <a:bodyPr wrap="square" rtlCol="0">
+            <a:spAutoFit/>
+          </a:bodyPr>
+          <a:lstStyle/>
+          <a:p>
+            <a:r>
+              <a:rPr lang="zh-CN" altLang="en-US" sz="2800">
+                <a:latin typeface="华文行楷" panose="02010800040101010101" pitchFamily="2" charset="-122"/>
+                <a:ea typeface="华文行楷" panose="02010800040101010101" pitchFamily="2" charset="-122"/>
+              </a:rPr>
+              <a:t>项目难点</a:t>
+            </a:r>
+            <a:endParaRPr lang="zh-CN" altLang="en-US" sz="2800">
+              <a:latin typeface="华文行楷" panose="02010800040101010101" pitchFamily="2" charset="-122"/>
+              <a:ea typeface="华文行楷" panose="02010800040101010101" pitchFamily="2" charset="-122"/>
+            </a:endParaRPr>
+          </a:p>
+        </p:txBody>
+      </p:sp>
+      <p:sp>
+        <p:nvSpPr>
+          <p:cNvPr id="7" name="文本框 6"/>
+          <p:cNvSpPr txBox="1"/>
+          <p:nvPr/>
+        </p:nvSpPr>
+        <p:spPr>
+          <a:xfrm>
+            <a:off x="2314934" y="783295"/>
+            <a:ext cx="1956122" cy="461665"/>
+          </a:xfrm>
+          <a:prstGeom prst="rect">
+            <a:avLst/>
+          </a:prstGeom>
+          <a:noFill/>
+        </p:spPr>
+        <p:txBody>
+          <a:bodyPr wrap="square" rtlCol="0">
+            <a:spAutoFit/>
+          </a:bodyPr>
+          <a:lstStyle/>
+          <a:p>
+            <a:r>
+              <a:rPr lang="en-US" altLang="zh-CN" sz="2400">
+                <a:latin typeface="隶书" panose="02010509060101010101" pitchFamily="49" charset="-122"/>
+                <a:ea typeface="隶书" panose="02010509060101010101" pitchFamily="49" charset="-122"/>
+              </a:rPr>
+              <a:t>Webssh </a:t>
+            </a:r>
+            <a:r>
+              <a:rPr lang="zh-CN" altLang="en-US" sz="2400">
+                <a:latin typeface="隶书" panose="02010509060101010101" pitchFamily="49" charset="-122"/>
+                <a:ea typeface="隶书" panose="02010509060101010101" pitchFamily="49" charset="-122"/>
+              </a:rPr>
+              <a:t>：</a:t>
+            </a:r>
+            <a:endParaRPr lang="zh-CN" altLang="en-US" sz="2400">
+              <a:latin typeface="隶书" panose="02010509060101010101" pitchFamily="49" charset="-122"/>
+              <a:ea typeface="隶书" panose="02010509060101010101" pitchFamily="49" charset="-122"/>
+            </a:endParaRPr>
+          </a:p>
+        </p:txBody>
+      </p:sp>
+      <p:pic>
+        <p:nvPicPr>
+          <p:cNvPr id="3" name="图片 2"/>
+          <p:cNvPicPr>
+            <a:picLocks noChangeAspect="1"/>
+          </p:cNvPicPr>
+          <p:nvPr/>
+        </p:nvPicPr>
+        <p:blipFill>
           <a:blip r:embed="rId2">
             <a:extLst>
               <a:ext uri="{28A0092B-C50C-407E-A947-70E740481C1C}">
@@ -9434,8 +8503,129 @@
         </p:blipFill>
         <p:spPr>
           <a:xfrm>
-            <a:off x="1378944" y="1564463"/>
-            <a:ext cx="9058275" cy="4591050"/>
+            <a:off x="8819908" y="0"/>
+            <a:ext cx="3372091" cy="635509"/>
+          </a:xfrm>
+          <a:prstGeom prst="rect">
+            <a:avLst/>
+          </a:prstGeom>
+        </p:spPr>
+      </p:pic>
+    </p:spTree>
+  </p:cSld>
+  <p:clrMapOvr>
+    <a:masterClrMapping/>
+  </p:clrMapOvr>
+</p:sld>
+</file>
+
+<file path=ppt/slides/slide9.xml><?xml version="1.0" encoding="utf-8"?>
+<p:sld xmlns:a="http://schemas.openxmlformats.org/drawingml/2006/main" xmlns:r="http://schemas.openxmlformats.org/officeDocument/2006/relationships" xmlns:p="http://schemas.openxmlformats.org/presentationml/2006/main">
+  <p:cSld>
+    <p:bg>
+      <p:bgPr>
+        <a:blipFill dpi="0" rotWithShape="1">
+          <a:blip r:embed="rId1">
+            <a:lum/>
+          </a:blip>
+          <a:srcRect/>
+          <a:stretch>
+            <a:fillRect t="-10000" b="-10000"/>
+          </a:stretch>
+        </a:blipFill>
+        <a:effectLst/>
+      </p:bgPr>
+    </p:bg>
+    <p:spTree>
+      <p:nvGrpSpPr>
+        <p:cNvPr id="1" name=""/>
+        <p:cNvGrpSpPr/>
+        <p:nvPr/>
+      </p:nvGrpSpPr>
+      <p:grpSpPr>
+        <a:xfrm>
+          <a:off x="0" y="0"/>
+          <a:ext cx="0" cy="0"/>
+          <a:chOff x="0" y="0"/>
+          <a:chExt cx="0" cy="0"/>
+        </a:xfrm>
+      </p:grpSpPr>
+      <p:sp>
+        <p:nvSpPr>
+          <p:cNvPr id="4" name="文本框 3"/>
+          <p:cNvSpPr txBox="1"/>
+          <p:nvPr/>
+        </p:nvSpPr>
+        <p:spPr>
+          <a:xfrm>
+            <a:off x="432121" y="832981"/>
+            <a:ext cx="2928395" cy="584775"/>
+          </a:xfrm>
+          <a:prstGeom prst="rect">
+            <a:avLst/>
+          </a:prstGeom>
+          <a:noFill/>
+        </p:spPr>
+        <p:txBody>
+          <a:bodyPr wrap="square" rtlCol="0">
+            <a:spAutoFit/>
+          </a:bodyPr>
+          <a:lstStyle/>
+          <a:p>
+            <a:r>
+              <a:rPr lang="zh-CN" altLang="en-US" sz="2800">
+                <a:solidFill>
+                  <a:schemeClr val="bg1"/>
+                </a:solidFill>
+                <a:latin typeface="华文行楷" panose="02010800040101010101" pitchFamily="2" charset="-122"/>
+                <a:ea typeface="华文行楷" panose="02010800040101010101" pitchFamily="2" charset="-122"/>
+              </a:rPr>
+              <a:t>次本项目难点是</a:t>
+            </a:r>
+            <a:r>
+              <a:rPr lang="zh-CN" altLang="en-US" sz="3200">
+                <a:solidFill>
+                  <a:schemeClr val="bg1"/>
+                </a:solidFill>
+                <a:latin typeface="华文行楷" panose="02010800040101010101" pitchFamily="2" charset="-122"/>
+                <a:ea typeface="华文行楷" panose="02010800040101010101" pitchFamily="2" charset="-122"/>
+              </a:rPr>
+              <a:t>：</a:t>
+            </a:r>
+            <a:endParaRPr lang="zh-CN" altLang="en-US" sz="3200">
+              <a:solidFill>
+                <a:schemeClr val="bg1"/>
+              </a:solidFill>
+              <a:latin typeface="华文行楷" panose="02010800040101010101" pitchFamily="2" charset="-122"/>
+              <a:ea typeface="华文行楷" panose="02010800040101010101" pitchFamily="2" charset="-122"/>
+            </a:endParaRPr>
+          </a:p>
+        </p:txBody>
+      </p:sp>
+      <p:pic>
+        <p:nvPicPr>
+          <p:cNvPr id="5" name="图片 4"/>
+          <p:cNvPicPr>
+            <a:picLocks noChangeAspect="1"/>
+          </p:cNvPicPr>
+          <p:nvPr/>
+        </p:nvPicPr>
+        <p:blipFill>
+          <a:blip r:embed="rId2">
+            <a:extLst>
+              <a:ext uri="{28A0092B-C50C-407E-A947-70E740481C1C}">
+                <a14:useLocalDpi xmlns:a14="http://schemas.microsoft.com/office/drawing/2010/main" val="0"/>
+              </a:ext>
+            </a:extLst>
+          </a:blip>
+          <a:stretch>
+            <a:fillRect/>
+          </a:stretch>
+        </p:blipFill>
+        <p:spPr>
+          <a:xfrm>
+            <a:off x="6007261" y="1891682"/>
+            <a:ext cx="5602147" cy="4085864"/>
           </a:xfrm>
           <a:prstGeom prst="rect">
             <a:avLst/>
@@ -9450,8 +8640,8 @@
         </p:nvSpPr>
         <p:spPr>
           <a:xfrm>
-            <a:off x="7157010" y="17003"/>
-            <a:ext cx="1655180" cy="523220"/>
+            <a:off x="7299536" y="-1081"/>
+            <a:ext cx="1620457" cy="523220"/>
           </a:xfrm>
           <a:prstGeom prst="rect">
             <a:avLst/>
@@ -9466,24 +8656,75 @@
           <a:p>
             <a:r>
               <a:rPr lang="zh-CN" altLang="en-US" sz="2800">
+                <a:solidFill>
+                  <a:schemeClr val="bg1"/>
+                </a:solidFill>
                 <a:latin typeface="华文行楷" panose="02010800040101010101" pitchFamily="2" charset="-122"/>
                 <a:ea typeface="华文行楷" panose="02010800040101010101" pitchFamily="2" charset="-122"/>
               </a:rPr>
               <a:t>项目难点</a:t>
             </a:r>
-          </a:p>
-        </p:txBody>
-      </p:sp>
-      <p:sp>
-        <p:nvSpPr>
-          <p:cNvPr id="7" name="文本框 6"/>
+            <a:endParaRPr lang="zh-CN" altLang="en-US" sz="2800">
+              <a:solidFill>
+                <a:schemeClr val="bg1"/>
+              </a:solidFill>
+              <a:latin typeface="华文行楷" panose="02010800040101010101" pitchFamily="2" charset="-122"/>
+              <a:ea typeface="华文行楷" panose="02010800040101010101" pitchFamily="2" charset="-122"/>
+            </a:endParaRPr>
+          </a:p>
+        </p:txBody>
+      </p:sp>
+      <p:sp>
+        <p:nvSpPr>
+          <p:cNvPr id="8" name="矩形 7"/>
+          <p:cNvSpPr/>
+          <p:nvPr/>
+        </p:nvSpPr>
+        <p:spPr>
+          <a:xfrm>
+            <a:off x="432121" y="1891682"/>
+            <a:ext cx="4579717" cy="3785652"/>
+          </a:xfrm>
+          <a:prstGeom prst="rect">
+            <a:avLst/>
+          </a:prstGeom>
+        </p:spPr>
+        <p:txBody>
+          <a:bodyPr wrap="square">
+            <a:spAutoFit/>
+          </a:bodyPr>
+          <a:lstStyle/>
+          <a:p>
+            <a:r>
+              <a:rPr lang="zh-CN" altLang="en-US" sz="2400">
+                <a:solidFill>
+                  <a:schemeClr val="bg1"/>
+                </a:solidFill>
+                <a:latin typeface="楷体" panose="02010609060101010101" pitchFamily="49" charset="-122"/>
+                <a:ea typeface="楷体" panose="02010609060101010101" pitchFamily="49" charset="-122"/>
+              </a:rPr>
+              <a:t>为什么我收到错误“TypeError：无法读取未定义的属性‘importKey’”这通常是因为您的 Web 浏览器不支持 WebCrypt API，或者支持已被禁用。如果您使用的是 Google Chrome，请使用 HTTPS 连接 Sshwifty。当连接不安全时，Chrome 将禁用 WebCrypt 和许多其他 API。</a:t>
+            </a:r>
+            <a:endParaRPr lang="zh-CN" altLang="en-US" sz="2400">
+              <a:solidFill>
+                <a:schemeClr val="bg1"/>
+              </a:solidFill>
+              <a:latin typeface="楷体" panose="02010609060101010101" pitchFamily="49" charset="-122"/>
+              <a:ea typeface="楷体" panose="02010609060101010101" pitchFamily="49" charset="-122"/>
+            </a:endParaRPr>
+          </a:p>
+        </p:txBody>
+      </p:sp>
+      <p:sp>
+        <p:nvSpPr>
+          <p:cNvPr id="2" name="文本框 1"/>
           <p:cNvSpPr txBox="1"/>
           <p:nvPr/>
         </p:nvSpPr>
         <p:spPr>
           <a:xfrm>
-            <a:off x="2314934" y="783295"/>
-            <a:ext cx="1956122" cy="461665"/>
+            <a:off x="6300440" y="1293541"/>
+            <a:ext cx="1427356" cy="369332"/>
           </a:xfrm>
           <a:prstGeom prst="rect">
             <a:avLst/>
@@ -9497,31 +8738,24 @@
           <a:lstStyle/>
           <a:p>
             <a:r>
-              <a:rPr lang="en-US" altLang="zh-CN" sz="2400">
-                <a:latin typeface="隶书" panose="02010509060101010101" pitchFamily="49" charset="-122"/>
-                <a:ea typeface="隶书" panose="02010509060101010101" pitchFamily="49" charset="-122"/>
+              <a:rPr lang="en-US" altLang="zh-CN">
+                <a:solidFill>
+                  <a:schemeClr val="bg1"/>
+                </a:solidFill>
               </a:rPr>
-              <a:t>Webssh </a:t>
-            </a:r>
-            <a:r>
-              <a:rPr lang="zh-CN" altLang="en-US" sz="2400">
-                <a:latin typeface="隶书" panose="02010509060101010101" pitchFamily="49" charset="-122"/>
-                <a:ea typeface="隶书" panose="02010509060101010101" pitchFamily="49" charset="-122"/>
-              </a:rPr>
-              <a:t>：</a:t>
-            </a:r>
+              <a:t>Sshwifty:</a:t>
+            </a:r>
+            <a:endParaRPr lang="zh-CN" altLang="en-US">
+              <a:solidFill>
+                <a:schemeClr val="bg1"/>
+              </a:solidFill>
+            </a:endParaRPr>
           </a:p>
         </p:txBody>
       </p:sp>
       <p:pic>
         <p:nvPicPr>
-          <p:cNvPr id="3" name="图片 2">
-            <a:extLst>
-              <a:ext uri="{FF2B5EF4-FFF2-40B4-BE49-F238E27FC236}">
-                <a16:creationId xmlns:a16="http://schemas.microsoft.com/office/drawing/2014/main" id="{A4A8B3D7-256E-45FE-97B6-181EC8A751D5}"/>
-              </a:ext>
-            </a:extLst>
-          </p:cNvPr>
+          <p:cNvPr id="7" name="图片 6"/>
           <p:cNvPicPr>
             <a:picLocks noChangeAspect="1"/>
           </p:cNvPicPr>
@@ -9541,8 +8775,8 @@
         </p:blipFill>
         <p:spPr>
           <a:xfrm>
-            <a:off x="8819908" y="0"/>
-            <a:ext cx="3372091" cy="635509"/>
+            <a:off x="8936915" y="0"/>
+            <a:ext cx="3255085" cy="613458"/>
           </a:xfrm>
           <a:prstGeom prst="rect">
             <a:avLst/>
@@ -9550,11 +8784,6 @@
         </p:spPr>
       </p:pic>
     </p:spTree>
-    <p:extLst>
-      <p:ext uri="{BB962C8B-B14F-4D97-AF65-F5344CB8AC3E}">
-        <p14:creationId xmlns:p14="http://schemas.microsoft.com/office/powerpoint/2010/main" val="2905342497"/>
-      </p:ext>
-    </p:extLst>
   </p:cSld>
   <p:clrMapOvr>
     <a:masterClrMapping/>
@@ -9605,7 +8834,7 @@
     </a:clrScheme>
     <a:fontScheme name="Office">
       <a:majorFont>
-        <a:latin typeface="等线 Light" panose="020F0302020204030204"/>
+        <a:latin typeface="等线 Light"/>
         <a:ea typeface=""/>
         <a:cs typeface=""/>
         <a:font script="Jpan" typeface="游ゴシック Light"/>
@@ -9640,7 +8869,7 @@
         <a:font script="Geor" typeface="Sylfaen"/>
       </a:majorFont>
       <a:minorFont>
-        <a:latin typeface="等线" panose="020F0502020204030204"/>
+        <a:latin typeface="等线"/>
         <a:ea typeface=""/>
         <a:cs typeface=""/>
         <a:font script="Jpan" typeface="游ゴシック"/>
@@ -9813,8 +9042,6 @@
       </a:bgFillStyleLst>
     </a:fmtScheme>
   </a:themeElements>
-  <a:objectDefaults/>
-  <a:extraClrSchemeLst/>
   <a:extLst>
     <a:ext uri="{05A4C25C-085E-4340-85A3-A5531E510DB2}">
       <thm15:themeFamily xmlns:thm15="http://schemas.microsoft.com/office/thememl/2012/main" name="Office Theme" id="{62F939B6-93AF-4DB8-9C6B-D6C7DFDC589F}" vid="{4A3C46E8-61CC-4603-A589-7422A47A8E4A}"/>
@@ -9866,7 +9093,7 @@
     </a:clrScheme>
     <a:fontScheme name="Office">
       <a:majorFont>
-        <a:latin typeface="等线 Light" panose="020F0302020204030204"/>
+        <a:latin typeface="等线 Light"/>
         <a:ea typeface=""/>
         <a:cs typeface=""/>
         <a:font script="Jpan" typeface="游ゴシック Light"/>
@@ -9901,7 +9128,7 @@
         <a:font script="Geor" typeface="Sylfaen"/>
       </a:majorFont>
       <a:minorFont>
-        <a:latin typeface="等线" panose="020F0502020204030204"/>
+        <a:latin typeface="等线"/>
         <a:ea typeface=""/>
         <a:cs typeface=""/>
         <a:font script="Jpan" typeface="游ゴシック"/>
@@ -10074,8 +9301,6 @@
       </a:bgFillStyleLst>
     </a:fmtScheme>
   </a:themeElements>
-  <a:objectDefaults/>
-  <a:extraClrSchemeLst/>
   <a:extLst>
     <a:ext uri="{05A4C25C-085E-4340-85A3-A5531E510DB2}">
       <thm15:themeFamily xmlns:thm15="http://schemas.microsoft.com/office/thememl/2012/main" name="Office Theme" id="{62F939B6-93AF-4DB8-9C6B-D6C7DFDC589F}" vid="{4A3C46E8-61CC-4603-A589-7422A47A8E4A}"/>
